--- a/Machine_Learning_in_Finance_Gruppenarbeit_Gruppe1_V1.pptx
+++ b/Machine_Learning_in_Finance_Gruppenarbeit_Gruppe1_V1.pptx
@@ -16,7 +16,7 @@
     <p:sldId id="269" r:id="rId7"/>
     <p:sldId id="268" r:id="rId8"/>
     <p:sldId id="266" r:id="rId9"/>
-    <p:sldId id="267" r:id="rId10"/>
+    <p:sldId id="270" r:id="rId10"/>
     <p:sldId id="264" r:id="rId11"/>
   </p:sldIdLst>
   <p:sldSz cx="12192000" cy="6858000"/>
@@ -3206,7 +3206,7 @@
           <a:p>
             <a:r>
               <a:rPr lang="de-CH" dirty="0"/>
-              <a:t>Tim Ehrensperger, Marco Heiniger, Marc Tschudi, Pascal Huser</a:t>
+              <a:t>Tim Ehrensperger, Marco Heiniger, Pascal Huser, Marc Tschudi</a:t>
             </a:r>
           </a:p>
         </p:txBody>
@@ -3346,12 +3346,8 @@
           <a:lstStyle/>
           <a:p>
             <a:r>
-              <a:rPr lang="de-CH" dirty="0"/>
-              <a:t>Take </a:t>
-            </a:r>
-            <a:r>
               <a:rPr lang="de-CH" dirty="0" err="1"/>
-              <a:t>Away</a:t>
+              <a:t>Conclusion</a:t>
             </a:r>
             <a:endParaRPr lang="de-CH" dirty="0"/>
           </a:p>
@@ -3479,7 +3475,7 @@
         <p:spPr>
           <a:xfrm>
             <a:off x="911225" y="2276872"/>
-            <a:ext cx="10369550" cy="353943"/>
+            <a:ext cx="10369550" cy="3754874"/>
           </a:xfrm>
           <a:prstGeom prst="rect">
             <a:avLst/>
@@ -3491,63 +3487,1204 @@
           </a:bodyPr>
           <a:lstStyle/>
           <a:p>
-            <a:r>
-              <a:rPr lang="de-CH" b="1" dirty="0"/>
-              <a:t>- Big </a:t>
-            </a:r>
-            <a:r>
-              <a:rPr lang="de-CH" b="1" dirty="0" err="1"/>
-              <a:t>differences</a:t>
-            </a:r>
-            <a:r>
-              <a:rPr lang="de-CH" b="1" dirty="0"/>
-              <a:t> </a:t>
-            </a:r>
-            <a:r>
-              <a:rPr lang="de-CH" b="1" dirty="0" err="1"/>
-              <a:t>through</a:t>
-            </a:r>
-            <a:r>
-              <a:rPr lang="de-CH" b="1" dirty="0"/>
-              <a:t> </a:t>
-            </a:r>
-            <a:r>
-              <a:rPr lang="de-CH" b="1" dirty="0" err="1"/>
+            <a:pPr marL="285750" indent="-285750">
+              <a:buFontTx/>
+              <a:buChar char="-"/>
+            </a:pPr>
+            <a:r>
+              <a:rPr lang="de-CH" sz="1400" dirty="0"/>
+              <a:t>At </a:t>
+            </a:r>
+            <a:r>
+              <a:rPr lang="de-CH" sz="1400" dirty="0" err="1"/>
+              <a:t>first</a:t>
+            </a:r>
+            <a:r>
+              <a:rPr lang="de-CH" sz="1400" dirty="0"/>
+              <a:t>, </a:t>
+            </a:r>
+            <a:r>
+              <a:rPr lang="de-CH" sz="1400" dirty="0" err="1"/>
+              <a:t>we</a:t>
+            </a:r>
+            <a:r>
+              <a:rPr lang="de-CH" sz="1400" dirty="0"/>
+              <a:t> </a:t>
+            </a:r>
+            <a:r>
+              <a:rPr lang="de-CH" sz="1400" dirty="0" err="1"/>
+              <a:t>asked</a:t>
+            </a:r>
+            <a:r>
+              <a:rPr lang="de-CH" sz="1400" dirty="0"/>
+              <a:t> </a:t>
+            </a:r>
+            <a:r>
+              <a:rPr lang="de-CH" sz="1400" dirty="0" err="1"/>
+              <a:t>ourselve</a:t>
+            </a:r>
+            <a:r>
+              <a:rPr lang="de-CH" sz="1400" dirty="0"/>
+              <a:t> </a:t>
+            </a:r>
+            <a:r>
+              <a:rPr lang="de-CH" sz="1400" dirty="0" err="1"/>
+              <a:t>what</a:t>
+            </a:r>
+            <a:r>
+              <a:rPr lang="de-CH" sz="1400" dirty="0"/>
+              <a:t> </a:t>
+            </a:r>
+            <a:r>
+              <a:rPr lang="de-CH" sz="1400" dirty="0" err="1"/>
+              <a:t>accuracy</a:t>
+            </a:r>
+            <a:r>
+              <a:rPr lang="de-CH" sz="1400" dirty="0"/>
+              <a:t> score </a:t>
+            </a:r>
+            <a:r>
+              <a:rPr lang="de-CH" sz="1400" dirty="0" err="1"/>
+              <a:t>we</a:t>
+            </a:r>
+            <a:r>
+              <a:rPr lang="de-CH" sz="1400" dirty="0"/>
+              <a:t> </a:t>
+            </a:r>
+            <a:r>
+              <a:rPr lang="de-CH" sz="1400" dirty="0" err="1"/>
+              <a:t>would</a:t>
+            </a:r>
+            <a:r>
+              <a:rPr lang="de-CH" sz="1400" dirty="0"/>
+              <a:t> </a:t>
+            </a:r>
+            <a:r>
+              <a:rPr lang="de-CH" sz="1400" dirty="0" err="1"/>
+              <a:t>be</a:t>
+            </a:r>
+            <a:r>
+              <a:rPr lang="de-CH" sz="1400" dirty="0"/>
+              <a:t> </a:t>
+            </a:r>
+            <a:r>
+              <a:rPr lang="de-CH" sz="1400" dirty="0" err="1"/>
+              <a:t>aiming</a:t>
+            </a:r>
+            <a:r>
+              <a:rPr lang="de-CH" sz="1400" dirty="0"/>
+              <a:t> </a:t>
+            </a:r>
+            <a:r>
+              <a:rPr lang="de-CH" sz="1400" dirty="0" err="1"/>
+              <a:t>for</a:t>
+            </a:r>
+            <a:r>
+              <a:rPr lang="de-CH" sz="1400" dirty="0"/>
+              <a:t> </a:t>
+            </a:r>
+            <a:r>
+              <a:rPr lang="de-CH" sz="1400" dirty="0">
+                <a:sym typeface="Wingdings" panose="05000000000000000000" pitchFamily="2" charset="2"/>
+              </a:rPr>
+              <a:t> 65-75%</a:t>
+            </a:r>
+          </a:p>
+          <a:p>
+            <a:pPr marL="285750" indent="-285750">
+              <a:buFontTx/>
+              <a:buChar char="-"/>
+            </a:pPr>
+            <a:endParaRPr lang="de-CH" sz="1400" dirty="0">
+              <a:sym typeface="Wingdings" panose="05000000000000000000" pitchFamily="2" charset="2"/>
+            </a:endParaRPr>
+          </a:p>
+          <a:p>
+            <a:pPr marL="285750" indent="-285750">
+              <a:buFontTx/>
+              <a:buChar char="-"/>
+            </a:pPr>
+            <a:r>
+              <a:rPr lang="de-CH" sz="1400" dirty="0">
+                <a:sym typeface="Wingdings" panose="05000000000000000000" pitchFamily="2" charset="2"/>
+              </a:rPr>
+              <a:t>Just </a:t>
+            </a:r>
+            <a:r>
+              <a:rPr lang="de-CH" sz="1400" dirty="0" err="1">
+                <a:sym typeface="Wingdings" panose="05000000000000000000" pitchFamily="2" charset="2"/>
+              </a:rPr>
+              <a:t>predicting</a:t>
+            </a:r>
+            <a:r>
+              <a:rPr lang="de-CH" sz="1400" dirty="0">
+                <a:sym typeface="Wingdings" panose="05000000000000000000" pitchFamily="2" charset="2"/>
+              </a:rPr>
+              <a:t> «</a:t>
+            </a:r>
+            <a:r>
+              <a:rPr lang="de-CH" sz="1400" dirty="0" err="1">
+                <a:sym typeface="Wingdings" panose="05000000000000000000" pitchFamily="2" charset="2"/>
+              </a:rPr>
+              <a:t>sell</a:t>
+            </a:r>
+            <a:r>
+              <a:rPr lang="de-CH" sz="1400" dirty="0">
+                <a:sym typeface="Wingdings" panose="05000000000000000000" pitchFamily="2" charset="2"/>
+              </a:rPr>
+              <a:t>» </a:t>
+            </a:r>
+            <a:r>
+              <a:rPr lang="de-CH" sz="1400" dirty="0" err="1">
+                <a:sym typeface="Wingdings" panose="05000000000000000000" pitchFamily="2" charset="2"/>
+              </a:rPr>
+              <a:t>would</a:t>
+            </a:r>
+            <a:r>
+              <a:rPr lang="de-CH" sz="1400" dirty="0">
+                <a:sym typeface="Wingdings" panose="05000000000000000000" pitchFamily="2" charset="2"/>
+              </a:rPr>
+              <a:t> </a:t>
+            </a:r>
+            <a:r>
+              <a:rPr lang="de-CH" sz="1400" dirty="0" err="1">
+                <a:sym typeface="Wingdings" panose="05000000000000000000" pitchFamily="2" charset="2"/>
+              </a:rPr>
+              <a:t>have</a:t>
+            </a:r>
+            <a:r>
+              <a:rPr lang="de-CH" sz="1400" dirty="0">
+                <a:sym typeface="Wingdings" panose="05000000000000000000" pitchFamily="2" charset="2"/>
+              </a:rPr>
+              <a:t> </a:t>
+            </a:r>
+            <a:r>
+              <a:rPr lang="de-CH" sz="1400" dirty="0" err="1">
+                <a:sym typeface="Wingdings" panose="05000000000000000000" pitchFamily="2" charset="2"/>
+              </a:rPr>
+              <a:t>resulted</a:t>
+            </a:r>
+            <a:r>
+              <a:rPr lang="de-CH" sz="1400" dirty="0">
+                <a:sym typeface="Wingdings" panose="05000000000000000000" pitchFamily="2" charset="2"/>
+              </a:rPr>
+              <a:t> in a score </a:t>
+            </a:r>
+            <a:r>
+              <a:rPr lang="de-CH" sz="1400" dirty="0" err="1">
+                <a:sym typeface="Wingdings" panose="05000000000000000000" pitchFamily="2" charset="2"/>
+              </a:rPr>
+              <a:t>of</a:t>
+            </a:r>
+            <a:r>
+              <a:rPr lang="de-CH" sz="1400" dirty="0">
+                <a:sym typeface="Wingdings" panose="05000000000000000000" pitchFamily="2" charset="2"/>
+              </a:rPr>
+              <a:t> 53%  </a:t>
+            </a:r>
+            <a:r>
+              <a:rPr lang="de-CH" sz="1400" dirty="0" err="1">
+                <a:sym typeface="Wingdings" panose="05000000000000000000" pitchFamily="2" charset="2"/>
+              </a:rPr>
+              <a:t>we</a:t>
+            </a:r>
+            <a:r>
+              <a:rPr lang="de-CH" sz="1400" dirty="0">
+                <a:sym typeface="Wingdings" panose="05000000000000000000" pitchFamily="2" charset="2"/>
+              </a:rPr>
+              <a:t> </a:t>
+            </a:r>
+            <a:r>
+              <a:rPr lang="de-CH" sz="1400" dirty="0" err="1">
+                <a:sym typeface="Wingdings" panose="05000000000000000000" pitchFamily="2" charset="2"/>
+              </a:rPr>
+              <a:t>managed</a:t>
+            </a:r>
+            <a:r>
+              <a:rPr lang="de-CH" sz="1400" dirty="0">
+                <a:sym typeface="Wingdings" panose="05000000000000000000" pitchFamily="2" charset="2"/>
+              </a:rPr>
+              <a:t> </a:t>
+            </a:r>
+            <a:r>
+              <a:rPr lang="de-CH" sz="1400" dirty="0" err="1">
+                <a:sym typeface="Wingdings" panose="05000000000000000000" pitchFamily="2" charset="2"/>
+              </a:rPr>
+              <a:t>to</a:t>
+            </a:r>
+            <a:r>
+              <a:rPr lang="de-CH" sz="1400" dirty="0">
+                <a:sym typeface="Wingdings" panose="05000000000000000000" pitchFamily="2" charset="2"/>
+              </a:rPr>
+              <a:t> push </a:t>
+            </a:r>
+            <a:r>
+              <a:rPr lang="de-CH" sz="1400" dirty="0" err="1">
+                <a:sym typeface="Wingdings" panose="05000000000000000000" pitchFamily="2" charset="2"/>
+              </a:rPr>
+              <a:t>the</a:t>
+            </a:r>
+            <a:r>
+              <a:rPr lang="de-CH" sz="1400" dirty="0">
+                <a:sym typeface="Wingdings" panose="05000000000000000000" pitchFamily="2" charset="2"/>
+              </a:rPr>
+              <a:t> score </a:t>
+            </a:r>
+            <a:r>
+              <a:rPr lang="de-CH" sz="1400" dirty="0" err="1">
+                <a:sym typeface="Wingdings" panose="05000000000000000000" pitchFamily="2" charset="2"/>
+              </a:rPr>
+              <a:t>up</a:t>
+            </a:r>
+            <a:r>
+              <a:rPr lang="de-CH" sz="1400" dirty="0">
+                <a:sym typeface="Wingdings" panose="05000000000000000000" pitchFamily="2" charset="2"/>
+              </a:rPr>
+              <a:t> </a:t>
+            </a:r>
+            <a:r>
+              <a:rPr lang="de-CH" sz="1400" dirty="0" err="1">
+                <a:sym typeface="Wingdings" panose="05000000000000000000" pitchFamily="2" charset="2"/>
+              </a:rPr>
+              <a:t>by</a:t>
+            </a:r>
+            <a:r>
+              <a:rPr lang="de-CH" sz="1400" dirty="0">
+                <a:sym typeface="Wingdings" panose="05000000000000000000" pitchFamily="2" charset="2"/>
+              </a:rPr>
+              <a:t> </a:t>
+            </a:r>
+            <a:r>
+              <a:rPr lang="de-CH" sz="1400" dirty="0" err="1">
+                <a:sym typeface="Wingdings" panose="05000000000000000000" pitchFamily="2" charset="2"/>
+              </a:rPr>
+              <a:t>prediting</a:t>
+            </a:r>
+            <a:r>
+              <a:rPr lang="de-CH" sz="1400" dirty="0">
+                <a:sym typeface="Wingdings" panose="05000000000000000000" pitchFamily="2" charset="2"/>
+              </a:rPr>
+              <a:t> «</a:t>
+            </a:r>
+            <a:r>
+              <a:rPr lang="de-CH" sz="1400" dirty="0" err="1">
+                <a:sym typeface="Wingdings" panose="05000000000000000000" pitchFamily="2" charset="2"/>
+              </a:rPr>
+              <a:t>buy</a:t>
+            </a:r>
+            <a:r>
+              <a:rPr lang="de-CH" sz="1400" dirty="0">
+                <a:sym typeface="Wingdings" panose="05000000000000000000" pitchFamily="2" charset="2"/>
+              </a:rPr>
+              <a:t>» and «hold» in an </a:t>
+            </a:r>
+            <a:r>
+              <a:rPr lang="de-CH" sz="1400" dirty="0" err="1">
+                <a:sym typeface="Wingdings" panose="05000000000000000000" pitchFamily="2" charset="2"/>
+              </a:rPr>
+              <a:t>acceptable</a:t>
+            </a:r>
+            <a:r>
+              <a:rPr lang="de-CH" sz="1400" dirty="0">
+                <a:sym typeface="Wingdings" panose="05000000000000000000" pitchFamily="2" charset="2"/>
+              </a:rPr>
+              <a:t> </a:t>
+            </a:r>
+            <a:r>
+              <a:rPr lang="de-CH" sz="1400" dirty="0" err="1">
+                <a:sym typeface="Wingdings" panose="05000000000000000000" pitchFamily="2" charset="2"/>
+              </a:rPr>
+              <a:t>manner</a:t>
+            </a:r>
+            <a:endParaRPr lang="de-CH" sz="1400" dirty="0">
+              <a:sym typeface="Wingdings" panose="05000000000000000000" pitchFamily="2" charset="2"/>
+            </a:endParaRPr>
+          </a:p>
+          <a:p>
+            <a:pPr marL="285750" indent="-285750">
+              <a:buFontTx/>
+              <a:buChar char="-"/>
+            </a:pPr>
+            <a:endParaRPr lang="de-CH" sz="1400" dirty="0">
+              <a:sym typeface="Wingdings" panose="05000000000000000000" pitchFamily="2" charset="2"/>
+            </a:endParaRPr>
+          </a:p>
+          <a:p>
+            <a:pPr marL="285750" indent="-285750">
+              <a:buFontTx/>
+              <a:buChar char="-"/>
+            </a:pPr>
+            <a:r>
+              <a:rPr lang="de-CH" sz="1400" dirty="0" err="1">
+                <a:sym typeface="Wingdings" panose="05000000000000000000" pitchFamily="2" charset="2"/>
+              </a:rPr>
+              <a:t>We</a:t>
+            </a:r>
+            <a:r>
+              <a:rPr lang="de-CH" sz="1400" dirty="0">
+                <a:sym typeface="Wingdings" panose="05000000000000000000" pitchFamily="2" charset="2"/>
+              </a:rPr>
+              <a:t> </a:t>
+            </a:r>
+            <a:r>
+              <a:rPr lang="de-CH" sz="1400" dirty="0" err="1">
+                <a:sym typeface="Wingdings" panose="05000000000000000000" pitchFamily="2" charset="2"/>
+              </a:rPr>
+              <a:t>are</a:t>
+            </a:r>
+            <a:r>
+              <a:rPr lang="de-CH" sz="1400" dirty="0">
+                <a:sym typeface="Wingdings" panose="05000000000000000000" pitchFamily="2" charset="2"/>
+              </a:rPr>
+              <a:t> </a:t>
+            </a:r>
+            <a:r>
+              <a:rPr lang="de-CH" sz="1400" dirty="0" err="1">
+                <a:sym typeface="Wingdings" panose="05000000000000000000" pitchFamily="2" charset="2"/>
+              </a:rPr>
+              <a:t>convinced</a:t>
+            </a:r>
+            <a:r>
+              <a:rPr lang="de-CH" sz="1400" dirty="0">
+                <a:sym typeface="Wingdings" panose="05000000000000000000" pitchFamily="2" charset="2"/>
+              </a:rPr>
+              <a:t> </a:t>
+            </a:r>
+            <a:r>
+              <a:rPr lang="de-CH" sz="1400" dirty="0" err="1">
+                <a:sym typeface="Wingdings" panose="05000000000000000000" pitchFamily="2" charset="2"/>
+              </a:rPr>
+              <a:t>that</a:t>
+            </a:r>
+            <a:r>
+              <a:rPr lang="de-CH" sz="1400" dirty="0">
+                <a:sym typeface="Wingdings" panose="05000000000000000000" pitchFamily="2" charset="2"/>
+              </a:rPr>
+              <a:t> </a:t>
+            </a:r>
+            <a:r>
+              <a:rPr lang="de-CH" sz="1400" dirty="0" err="1">
+                <a:sym typeface="Wingdings" panose="05000000000000000000" pitchFamily="2" charset="2"/>
+              </a:rPr>
+              <a:t>if</a:t>
+            </a:r>
+            <a:r>
+              <a:rPr lang="de-CH" sz="1400" dirty="0">
+                <a:sym typeface="Wingdings" panose="05000000000000000000" pitchFamily="2" charset="2"/>
+              </a:rPr>
+              <a:t> </a:t>
+            </a:r>
+            <a:r>
+              <a:rPr lang="de-CH" sz="1400" dirty="0" err="1">
+                <a:sym typeface="Wingdings" panose="05000000000000000000" pitchFamily="2" charset="2"/>
+              </a:rPr>
+              <a:t>we</a:t>
+            </a:r>
+            <a:r>
+              <a:rPr lang="de-CH" sz="1400" dirty="0">
+                <a:sym typeface="Wingdings" panose="05000000000000000000" pitchFamily="2" charset="2"/>
+              </a:rPr>
+              <a:t> </a:t>
+            </a:r>
+            <a:r>
+              <a:rPr lang="de-CH" sz="1400" dirty="0" err="1">
+                <a:sym typeface="Wingdings" panose="05000000000000000000" pitchFamily="2" charset="2"/>
+              </a:rPr>
+              <a:t>woud</a:t>
+            </a:r>
+            <a:r>
+              <a:rPr lang="de-CH" sz="1400" dirty="0">
+                <a:sym typeface="Wingdings" panose="05000000000000000000" pitchFamily="2" charset="2"/>
+              </a:rPr>
+              <a:t> </a:t>
+            </a:r>
+            <a:r>
+              <a:rPr lang="de-CH" sz="1400" dirty="0" err="1">
+                <a:sym typeface="Wingdings" panose="05000000000000000000" pitchFamily="2" charset="2"/>
+              </a:rPr>
+              <a:t>get</a:t>
+            </a:r>
+            <a:r>
+              <a:rPr lang="de-CH" sz="1400" dirty="0">
+                <a:sym typeface="Wingdings" panose="05000000000000000000" pitchFamily="2" charset="2"/>
+              </a:rPr>
+              <a:t> real </a:t>
+            </a:r>
+            <a:r>
+              <a:rPr lang="de-CH" sz="1400" dirty="0" err="1">
+                <a:sym typeface="Wingdings" panose="05000000000000000000" pitchFamily="2" charset="2"/>
+              </a:rPr>
+              <a:t>world</a:t>
+            </a:r>
+            <a:r>
+              <a:rPr lang="de-CH" sz="1400" dirty="0">
+                <a:sym typeface="Wingdings" panose="05000000000000000000" pitchFamily="2" charset="2"/>
+              </a:rPr>
+              <a:t> </a:t>
+            </a:r>
+            <a:r>
+              <a:rPr lang="de-CH" sz="1400" dirty="0" err="1">
+                <a:sym typeface="Wingdings" panose="05000000000000000000" pitchFamily="2" charset="2"/>
+              </a:rPr>
               <a:t>data</a:t>
             </a:r>
             <a:r>
-              <a:rPr lang="de-CH" b="1" dirty="0"/>
-              <a:t> </a:t>
-            </a:r>
-            <a:r>
-              <a:rPr lang="de-CH" b="1" dirty="0" err="1"/>
+              <a:rPr lang="de-CH" sz="1400" dirty="0">
+                <a:sym typeface="Wingdings" panose="05000000000000000000" pitchFamily="2" charset="2"/>
+              </a:rPr>
+              <a:t> </a:t>
+            </a:r>
+            <a:r>
+              <a:rPr lang="de-CH" sz="1400" dirty="0" err="1">
+                <a:sym typeface="Wingdings" panose="05000000000000000000" pitchFamily="2" charset="2"/>
+              </a:rPr>
+              <a:t>we</a:t>
+            </a:r>
+            <a:r>
+              <a:rPr lang="de-CH" sz="1400" dirty="0">
+                <a:sym typeface="Wingdings" panose="05000000000000000000" pitchFamily="2" charset="2"/>
+              </a:rPr>
+              <a:t> </a:t>
+            </a:r>
+            <a:r>
+              <a:rPr lang="de-CH" sz="1400" dirty="0" err="1">
+                <a:sym typeface="Wingdings" panose="05000000000000000000" pitchFamily="2" charset="2"/>
+              </a:rPr>
+              <a:t>would</a:t>
+            </a:r>
+            <a:r>
+              <a:rPr lang="de-CH" sz="1400" dirty="0">
+                <a:sym typeface="Wingdings" panose="05000000000000000000" pitchFamily="2" charset="2"/>
+              </a:rPr>
+              <a:t> </a:t>
+            </a:r>
+            <a:r>
+              <a:rPr lang="de-CH" sz="1400" dirty="0" err="1">
+                <a:sym typeface="Wingdings" panose="05000000000000000000" pitchFamily="2" charset="2"/>
+              </a:rPr>
+              <a:t>achieve</a:t>
+            </a:r>
+            <a:r>
+              <a:rPr lang="de-CH" sz="1400" dirty="0">
+                <a:sym typeface="Wingdings" panose="05000000000000000000" pitchFamily="2" charset="2"/>
+              </a:rPr>
+              <a:t> </a:t>
+            </a:r>
+            <a:r>
+              <a:rPr lang="de-CH" sz="1400" dirty="0" err="1">
+                <a:sym typeface="Wingdings" panose="05000000000000000000" pitchFamily="2" charset="2"/>
+              </a:rPr>
+              <a:t>similar</a:t>
+            </a:r>
+            <a:r>
+              <a:rPr lang="de-CH" sz="1400" dirty="0">
+                <a:sym typeface="Wingdings" panose="05000000000000000000" pitchFamily="2" charset="2"/>
+              </a:rPr>
+              <a:t> </a:t>
+            </a:r>
+            <a:r>
+              <a:rPr lang="de-CH" sz="1400" dirty="0" err="1">
+                <a:sym typeface="Wingdings" panose="05000000000000000000" pitchFamily="2" charset="2"/>
+              </a:rPr>
+              <a:t>scores</a:t>
+            </a:r>
+            <a:r>
+              <a:rPr lang="de-CH" sz="1400" dirty="0">
+                <a:sym typeface="Wingdings" panose="05000000000000000000" pitchFamily="2" charset="2"/>
+              </a:rPr>
+              <a:t>  </a:t>
+            </a:r>
+            <a:r>
+              <a:rPr lang="de-CH" sz="1400" dirty="0" err="1">
+                <a:sym typeface="Wingdings" panose="05000000000000000000" pitchFamily="2" charset="2"/>
+              </a:rPr>
+              <a:t>we</a:t>
+            </a:r>
+            <a:r>
+              <a:rPr lang="de-CH" sz="1400" dirty="0">
+                <a:sym typeface="Wingdings" panose="05000000000000000000" pitchFamily="2" charset="2"/>
+              </a:rPr>
+              <a:t> </a:t>
+            </a:r>
+            <a:r>
+              <a:rPr lang="de-CH" sz="1400" dirty="0" err="1">
+                <a:sym typeface="Wingdings" panose="05000000000000000000" pitchFamily="2" charset="2"/>
+              </a:rPr>
+              <a:t>didn’t</a:t>
+            </a:r>
+            <a:r>
+              <a:rPr lang="de-CH" sz="1400" dirty="0">
+                <a:sym typeface="Wingdings" panose="05000000000000000000" pitchFamily="2" charset="2"/>
+              </a:rPr>
+              <a:t> </a:t>
+            </a:r>
+            <a:r>
+              <a:rPr lang="de-CH" sz="1400" dirty="0" err="1">
+                <a:sym typeface="Wingdings" panose="05000000000000000000" pitchFamily="2" charset="2"/>
+              </a:rPr>
+              <a:t>artificially</a:t>
+            </a:r>
+            <a:r>
+              <a:rPr lang="de-CH" sz="1400" dirty="0">
+                <a:sym typeface="Wingdings" panose="05000000000000000000" pitchFamily="2" charset="2"/>
+              </a:rPr>
+              <a:t> </a:t>
+            </a:r>
+            <a:r>
+              <a:rPr lang="de-CH" sz="1400" dirty="0" err="1">
+                <a:sym typeface="Wingdings" panose="05000000000000000000" pitchFamily="2" charset="2"/>
+              </a:rPr>
+              <a:t>improve</a:t>
+            </a:r>
+            <a:r>
+              <a:rPr lang="de-CH" sz="1400" dirty="0">
+                <a:sym typeface="Wingdings" panose="05000000000000000000" pitchFamily="2" charset="2"/>
+              </a:rPr>
+              <a:t> </a:t>
+            </a:r>
+            <a:r>
+              <a:rPr lang="de-CH" sz="1400" dirty="0" err="1">
+                <a:sym typeface="Wingdings" panose="05000000000000000000" pitchFamily="2" charset="2"/>
+              </a:rPr>
+              <a:t>our</a:t>
+            </a:r>
+            <a:r>
+              <a:rPr lang="de-CH" sz="1400" dirty="0">
+                <a:sym typeface="Wingdings" panose="05000000000000000000" pitchFamily="2" charset="2"/>
+              </a:rPr>
+              <a:t> </a:t>
+            </a:r>
+            <a:r>
+              <a:rPr lang="de-CH" sz="1400" dirty="0" err="1">
+                <a:sym typeface="Wingdings" panose="05000000000000000000" pitchFamily="2" charset="2"/>
+              </a:rPr>
+              <a:t>test</a:t>
+            </a:r>
+            <a:r>
+              <a:rPr lang="de-CH" sz="1400" dirty="0">
+                <a:sym typeface="Wingdings" panose="05000000000000000000" pitchFamily="2" charset="2"/>
+              </a:rPr>
+              <a:t> score </a:t>
+            </a:r>
+            <a:r>
+              <a:rPr lang="de-CH" sz="1400" dirty="0" err="1">
+                <a:sym typeface="Wingdings" panose="05000000000000000000" pitchFamily="2" charset="2"/>
+              </a:rPr>
+              <a:t>by</a:t>
+            </a:r>
+            <a:r>
+              <a:rPr lang="de-CH" sz="1400" dirty="0">
+                <a:sym typeface="Wingdings" panose="05000000000000000000" pitchFamily="2" charset="2"/>
+              </a:rPr>
+              <a:t> </a:t>
+            </a:r>
+            <a:r>
+              <a:rPr lang="de-CH" sz="1400" dirty="0" err="1">
+                <a:sym typeface="Wingdings" panose="05000000000000000000" pitchFamily="2" charset="2"/>
+              </a:rPr>
+              <a:t>removing</a:t>
+            </a:r>
+            <a:r>
+              <a:rPr lang="de-CH" sz="1400" dirty="0">
+                <a:sym typeface="Wingdings" panose="05000000000000000000" pitchFamily="2" charset="2"/>
+              </a:rPr>
+              <a:t> </a:t>
+            </a:r>
+            <a:r>
+              <a:rPr lang="de-CH" sz="1400" dirty="0" err="1">
+                <a:sym typeface="Wingdings" panose="05000000000000000000" pitchFamily="2" charset="2"/>
+              </a:rPr>
+              <a:t>too</a:t>
+            </a:r>
+            <a:r>
+              <a:rPr lang="de-CH" sz="1400" dirty="0">
+                <a:sym typeface="Wingdings" panose="05000000000000000000" pitchFamily="2" charset="2"/>
+              </a:rPr>
+              <a:t> </a:t>
+            </a:r>
+            <a:r>
+              <a:rPr lang="de-CH" sz="1400" dirty="0" err="1">
+                <a:sym typeface="Wingdings" panose="05000000000000000000" pitchFamily="2" charset="2"/>
+              </a:rPr>
+              <a:t>many</a:t>
+            </a:r>
+            <a:r>
+              <a:rPr lang="de-CH" sz="1400" dirty="0">
+                <a:sym typeface="Wingdings" panose="05000000000000000000" pitchFamily="2" charset="2"/>
+              </a:rPr>
+              <a:t> </a:t>
+            </a:r>
+            <a:r>
+              <a:rPr lang="de-CH" sz="1400" dirty="0" err="1">
+                <a:sym typeface="Wingdings" panose="05000000000000000000" pitchFamily="2" charset="2"/>
+              </a:rPr>
+              <a:t>outliers</a:t>
+            </a:r>
+            <a:endParaRPr lang="de-CH" sz="1400" dirty="0">
+              <a:sym typeface="Wingdings" panose="05000000000000000000" pitchFamily="2" charset="2"/>
+            </a:endParaRPr>
+          </a:p>
+          <a:p>
+            <a:pPr marL="285750" indent="-285750">
+              <a:buFontTx/>
+              <a:buChar char="-"/>
+            </a:pPr>
+            <a:endParaRPr lang="de-CH" sz="1400" dirty="0">
+              <a:sym typeface="Wingdings" panose="05000000000000000000" pitchFamily="2" charset="2"/>
+            </a:endParaRPr>
+          </a:p>
+          <a:p>
+            <a:pPr marL="285750" indent="-285750">
+              <a:buFontTx/>
+              <a:buChar char="-"/>
+            </a:pPr>
+            <a:r>
+              <a:rPr lang="de-CH" sz="1400" dirty="0">
+                <a:sym typeface="Wingdings" panose="05000000000000000000" pitchFamily="2" charset="2"/>
+              </a:rPr>
+              <a:t>More </a:t>
+            </a:r>
+            <a:r>
+              <a:rPr lang="de-CH" sz="1400" dirty="0" err="1">
+                <a:sym typeface="Wingdings" panose="05000000000000000000" pitchFamily="2" charset="2"/>
+              </a:rPr>
+              <a:t>computational</a:t>
+            </a:r>
+            <a:r>
+              <a:rPr lang="de-CH" sz="1400" dirty="0">
+                <a:sym typeface="Wingdings" panose="05000000000000000000" pitchFamily="2" charset="2"/>
+              </a:rPr>
+              <a:t> power </a:t>
+            </a:r>
+            <a:r>
+              <a:rPr lang="de-CH" sz="1400" dirty="0" err="1">
+                <a:sym typeface="Wingdings" panose="05000000000000000000" pitchFamily="2" charset="2"/>
+              </a:rPr>
+              <a:t>would</a:t>
+            </a:r>
+            <a:r>
+              <a:rPr lang="de-CH" sz="1400" dirty="0">
+                <a:sym typeface="Wingdings" panose="05000000000000000000" pitchFamily="2" charset="2"/>
+              </a:rPr>
+              <a:t> </a:t>
+            </a:r>
+            <a:r>
+              <a:rPr lang="de-CH" sz="1400" dirty="0" err="1">
+                <a:sym typeface="Wingdings" panose="05000000000000000000" pitchFamily="2" charset="2"/>
+              </a:rPr>
+              <a:t>be</a:t>
+            </a:r>
+            <a:r>
+              <a:rPr lang="de-CH" sz="1400" dirty="0">
+                <a:sym typeface="Wingdings" panose="05000000000000000000" pitchFamily="2" charset="2"/>
+              </a:rPr>
+              <a:t> </a:t>
+            </a:r>
+            <a:r>
+              <a:rPr lang="de-CH" sz="1400" dirty="0" err="1">
+                <a:sym typeface="Wingdings" panose="05000000000000000000" pitchFamily="2" charset="2"/>
+              </a:rPr>
+              <a:t>useful</a:t>
+            </a:r>
+            <a:r>
+              <a:rPr lang="de-CH" sz="1400" dirty="0">
+                <a:sym typeface="Wingdings" panose="05000000000000000000" pitchFamily="2" charset="2"/>
+              </a:rPr>
+              <a:t> </a:t>
+            </a:r>
+            <a:r>
+              <a:rPr lang="de-CH" sz="1400" dirty="0" err="1">
+                <a:sym typeface="Wingdings" panose="05000000000000000000" pitchFamily="2" charset="2"/>
+              </a:rPr>
+              <a:t>for</a:t>
+            </a:r>
+            <a:r>
+              <a:rPr lang="de-CH" sz="1400" dirty="0">
+                <a:sym typeface="Wingdings" panose="05000000000000000000" pitchFamily="2" charset="2"/>
+              </a:rPr>
+              <a:t> </a:t>
+            </a:r>
+            <a:r>
+              <a:rPr lang="de-CH" sz="1400" dirty="0" err="1">
+                <a:sym typeface="Wingdings" panose="05000000000000000000" pitchFamily="2" charset="2"/>
+              </a:rPr>
+              <a:t>applying</a:t>
+            </a:r>
+            <a:r>
+              <a:rPr lang="de-CH" sz="1400" dirty="0">
+                <a:sym typeface="Wingdings" panose="05000000000000000000" pitchFamily="2" charset="2"/>
+              </a:rPr>
+              <a:t> </a:t>
+            </a:r>
+            <a:r>
+              <a:rPr lang="de-CH" sz="1400" dirty="0" err="1">
+                <a:sym typeface="Wingdings" panose="05000000000000000000" pitchFamily="2" charset="2"/>
+              </a:rPr>
+              <a:t>the</a:t>
+            </a:r>
+            <a:r>
+              <a:rPr lang="de-CH" sz="1400" dirty="0">
+                <a:sym typeface="Wingdings" panose="05000000000000000000" pitchFamily="2" charset="2"/>
+              </a:rPr>
+              <a:t> </a:t>
+            </a:r>
+            <a:r>
+              <a:rPr lang="de-CH" sz="1400" dirty="0" err="1">
+                <a:sym typeface="Wingdings" panose="05000000000000000000" pitchFamily="2" charset="2"/>
+              </a:rPr>
+              <a:t>GridSearch</a:t>
+            </a:r>
+            <a:r>
+              <a:rPr lang="de-CH" sz="1400" dirty="0">
+                <a:sym typeface="Wingdings" panose="05000000000000000000" pitchFamily="2" charset="2"/>
+              </a:rPr>
+              <a:t> </a:t>
+            </a:r>
+            <a:r>
+              <a:rPr lang="de-CH" sz="1400" dirty="0" err="1">
+                <a:sym typeface="Wingdings" panose="05000000000000000000" pitchFamily="2" charset="2"/>
+              </a:rPr>
+              <a:t>algorithm</a:t>
+            </a:r>
+            <a:r>
+              <a:rPr lang="de-CH" sz="1400" dirty="0">
+                <a:sym typeface="Wingdings" panose="05000000000000000000" pitchFamily="2" charset="2"/>
+              </a:rPr>
+              <a:t> and </a:t>
+            </a:r>
+            <a:r>
+              <a:rPr lang="de-CH" sz="1400" dirty="0" err="1">
+                <a:sym typeface="Wingdings" panose="05000000000000000000" pitchFamily="2" charset="2"/>
+              </a:rPr>
+              <a:t>trying</a:t>
+            </a:r>
+            <a:r>
+              <a:rPr lang="de-CH" sz="1400" dirty="0">
+                <a:sym typeface="Wingdings" panose="05000000000000000000" pitchFamily="2" charset="2"/>
+              </a:rPr>
+              <a:t> out different </a:t>
+            </a:r>
+            <a:r>
+              <a:rPr lang="de-CH" sz="1400" dirty="0" err="1">
+                <a:sym typeface="Wingdings" panose="05000000000000000000" pitchFamily="2" charset="2"/>
+              </a:rPr>
+              <a:t>threshold</a:t>
+            </a:r>
+            <a:r>
+              <a:rPr lang="de-CH" sz="1400" dirty="0">
+                <a:sym typeface="Wingdings" panose="05000000000000000000" pitchFamily="2" charset="2"/>
+              </a:rPr>
+              <a:t> </a:t>
+            </a:r>
+            <a:r>
+              <a:rPr lang="de-CH" sz="1400" dirty="0" err="1">
+                <a:sym typeface="Wingdings" panose="05000000000000000000" pitchFamily="2" charset="2"/>
+              </a:rPr>
+              <a:t>levels</a:t>
+            </a:r>
+            <a:r>
+              <a:rPr lang="de-CH" sz="1400" dirty="0">
+                <a:sym typeface="Wingdings" panose="05000000000000000000" pitchFamily="2" charset="2"/>
+              </a:rPr>
+              <a:t> </a:t>
+            </a:r>
+            <a:r>
+              <a:rPr lang="de-CH" sz="1400" dirty="0" err="1">
+                <a:sym typeface="Wingdings" panose="05000000000000000000" pitchFamily="2" charset="2"/>
+              </a:rPr>
+              <a:t>for</a:t>
+            </a:r>
+            <a:r>
+              <a:rPr lang="de-CH" sz="1400" dirty="0">
+                <a:sym typeface="Wingdings" panose="05000000000000000000" pitchFamily="2" charset="2"/>
+              </a:rPr>
+              <a:t> </a:t>
+            </a:r>
+            <a:r>
+              <a:rPr lang="de-CH" sz="1400" dirty="0" err="1">
+                <a:sym typeface="Wingdings" panose="05000000000000000000" pitchFamily="2" charset="2"/>
+              </a:rPr>
+              <a:t>the</a:t>
+            </a:r>
+            <a:r>
+              <a:rPr lang="de-CH" sz="1400" dirty="0">
+                <a:sym typeface="Wingdings" panose="05000000000000000000" pitchFamily="2" charset="2"/>
+              </a:rPr>
+              <a:t> </a:t>
+            </a:r>
+            <a:r>
+              <a:rPr lang="de-CH" sz="1400" dirty="0" err="1">
+                <a:sym typeface="Wingdings" panose="05000000000000000000" pitchFamily="2" charset="2"/>
+              </a:rPr>
+              <a:t>algorithms</a:t>
+            </a:r>
+            <a:r>
+              <a:rPr lang="de-CH" sz="1400" dirty="0">
+                <a:sym typeface="Wingdings" panose="05000000000000000000" pitchFamily="2" charset="2"/>
+              </a:rPr>
+              <a:t>  </a:t>
+            </a:r>
+            <a:r>
+              <a:rPr lang="de-CH" sz="1400" dirty="0" err="1">
+                <a:sym typeface="Wingdings" panose="05000000000000000000" pitchFamily="2" charset="2"/>
+              </a:rPr>
+              <a:t>thershold</a:t>
+            </a:r>
+            <a:r>
+              <a:rPr lang="de-CH" sz="1400" dirty="0">
+                <a:sym typeface="Wingdings" panose="05000000000000000000" pitchFamily="2" charset="2"/>
+              </a:rPr>
+              <a:t> </a:t>
+            </a:r>
+            <a:r>
+              <a:rPr lang="de-CH" sz="1400" dirty="0" err="1">
+                <a:sym typeface="Wingdings" panose="05000000000000000000" pitchFamily="2" charset="2"/>
+              </a:rPr>
+              <a:t>sensitivity</a:t>
+            </a:r>
+            <a:r>
+              <a:rPr lang="de-CH" sz="1400" dirty="0">
+                <a:sym typeface="Wingdings" panose="05000000000000000000" pitchFamily="2" charset="2"/>
+              </a:rPr>
+              <a:t> </a:t>
+            </a:r>
+            <a:r>
+              <a:rPr lang="de-CH" sz="1400" dirty="0" err="1">
+                <a:sym typeface="Wingdings" panose="05000000000000000000" pitchFamily="2" charset="2"/>
+              </a:rPr>
+              <a:t>as</a:t>
+            </a:r>
+            <a:r>
+              <a:rPr lang="de-CH" sz="1400" dirty="0">
+                <a:sym typeface="Wingdings" panose="05000000000000000000" pitchFamily="2" charset="2"/>
+              </a:rPr>
+              <a:t> </a:t>
+            </a:r>
+            <a:r>
+              <a:rPr lang="de-CH" sz="1400" dirty="0" err="1">
+                <a:sym typeface="Wingdings" panose="05000000000000000000" pitchFamily="2" charset="2"/>
+              </a:rPr>
+              <a:t>room</a:t>
+            </a:r>
+            <a:r>
+              <a:rPr lang="de-CH" sz="1400" dirty="0">
+                <a:sym typeface="Wingdings" panose="05000000000000000000" pitchFamily="2" charset="2"/>
+              </a:rPr>
+              <a:t> </a:t>
+            </a:r>
+            <a:r>
+              <a:rPr lang="de-CH" sz="1400" dirty="0" err="1">
+                <a:sym typeface="Wingdings" panose="05000000000000000000" pitchFamily="2" charset="2"/>
+              </a:rPr>
+              <a:t>for</a:t>
+            </a:r>
+            <a:r>
+              <a:rPr lang="de-CH" sz="1400" dirty="0">
+                <a:sym typeface="Wingdings" panose="05000000000000000000" pitchFamily="2" charset="2"/>
+              </a:rPr>
+              <a:t> </a:t>
+            </a:r>
+            <a:r>
+              <a:rPr lang="de-CH" sz="1400" dirty="0" err="1">
+                <a:sym typeface="Wingdings" panose="05000000000000000000" pitchFamily="2" charset="2"/>
+              </a:rPr>
+              <a:t>improvement</a:t>
+            </a:r>
+            <a:endParaRPr lang="de-CH" sz="1400" dirty="0">
+              <a:sym typeface="Wingdings" panose="05000000000000000000" pitchFamily="2" charset="2"/>
+            </a:endParaRPr>
+          </a:p>
+          <a:p>
+            <a:pPr marL="285750" indent="-285750">
+              <a:buFontTx/>
+              <a:buChar char="-"/>
+            </a:pPr>
+            <a:endParaRPr lang="de-CH" sz="1400" dirty="0">
+              <a:sym typeface="Wingdings" panose="05000000000000000000" pitchFamily="2" charset="2"/>
+            </a:endParaRPr>
+          </a:p>
+          <a:p>
+            <a:pPr marL="285750" indent="-285750">
+              <a:buFontTx/>
+              <a:buChar char="-"/>
+            </a:pPr>
+            <a:r>
+              <a:rPr lang="de-CH" sz="1400" dirty="0">
+                <a:sym typeface="Wingdings" panose="05000000000000000000" pitchFamily="2" charset="2"/>
+              </a:rPr>
+              <a:t>Data </a:t>
+            </a:r>
+            <a:r>
+              <a:rPr lang="de-CH" sz="1400" dirty="0" err="1">
+                <a:sym typeface="Wingdings" panose="05000000000000000000" pitchFamily="2" charset="2"/>
+              </a:rPr>
               <a:t>preprocessing</a:t>
             </a:r>
             <a:r>
-              <a:rPr lang="de-CH" b="1" dirty="0"/>
-              <a:t>, e.g. feature </a:t>
-            </a:r>
-            <a:r>
-              <a:rPr lang="de-CH" b="1" dirty="0" err="1"/>
+              <a:rPr lang="de-CH" sz="1400" dirty="0">
+                <a:sym typeface="Wingdings" panose="05000000000000000000" pitchFamily="2" charset="2"/>
+              </a:rPr>
+              <a:t> </a:t>
+            </a:r>
+            <a:r>
+              <a:rPr lang="de-CH" sz="1400" dirty="0" err="1">
+                <a:sym typeface="Wingdings" panose="05000000000000000000" pitchFamily="2" charset="2"/>
+              </a:rPr>
+              <a:t>is</a:t>
+            </a:r>
+            <a:r>
+              <a:rPr lang="de-CH" sz="1400" dirty="0">
+                <a:sym typeface="Wingdings" panose="05000000000000000000" pitchFamily="2" charset="2"/>
+              </a:rPr>
+              <a:t> a </a:t>
+            </a:r>
+            <a:r>
+              <a:rPr lang="de-CH" sz="1400" dirty="0" err="1">
+                <a:sym typeface="Wingdings" panose="05000000000000000000" pitchFamily="2" charset="2"/>
+              </a:rPr>
+              <a:t>very</a:t>
+            </a:r>
+            <a:r>
+              <a:rPr lang="de-CH" sz="1400" dirty="0">
+                <a:sym typeface="Wingdings" panose="05000000000000000000" pitchFamily="2" charset="2"/>
+              </a:rPr>
+              <a:t> </a:t>
+            </a:r>
+            <a:r>
+              <a:rPr lang="de-CH" sz="1400" dirty="0" err="1">
+                <a:sym typeface="Wingdings" panose="05000000000000000000" pitchFamily="2" charset="2"/>
+              </a:rPr>
+              <a:t>important</a:t>
+            </a:r>
+            <a:r>
+              <a:rPr lang="de-CH" sz="1400" dirty="0">
+                <a:sym typeface="Wingdings" panose="05000000000000000000" pitchFamily="2" charset="2"/>
+              </a:rPr>
+              <a:t> </a:t>
+            </a:r>
+            <a:r>
+              <a:rPr lang="de-CH" sz="1400" dirty="0" err="1">
+                <a:sym typeface="Wingdings" panose="05000000000000000000" pitchFamily="2" charset="2"/>
+              </a:rPr>
+              <a:t>step</a:t>
+            </a:r>
+            <a:r>
+              <a:rPr lang="de-CH" sz="1400" dirty="0">
+                <a:sym typeface="Wingdings" panose="05000000000000000000" pitchFamily="2" charset="2"/>
+              </a:rPr>
+              <a:t> and </a:t>
+            </a:r>
+            <a:r>
+              <a:rPr lang="de-CH" sz="1400" dirty="0" err="1">
+                <a:sym typeface="Wingdings" panose="05000000000000000000" pitchFamily="2" charset="2"/>
+              </a:rPr>
+              <a:t>with</a:t>
+            </a:r>
+            <a:r>
+              <a:rPr lang="de-CH" sz="1400" dirty="0">
+                <a:sym typeface="Wingdings" panose="05000000000000000000" pitchFamily="2" charset="2"/>
+              </a:rPr>
+              <a:t> a </a:t>
+            </a:r>
+            <a:r>
+              <a:rPr lang="de-CH" sz="1400" dirty="0" err="1">
+                <a:sym typeface="Wingdings" panose="05000000000000000000" pitchFamily="2" charset="2"/>
+              </a:rPr>
+              <a:t>looser</a:t>
+            </a:r>
+            <a:r>
+              <a:rPr lang="de-CH" sz="1400" dirty="0">
+                <a:sym typeface="Wingdings" panose="05000000000000000000" pitchFamily="2" charset="2"/>
+              </a:rPr>
+              <a:t> time </a:t>
+            </a:r>
+            <a:r>
+              <a:rPr lang="de-CH" sz="1400" dirty="0" err="1">
+                <a:sym typeface="Wingdings" panose="05000000000000000000" pitchFamily="2" charset="2"/>
+              </a:rPr>
+              <a:t>restriction</a:t>
+            </a:r>
+            <a:r>
+              <a:rPr lang="de-CH" sz="1400" dirty="0">
+                <a:sym typeface="Wingdings" panose="05000000000000000000" pitchFamily="2" charset="2"/>
+              </a:rPr>
+              <a:t> different </a:t>
+            </a:r>
+            <a:r>
+              <a:rPr lang="de-CH" sz="1400" dirty="0" err="1">
+                <a:sym typeface="Wingdings" panose="05000000000000000000" pitchFamily="2" charset="2"/>
+              </a:rPr>
+              <a:t>ways</a:t>
+            </a:r>
+            <a:r>
+              <a:rPr lang="de-CH" sz="1400" dirty="0">
+                <a:sym typeface="Wingdings" panose="05000000000000000000" pitchFamily="2" charset="2"/>
+              </a:rPr>
+              <a:t> </a:t>
+            </a:r>
+            <a:r>
+              <a:rPr lang="de-CH" sz="1400" dirty="0" err="1">
+                <a:sym typeface="Wingdings" panose="05000000000000000000" pitchFamily="2" charset="2"/>
+              </a:rPr>
+              <a:t>of</a:t>
+            </a:r>
+            <a:r>
+              <a:rPr lang="de-CH" sz="1400" dirty="0">
+                <a:sym typeface="Wingdings" panose="05000000000000000000" pitchFamily="2" charset="2"/>
+              </a:rPr>
+              <a:t> </a:t>
+            </a:r>
+            <a:r>
+              <a:rPr lang="de-CH" sz="1400" dirty="0" err="1">
+                <a:sym typeface="Wingdings" panose="05000000000000000000" pitchFamily="2" charset="2"/>
+              </a:rPr>
+              <a:t>handling</a:t>
+            </a:r>
+            <a:r>
+              <a:rPr lang="de-CH" sz="1400" dirty="0">
+                <a:sym typeface="Wingdings" panose="05000000000000000000" pitchFamily="2" charset="2"/>
+              </a:rPr>
+              <a:t> a </a:t>
+            </a:r>
+            <a:r>
+              <a:rPr lang="de-CH" sz="1400" dirty="0" err="1">
+                <a:sym typeface="Wingdings" panose="05000000000000000000" pitchFamily="2" charset="2"/>
+              </a:rPr>
+              <a:t>task</a:t>
+            </a:r>
+            <a:r>
+              <a:rPr lang="de-CH" sz="1400" dirty="0">
+                <a:sym typeface="Wingdings" panose="05000000000000000000" pitchFamily="2" charset="2"/>
+              </a:rPr>
+              <a:t> </a:t>
+            </a:r>
+            <a:r>
+              <a:rPr lang="de-CH" sz="1400" dirty="0" err="1">
+                <a:sym typeface="Wingdings" panose="05000000000000000000" pitchFamily="2" charset="2"/>
+              </a:rPr>
+              <a:t>can</a:t>
+            </a:r>
+            <a:r>
+              <a:rPr lang="de-CH" sz="1400" dirty="0">
+                <a:sym typeface="Wingdings" panose="05000000000000000000" pitchFamily="2" charset="2"/>
+              </a:rPr>
+              <a:t> </a:t>
+            </a:r>
+            <a:r>
+              <a:rPr lang="de-CH" sz="1400" dirty="0" err="1">
+                <a:sym typeface="Wingdings" panose="05000000000000000000" pitchFamily="2" charset="2"/>
+              </a:rPr>
+              <a:t>be</a:t>
+            </a:r>
+            <a:r>
+              <a:rPr lang="de-CH" sz="1400" dirty="0">
+                <a:sym typeface="Wingdings" panose="05000000000000000000" pitchFamily="2" charset="2"/>
+              </a:rPr>
+              <a:t> </a:t>
+            </a:r>
+            <a:r>
+              <a:rPr lang="de-CH" sz="1400" dirty="0" err="1">
+                <a:sym typeface="Wingdings" panose="05000000000000000000" pitchFamily="2" charset="2"/>
+              </a:rPr>
+              <a:t>deeper</a:t>
+            </a:r>
+            <a:r>
+              <a:rPr lang="de-CH" sz="1400" dirty="0">
+                <a:sym typeface="Wingdings" panose="05000000000000000000" pitchFamily="2" charset="2"/>
+              </a:rPr>
+              <a:t> </a:t>
+            </a:r>
+            <a:r>
+              <a:rPr lang="de-CH" sz="1400" dirty="0" err="1">
+                <a:sym typeface="Wingdings" panose="05000000000000000000" pitchFamily="2" charset="2"/>
+              </a:rPr>
+              <a:t>investigated</a:t>
+            </a:r>
+            <a:endParaRPr lang="de-CH" sz="1400" dirty="0">
+              <a:sym typeface="Wingdings" panose="05000000000000000000" pitchFamily="2" charset="2"/>
+            </a:endParaRPr>
+          </a:p>
+          <a:p>
+            <a:pPr marL="285750" indent="-285750">
+              <a:buFontTx/>
+              <a:buChar char="-"/>
+            </a:pPr>
+            <a:endParaRPr lang="de-CH" sz="1400" dirty="0">
+              <a:sym typeface="Wingdings" panose="05000000000000000000" pitchFamily="2" charset="2"/>
+            </a:endParaRPr>
+          </a:p>
+          <a:p>
+            <a:pPr marL="285750" indent="-285750">
+              <a:buFontTx/>
+              <a:buChar char="-"/>
+            </a:pPr>
+            <a:r>
+              <a:rPr lang="de-CH" sz="1400" dirty="0">
+                <a:sym typeface="Wingdings" panose="05000000000000000000" pitchFamily="2" charset="2"/>
+              </a:rPr>
+              <a:t>Feature </a:t>
+            </a:r>
+            <a:r>
+              <a:rPr lang="de-CH" sz="1400" dirty="0" err="1">
+                <a:sym typeface="Wingdings" panose="05000000000000000000" pitchFamily="2" charset="2"/>
+              </a:rPr>
               <a:t>selection</a:t>
             </a:r>
             <a:r>
-              <a:rPr lang="de-CH" b="1" dirty="0"/>
-              <a:t> and </a:t>
-            </a:r>
-            <a:r>
-              <a:rPr lang="de-CH" b="1" dirty="0" err="1"/>
-              <a:t>class</a:t>
-            </a:r>
-            <a:r>
-              <a:rPr lang="de-CH" b="1" dirty="0"/>
-              <a:t> </a:t>
-            </a:r>
-            <a:r>
-              <a:rPr lang="de-CH" b="1" dirty="0" err="1"/>
-              <a:t>imbalance</a:t>
-            </a:r>
-            <a:endParaRPr lang="de-CH" b="1" dirty="0"/>
+              <a:rPr lang="de-CH" sz="1400" dirty="0">
+                <a:sym typeface="Wingdings" panose="05000000000000000000" pitchFamily="2" charset="2"/>
+              </a:rPr>
+              <a:t> </a:t>
+            </a:r>
+            <a:r>
+              <a:rPr lang="de-CH" sz="1400" dirty="0" err="1">
+                <a:sym typeface="Wingdings" panose="05000000000000000000" pitchFamily="2" charset="2"/>
+              </a:rPr>
+              <a:t>as</a:t>
+            </a:r>
+            <a:r>
+              <a:rPr lang="de-CH" sz="1400" dirty="0">
+                <a:sym typeface="Wingdings" panose="05000000000000000000" pitchFamily="2" charset="2"/>
+              </a:rPr>
+              <a:t> an </a:t>
+            </a:r>
+            <a:r>
+              <a:rPr lang="de-CH" sz="1400" dirty="0" err="1">
+                <a:sym typeface="Wingdings" panose="05000000000000000000" pitchFamily="2" charset="2"/>
+              </a:rPr>
+              <a:t>important</a:t>
+            </a:r>
+            <a:r>
+              <a:rPr lang="de-CH" sz="1400" dirty="0">
+                <a:sym typeface="Wingdings" panose="05000000000000000000" pitchFamily="2" charset="2"/>
+              </a:rPr>
+              <a:t> </a:t>
+            </a:r>
+            <a:r>
+              <a:rPr lang="de-CH" sz="1400" dirty="0" err="1">
+                <a:sym typeface="Wingdings" panose="05000000000000000000" pitchFamily="2" charset="2"/>
+              </a:rPr>
+              <a:t>component</a:t>
+            </a:r>
+            <a:endParaRPr lang="de-CH" sz="1400" dirty="0">
+              <a:sym typeface="Wingdings" panose="05000000000000000000" pitchFamily="2" charset="2"/>
+            </a:endParaRPr>
+          </a:p>
+          <a:p>
+            <a:pPr marL="285750" indent="-285750">
+              <a:buFontTx/>
+              <a:buChar char="-"/>
+            </a:pPr>
+            <a:endParaRPr lang="de-CH" sz="1400" dirty="0">
+              <a:sym typeface="Wingdings" panose="05000000000000000000" pitchFamily="2" charset="2"/>
+            </a:endParaRPr>
+          </a:p>
+          <a:p>
+            <a:pPr marL="285750" indent="-285750">
+              <a:buFontTx/>
+              <a:buChar char="-"/>
+            </a:pPr>
+            <a:endParaRPr lang="de-CH" sz="1400" dirty="0"/>
           </a:p>
         </p:txBody>
       </p:sp>
@@ -3721,32 +4858,24 @@
           </a:p>
           <a:p>
             <a:r>
-              <a:rPr lang="de-CH" b="1" dirty="0"/>
-              <a:t>Algorithmen</a:t>
-            </a:r>
-          </a:p>
-          <a:p>
-            <a:r>
-              <a:rPr lang="de-CH" b="1" dirty="0"/>
-              <a:t>Resultate</a:t>
-            </a:r>
-          </a:p>
-          <a:p>
-            <a:r>
-              <a:rPr lang="de-CH" b="1" dirty="0"/>
-              <a:t>Take </a:t>
-            </a:r>
-            <a:r>
               <a:rPr lang="de-CH" b="1" dirty="0" err="1"/>
-              <a:t>Away</a:t>
+              <a:t>Algorithms</a:t>
             </a:r>
             <a:endParaRPr lang="de-CH" b="1" dirty="0"/>
           </a:p>
           <a:p>
             <a:r>
-              <a:rPr lang="de-CH" b="1" dirty="0"/>
-              <a:t>Q&amp;A</a:t>
-            </a:r>
+              <a:rPr lang="de-CH" b="1" dirty="0" err="1"/>
+              <a:t>Results</a:t>
+            </a:r>
+            <a:endParaRPr lang="de-CH" b="1" dirty="0"/>
+          </a:p>
+          <a:p>
+            <a:r>
+              <a:rPr lang="de-CH" b="1" dirty="0" err="1"/>
+              <a:t>Conclusion</a:t>
+            </a:r>
+            <a:endParaRPr lang="de-CH" b="1" dirty="0"/>
           </a:p>
         </p:txBody>
       </p:sp>
@@ -6352,10 +7481,7 @@
               <a:rPr lang="de-CH" dirty="0" err="1"/>
               <a:t>Selection</a:t>
             </a:r>
-            <a:r>
-              <a:rPr lang="de-CH" dirty="0"/>
-              <a:t> Grafik</a:t>
-            </a:r>
+            <a:endParaRPr lang="de-CH" dirty="0"/>
           </a:p>
         </p:txBody>
       </p:sp>
@@ -6594,6 +7720,36 @@
           </a:p>
         </p:txBody>
       </p:sp>
+      <p:pic>
+        <p:nvPicPr>
+          <p:cNvPr id="7" name="Grafik 6">
+            <a:extLst>
+              <a:ext uri="{FF2B5EF4-FFF2-40B4-BE49-F238E27FC236}">
+                <a16:creationId xmlns:a16="http://schemas.microsoft.com/office/drawing/2014/main" id="{00231CE9-DA32-4C0D-8B6B-BBCBA6E92DA1}"/>
+              </a:ext>
+            </a:extLst>
+          </p:cNvPr>
+          <p:cNvPicPr>
+            <a:picLocks noChangeAspect="1"/>
+          </p:cNvPicPr>
+          <p:nvPr/>
+        </p:nvPicPr>
+        <p:blipFill>
+          <a:blip r:embed="rId2"/>
+          <a:stretch>
+            <a:fillRect/>
+          </a:stretch>
+        </p:blipFill>
+        <p:spPr>
+          <a:xfrm>
+            <a:off x="3143672" y="1799102"/>
+            <a:ext cx="6796192" cy="4509623"/>
+          </a:xfrm>
+          <a:prstGeom prst="rect">
+            <a:avLst/>
+          </a:prstGeom>
+        </p:spPr>
+      </p:pic>
     </p:spTree>
     <p:extLst>
       <p:ext uri="{BB962C8B-B14F-4D97-AF65-F5344CB8AC3E}">
@@ -6640,9 +7796,10 @@
           <a:lstStyle/>
           <a:p>
             <a:r>
-              <a:rPr lang="de-CH" dirty="0"/>
-              <a:t>Algorithmen</a:t>
-            </a:r>
+              <a:rPr lang="de-CH" dirty="0" err="1"/>
+              <a:t>Algorithms</a:t>
+            </a:r>
+            <a:endParaRPr lang="de-CH" dirty="0"/>
           </a:p>
         </p:txBody>
       </p:sp>
@@ -6697,9 +7854,10 @@
           <a:lstStyle/>
           <a:p>
             <a:r>
-              <a:rPr lang="de-CH" dirty="0"/>
-              <a:t>Algorithmen</a:t>
-            </a:r>
+              <a:rPr lang="de-CH" dirty="0" err="1"/>
+              <a:t>Algorithms</a:t>
+            </a:r>
+            <a:endParaRPr lang="de-CH" dirty="0"/>
           </a:p>
         </p:txBody>
       </p:sp>
@@ -6910,14 +8068,14 @@
           <p:nvPr>
             <p:extLst>
               <p:ext uri="{D42A27DB-BD31-4B8C-83A1-F6EECF244321}">
-                <p14:modId xmlns:p14="http://schemas.microsoft.com/office/powerpoint/2010/main" val="3964292850"/>
+                <p14:modId xmlns:p14="http://schemas.microsoft.com/office/powerpoint/2010/main" val="1178282948"/>
               </p:ext>
             </p:extLst>
           </p:nvPr>
         </p:nvGraphicFramePr>
         <p:xfrm>
           <a:off x="875023" y="2205039"/>
-          <a:ext cx="10418790" cy="4078471"/>
+          <a:ext cx="10405752" cy="4078471"/>
         </p:xfrm>
         <a:graphic>
           <a:graphicData uri="http://schemas.openxmlformats.org/drawingml/2006/table">
@@ -6926,35 +8084,28 @@
                 <a:tableStyleId>{5C22544A-7EE6-4342-B048-85BDC9FD1C3A}</a:tableStyleId>
               </a:tblPr>
               <a:tblGrid>
-                <a:gridCol w="2083758">
+                <a:gridCol w="2601438">
                   <a:extLst>
                     <a:ext uri="{9D8B030D-6E8A-4147-A177-3AD203B41FA5}">
                       <a16:colId xmlns:a16="http://schemas.microsoft.com/office/drawing/2014/main" val="2783622106"/>
                     </a:ext>
                   </a:extLst>
                 </a:gridCol>
-                <a:gridCol w="2083758">
-                  <a:extLst>
-                    <a:ext uri="{9D8B030D-6E8A-4147-A177-3AD203B41FA5}">
-                      <a16:colId xmlns:a16="http://schemas.microsoft.com/office/drawing/2014/main" val="1524049906"/>
-                    </a:ext>
-                  </a:extLst>
-                </a:gridCol>
-                <a:gridCol w="2083758">
+                <a:gridCol w="2601438">
                   <a:extLst>
                     <a:ext uri="{9D8B030D-6E8A-4147-A177-3AD203B41FA5}">
                       <a16:colId xmlns:a16="http://schemas.microsoft.com/office/drawing/2014/main" val="2828319491"/>
                     </a:ext>
                   </a:extLst>
                 </a:gridCol>
-                <a:gridCol w="2083758">
+                <a:gridCol w="2601438">
                   <a:extLst>
                     <a:ext uri="{9D8B030D-6E8A-4147-A177-3AD203B41FA5}">
                       <a16:colId xmlns:a16="http://schemas.microsoft.com/office/drawing/2014/main" val="29694093"/>
                     </a:ext>
                   </a:extLst>
                 </a:gridCol>
-                <a:gridCol w="2083758">
+                <a:gridCol w="2601438">
                   <a:extLst>
                     <a:ext uri="{9D8B030D-6E8A-4147-A177-3AD203B41FA5}">
                       <a16:colId xmlns:a16="http://schemas.microsoft.com/office/drawing/2014/main" val="2531302657"/>
@@ -6971,25 +8122,19 @@
                       <a:pPr algn="ctr"/>
                       <a:r>
                         <a:rPr lang="de-CH" dirty="0"/>
-                        <a:t>Random Forest</a:t>
-                      </a:r>
-                    </a:p>
-                  </a:txBody>
-                  <a:tcPr/>
-                </a:tc>
-                <a:tc>
-                  <a:txBody>
-                    <a:bodyPr/>
-                    <a:lstStyle/>
-                    <a:p>
-                      <a:pPr algn="ctr"/>
+                        <a:t>Random Forest / </a:t>
+                      </a:r>
+                      <a:r>
+                        <a:rPr lang="de-CH" dirty="0" err="1"/>
+                        <a:t>Decision</a:t>
+                      </a:r>
                       <a:r>
                         <a:rPr lang="de-CH" dirty="0"/>
-                        <a:t>MLP </a:t>
+                        <a:t> </a:t>
                       </a:r>
                       <a:r>
                         <a:rPr lang="de-CH" dirty="0" err="1"/>
-                        <a:t>Classifier</a:t>
+                        <a:t>Tree</a:t>
                       </a:r>
                       <a:endParaRPr lang="de-CH" dirty="0"/>
                     </a:p>
@@ -7058,7 +8203,126 @@
                     <a:bodyPr/>
                     <a:lstStyle/>
                     <a:p>
-                      <a:endParaRPr lang="de-CH" dirty="0"/>
+                      <a:pPr marL="285750" indent="-285750">
+                        <a:buFontTx/>
+                        <a:buChar char="-"/>
+                      </a:pPr>
+                      <a:r>
+                        <a:rPr lang="de-CH" sz="1400" dirty="0"/>
+                        <a:t>Intuitive </a:t>
+                      </a:r>
+                      <a:r>
+                        <a:rPr lang="de-CH" sz="1400" dirty="0" err="1"/>
+                        <a:t>classification</a:t>
+                      </a:r>
+                      <a:r>
+                        <a:rPr lang="de-CH" sz="1400" dirty="0"/>
+                        <a:t> </a:t>
+                      </a:r>
+                      <a:r>
+                        <a:rPr lang="de-CH" sz="1400" dirty="0" err="1"/>
+                        <a:t>process</a:t>
+                      </a:r>
+                      <a:endParaRPr lang="de-CH" sz="1400" dirty="0"/>
+                    </a:p>
+                    <a:p>
+                      <a:pPr marL="285750" indent="-285750">
+                        <a:buFontTx/>
+                        <a:buChar char="-"/>
+                      </a:pPr>
+                      <a:endParaRPr lang="de-CH" sz="1400" dirty="0"/>
+                    </a:p>
+                    <a:p>
+                      <a:pPr marL="285750" indent="-285750">
+                        <a:buFontTx/>
+                        <a:buChar char="-"/>
+                      </a:pPr>
+                      <a:r>
+                        <a:rPr lang="de-CH" sz="1400" dirty="0"/>
+                        <a:t>Flexible</a:t>
+                      </a:r>
+                    </a:p>
+                    <a:p>
+                      <a:pPr marL="285750" indent="-285750">
+                        <a:buFontTx/>
+                        <a:buChar char="-"/>
+                      </a:pPr>
+                      <a:endParaRPr lang="de-CH" sz="1400" dirty="0"/>
+                    </a:p>
+                    <a:p>
+                      <a:pPr marL="285750" indent="-285750">
+                        <a:buFontTx/>
+                        <a:buChar char="-"/>
+                      </a:pPr>
+                      <a:r>
+                        <a:rPr lang="de-CH" sz="1400" dirty="0" err="1"/>
+                        <a:t>Two</a:t>
+                      </a:r>
+                      <a:r>
+                        <a:rPr lang="de-CH" sz="1400" dirty="0"/>
+                        <a:t> </a:t>
+                      </a:r>
+                      <a:r>
+                        <a:rPr lang="de-CH" sz="1400" dirty="0" err="1"/>
+                        <a:t>of</a:t>
+                      </a:r>
+                      <a:r>
+                        <a:rPr lang="de-CH" sz="1400" dirty="0"/>
+                        <a:t> </a:t>
+                      </a:r>
+                      <a:r>
+                        <a:rPr lang="de-CH" sz="1400" dirty="0" err="1"/>
+                        <a:t>the</a:t>
+                      </a:r>
+                      <a:r>
+                        <a:rPr lang="de-CH" sz="1400" dirty="0"/>
+                        <a:t> </a:t>
+                      </a:r>
+                      <a:r>
+                        <a:rPr lang="de-CH" sz="1400" dirty="0" err="1"/>
+                        <a:t>most</a:t>
+                      </a:r>
+                      <a:r>
+                        <a:rPr lang="de-CH" sz="1400" dirty="0"/>
+                        <a:t> </a:t>
+                      </a:r>
+                      <a:r>
+                        <a:rPr lang="de-CH" sz="1400" dirty="0" err="1"/>
+                        <a:t>used</a:t>
+                      </a:r>
+                      <a:r>
+                        <a:rPr lang="de-CH" sz="1400" dirty="0"/>
+                        <a:t> </a:t>
+                      </a:r>
+                      <a:r>
+                        <a:rPr lang="de-CH" sz="1400" dirty="0" err="1"/>
+                        <a:t>algorithms</a:t>
+                      </a:r>
+                      <a:r>
+                        <a:rPr lang="de-CH" sz="1400" dirty="0"/>
+                        <a:t> </a:t>
+                      </a:r>
+                      <a:r>
+                        <a:rPr lang="de-CH" sz="1400" dirty="0" err="1"/>
+                        <a:t>for</a:t>
+                      </a:r>
+                      <a:r>
+                        <a:rPr lang="de-CH" sz="1400" dirty="0"/>
+                        <a:t> </a:t>
+                      </a:r>
+                      <a:r>
+                        <a:rPr lang="de-CH" sz="1400" dirty="0" err="1"/>
+                        <a:t>classification</a:t>
+                      </a:r>
+                      <a:r>
+                        <a:rPr lang="de-CH" sz="1400" dirty="0"/>
+                        <a:t> </a:t>
+                      </a:r>
+                      <a:r>
+                        <a:rPr lang="de-CH" sz="1400" dirty="0" err="1"/>
+                        <a:t>problems</a:t>
+                      </a:r>
+                      <a:endParaRPr lang="de-CH" sz="1400" dirty="0"/>
                     </a:p>
                   </a:txBody>
                   <a:tcPr/>
@@ -7068,17 +8332,265 @@
                     <a:bodyPr/>
                     <a:lstStyle/>
                     <a:p>
-                      <a:endParaRPr lang="de-CH" dirty="0"/>
+                      <a:pPr marL="285750" indent="-285750">
+                        <a:buFontTx/>
+                        <a:buChar char="-"/>
+                      </a:pPr>
+                      <a:r>
+                        <a:rPr lang="de-CH" sz="1400" dirty="0"/>
+                        <a:t>Rather </a:t>
+                      </a:r>
+                      <a:r>
+                        <a:rPr lang="de-CH" sz="1400" dirty="0" err="1"/>
+                        <a:t>disappointing</a:t>
+                      </a:r>
+                      <a:r>
+                        <a:rPr lang="de-CH" sz="1400" dirty="0"/>
+                        <a:t> score</a:t>
+                      </a:r>
                     </a:p>
-                  </a:txBody>
-                  <a:tcPr/>
-                </a:tc>
-                <a:tc>
-                  <a:txBody>
-                    <a:bodyPr/>
-                    <a:lstStyle/>
                     <a:p>
-                      <a:endParaRPr lang="de-CH" dirty="0"/>
+                      <a:pPr marL="285750" indent="-285750">
+                        <a:buFontTx/>
+                        <a:buChar char="-"/>
+                      </a:pPr>
+                      <a:endParaRPr lang="de-CH" sz="1400" dirty="0"/>
+                    </a:p>
+                    <a:p>
+                      <a:pPr marL="285750" indent="-285750">
+                        <a:buFontTx/>
+                        <a:buChar char="-"/>
+                      </a:pPr>
+                      <a:r>
+                        <a:rPr lang="de-CH" sz="1400" dirty="0" err="1"/>
+                        <a:t>Runtimes</a:t>
+                      </a:r>
+                      <a:r>
+                        <a:rPr lang="de-CH" sz="1400" dirty="0"/>
+                        <a:t> </a:t>
+                      </a:r>
+                      <a:r>
+                        <a:rPr lang="de-CH" sz="1400" dirty="0" err="1"/>
+                        <a:t>went</a:t>
+                      </a:r>
+                      <a:r>
+                        <a:rPr lang="de-CH" sz="1400" dirty="0"/>
+                        <a:t> </a:t>
+                      </a:r>
+                      <a:r>
+                        <a:rPr lang="de-CH" sz="1400" dirty="0" err="1"/>
+                        <a:t>into</a:t>
+                      </a:r>
+                      <a:r>
+                        <a:rPr lang="de-CH" sz="1400" dirty="0"/>
+                        <a:t> </a:t>
+                      </a:r>
+                      <a:r>
+                        <a:rPr lang="de-CH" sz="1400" dirty="0" err="1"/>
+                        <a:t>hours</a:t>
+                      </a:r>
+                      <a:r>
+                        <a:rPr lang="de-CH" sz="1400" dirty="0"/>
+                        <a:t> </a:t>
+                      </a:r>
+                      <a:r>
+                        <a:rPr lang="de-CH" sz="1400" dirty="0">
+                          <a:sym typeface="Wingdings" panose="05000000000000000000" pitchFamily="2" charset="2"/>
+                        </a:rPr>
+                        <a:t> not 100 </a:t>
+                      </a:r>
+                      <a:r>
+                        <a:rPr lang="de-CH" sz="1400" dirty="0" err="1">
+                          <a:sym typeface="Wingdings" panose="05000000000000000000" pitchFamily="2" charset="2"/>
+                        </a:rPr>
+                        <a:t>percent</a:t>
+                      </a:r>
+                      <a:r>
+                        <a:rPr lang="de-CH" sz="1400" dirty="0">
+                          <a:sym typeface="Wingdings" panose="05000000000000000000" pitchFamily="2" charset="2"/>
+                        </a:rPr>
+                        <a:t> </a:t>
+                      </a:r>
+                      <a:r>
+                        <a:rPr lang="de-CH" sz="1400" dirty="0" err="1">
+                          <a:sym typeface="Wingdings" panose="05000000000000000000" pitchFamily="2" charset="2"/>
+                        </a:rPr>
+                        <a:t>sure</a:t>
+                      </a:r>
+                      <a:r>
+                        <a:rPr lang="de-CH" sz="1400" dirty="0">
+                          <a:sym typeface="Wingdings" panose="05000000000000000000" pitchFamily="2" charset="2"/>
+                        </a:rPr>
+                        <a:t> </a:t>
+                      </a:r>
+                      <a:r>
+                        <a:rPr lang="de-CH" sz="1400" dirty="0" err="1">
+                          <a:sym typeface="Wingdings" panose="05000000000000000000" pitchFamily="2" charset="2"/>
+                        </a:rPr>
+                        <a:t>if</a:t>
+                      </a:r>
+                      <a:r>
+                        <a:rPr lang="de-CH" sz="1400" dirty="0">
+                          <a:sym typeface="Wingdings" panose="05000000000000000000" pitchFamily="2" charset="2"/>
+                        </a:rPr>
+                        <a:t> </a:t>
+                      </a:r>
+                      <a:r>
+                        <a:rPr lang="de-CH" sz="1400" dirty="0" err="1">
+                          <a:sym typeface="Wingdings" panose="05000000000000000000" pitchFamily="2" charset="2"/>
+                        </a:rPr>
+                        <a:t>we</a:t>
+                      </a:r>
+                      <a:r>
+                        <a:rPr lang="de-CH" sz="1400" dirty="0">
+                          <a:sym typeface="Wingdings" panose="05000000000000000000" pitchFamily="2" charset="2"/>
+                        </a:rPr>
+                        <a:t> </a:t>
+                      </a:r>
+                      <a:r>
+                        <a:rPr lang="de-CH" sz="1400" dirty="0" err="1">
+                          <a:sym typeface="Wingdings" panose="05000000000000000000" pitchFamily="2" charset="2"/>
+                        </a:rPr>
+                        <a:t>have</a:t>
+                      </a:r>
+                      <a:r>
+                        <a:rPr lang="de-CH" sz="1400" dirty="0">
+                          <a:sym typeface="Wingdings" panose="05000000000000000000" pitchFamily="2" charset="2"/>
+                        </a:rPr>
+                        <a:t> </a:t>
+                      </a:r>
+                      <a:r>
+                        <a:rPr lang="de-CH" sz="1400" dirty="0" err="1">
+                          <a:sym typeface="Wingdings" panose="05000000000000000000" pitchFamily="2" charset="2"/>
+                        </a:rPr>
+                        <a:t>found</a:t>
+                      </a:r>
+                      <a:r>
+                        <a:rPr lang="de-CH" sz="1400" dirty="0">
+                          <a:sym typeface="Wingdings" panose="05000000000000000000" pitchFamily="2" charset="2"/>
+                        </a:rPr>
+                        <a:t> </a:t>
+                      </a:r>
+                      <a:r>
+                        <a:rPr lang="de-CH" sz="1400" dirty="0" err="1">
+                          <a:sym typeface="Wingdings" panose="05000000000000000000" pitchFamily="2" charset="2"/>
+                        </a:rPr>
+                        <a:t>the</a:t>
+                      </a:r>
+                      <a:r>
+                        <a:rPr lang="de-CH" sz="1400" dirty="0">
+                          <a:sym typeface="Wingdings" panose="05000000000000000000" pitchFamily="2" charset="2"/>
+                        </a:rPr>
+                        <a:t> </a:t>
+                      </a:r>
+                      <a:r>
+                        <a:rPr lang="de-CH" sz="1400" dirty="0" err="1">
+                          <a:sym typeface="Wingdings" panose="05000000000000000000" pitchFamily="2" charset="2"/>
+                        </a:rPr>
+                        <a:t>best</a:t>
+                      </a:r>
+                      <a:r>
+                        <a:rPr lang="de-CH" sz="1400" dirty="0">
+                          <a:sym typeface="Wingdings" panose="05000000000000000000" pitchFamily="2" charset="2"/>
+                        </a:rPr>
+                        <a:t> </a:t>
+                      </a:r>
+                      <a:r>
+                        <a:rPr lang="de-CH" sz="1400" dirty="0" err="1">
+                          <a:sym typeface="Wingdings" panose="05000000000000000000" pitchFamily="2" charset="2"/>
+                        </a:rPr>
+                        <a:t>parameters</a:t>
+                      </a:r>
+                      <a:endParaRPr lang="de-CH" sz="1400" dirty="0">
+                        <a:sym typeface="Wingdings" panose="05000000000000000000" pitchFamily="2" charset="2"/>
+                      </a:endParaRPr>
+                    </a:p>
+                    <a:p>
+                      <a:pPr marL="285750" indent="-285750">
+                        <a:buFontTx/>
+                        <a:buChar char="-"/>
+                      </a:pPr>
+                      <a:endParaRPr lang="de-CH" sz="1400" dirty="0">
+                        <a:sym typeface="Wingdings" panose="05000000000000000000" pitchFamily="2" charset="2"/>
+                      </a:endParaRPr>
+                    </a:p>
+                    <a:p>
+                      <a:pPr marL="285750" indent="-285750">
+                        <a:buFontTx/>
+                        <a:buChar char="-"/>
+                      </a:pPr>
+                      <a:r>
+                        <a:rPr lang="de-CH" sz="1400" dirty="0" err="1"/>
+                        <a:t>Unlikely</a:t>
+                      </a:r>
+                      <a:r>
+                        <a:rPr lang="de-CH" sz="1400" dirty="0"/>
+                        <a:t> </a:t>
+                      </a:r>
+                      <a:r>
+                        <a:rPr lang="de-CH" sz="1400" dirty="0" err="1"/>
+                        <a:t>that</a:t>
+                      </a:r>
+                      <a:r>
+                        <a:rPr lang="de-CH" sz="1400" dirty="0"/>
+                        <a:t> </a:t>
+                      </a:r>
+                      <a:r>
+                        <a:rPr lang="de-CH" sz="1400" dirty="0" err="1"/>
+                        <a:t>the</a:t>
+                      </a:r>
+                      <a:r>
+                        <a:rPr lang="de-CH" sz="1400" dirty="0"/>
+                        <a:t> score </a:t>
+                      </a:r>
+                      <a:r>
+                        <a:rPr lang="de-CH" sz="1400" dirty="0" err="1"/>
+                        <a:t>would</a:t>
+                      </a:r>
+                      <a:r>
+                        <a:rPr lang="de-CH" sz="1400" dirty="0"/>
+                        <a:t> </a:t>
+                      </a:r>
+                      <a:r>
+                        <a:rPr lang="de-CH" sz="1400" dirty="0" err="1"/>
+                        <a:t>improve</a:t>
+                      </a:r>
+                      <a:r>
+                        <a:rPr lang="de-CH" sz="1400" dirty="0"/>
+                        <a:t> </a:t>
+                      </a:r>
+                      <a:r>
+                        <a:rPr lang="de-CH" sz="1400" dirty="0" err="1"/>
+                        <a:t>onto</a:t>
+                      </a:r>
+                      <a:r>
+                        <a:rPr lang="de-CH" sz="1400" dirty="0"/>
+                        <a:t> </a:t>
+                      </a:r>
+                      <a:r>
+                        <a:rPr lang="de-CH" sz="1400" dirty="0" err="1"/>
+                        <a:t>the</a:t>
+                      </a:r>
+                      <a:r>
+                        <a:rPr lang="de-CH" sz="1400" dirty="0"/>
+                        <a:t> </a:t>
+                      </a:r>
+                      <a:r>
+                        <a:rPr lang="de-CH" sz="1400" dirty="0" err="1"/>
+                        <a:t>level</a:t>
+                      </a:r>
+                      <a:r>
+                        <a:rPr lang="de-CH" sz="1400" dirty="0"/>
+                        <a:t> </a:t>
+                      </a:r>
+                      <a:r>
+                        <a:rPr lang="de-CH" sz="1400" dirty="0" err="1"/>
+                        <a:t>of</a:t>
+                      </a:r>
+                      <a:r>
+                        <a:rPr lang="de-CH" sz="1400" dirty="0"/>
+                        <a:t> Random Forest</a:t>
+                      </a:r>
                     </a:p>
                   </a:txBody>
                   <a:tcPr/>
@@ -7213,7 +8725,180 @@
                     <a:bodyPr/>
                     <a:lstStyle/>
                     <a:p>
-                      <a:endParaRPr lang="de-CH" dirty="0"/>
+                      <a:pPr marL="285750" indent="-285750">
+                        <a:buFontTx/>
+                        <a:buChar char="-"/>
+                      </a:pPr>
+                      <a:r>
+                        <a:rPr lang="de-CH" sz="1400" dirty="0"/>
+                        <a:t>Deep </a:t>
+                      </a:r>
+                      <a:r>
+                        <a:rPr lang="de-CH" sz="1400" dirty="0" err="1"/>
+                        <a:t>learning</a:t>
+                      </a:r>
+                      <a:r>
+                        <a:rPr lang="de-CH" sz="1400" dirty="0"/>
+                        <a:t> </a:t>
+                      </a:r>
+                      <a:r>
+                        <a:rPr lang="de-CH" sz="1400" dirty="0" err="1"/>
+                        <a:t>framework</a:t>
+                      </a:r>
+                      <a:endParaRPr lang="de-CH" sz="1400" dirty="0"/>
+                    </a:p>
+                    <a:p>
+                      <a:pPr marL="285750" indent="-285750">
+                        <a:buFontTx/>
+                        <a:buChar char="-"/>
+                      </a:pPr>
+                      <a:endParaRPr lang="de-CH" sz="1400" dirty="0"/>
+                    </a:p>
+                    <a:p>
+                      <a:pPr marL="285750" indent="-285750">
+                        <a:buFontTx/>
+                        <a:buChar char="-"/>
+                      </a:pPr>
+                      <a:r>
+                        <a:rPr lang="de-CH" sz="1400" dirty="0"/>
+                        <a:t>Most </a:t>
+                      </a:r>
+                      <a:r>
+                        <a:rPr lang="de-CH" sz="1400" dirty="0" err="1"/>
+                        <a:t>used</a:t>
+                      </a:r>
+                      <a:r>
+                        <a:rPr lang="de-CH" sz="1400" dirty="0"/>
+                        <a:t> </a:t>
+                      </a:r>
+                      <a:r>
+                        <a:rPr lang="de-CH" sz="1400" dirty="0" err="1"/>
+                        <a:t>framework</a:t>
+                      </a:r>
+                      <a:r>
+                        <a:rPr lang="de-CH" sz="1400" dirty="0"/>
+                        <a:t> </a:t>
+                      </a:r>
+                      <a:r>
+                        <a:rPr lang="de-CH" sz="1400" dirty="0" err="1"/>
+                        <a:t>among</a:t>
+                      </a:r>
+                      <a:r>
+                        <a:rPr lang="de-CH" sz="1400" dirty="0"/>
+                        <a:t> top-5 </a:t>
+                      </a:r>
+                      <a:r>
+                        <a:rPr lang="de-CH" sz="1400" dirty="0" err="1"/>
+                        <a:t>winning</a:t>
+                      </a:r>
+                      <a:r>
+                        <a:rPr lang="de-CH" sz="1400" dirty="0"/>
+                        <a:t> </a:t>
+                      </a:r>
+                      <a:r>
+                        <a:rPr lang="de-CH" sz="1400" dirty="0" err="1"/>
+                        <a:t>teams</a:t>
+                      </a:r>
+                      <a:r>
+                        <a:rPr lang="de-CH" sz="1400" dirty="0"/>
+                        <a:t> on </a:t>
+                      </a:r>
+                      <a:r>
+                        <a:rPr lang="de-CH" sz="1400" dirty="0" err="1"/>
+                        <a:t>Kaggle</a:t>
+                      </a:r>
+                      <a:endParaRPr lang="de-CH" sz="1400" dirty="0"/>
+                    </a:p>
+                    <a:p>
+                      <a:pPr marL="285750" indent="-285750">
+                        <a:buFontTx/>
+                        <a:buChar char="-"/>
+                      </a:pPr>
+                      <a:endParaRPr lang="de-CH" sz="1400" dirty="0"/>
+                    </a:p>
+                    <a:p>
+                      <a:pPr marL="285750" indent="-285750">
+                        <a:buFontTx/>
+                        <a:buChar char="-"/>
+                      </a:pPr>
+                      <a:r>
+                        <a:rPr lang="de-CH" sz="1400" dirty="0"/>
+                        <a:t>Layer-</a:t>
+                      </a:r>
+                      <a:r>
+                        <a:rPr lang="de-CH" sz="1400" dirty="0" err="1"/>
+                        <a:t>by</a:t>
+                      </a:r>
+                      <a:r>
+                        <a:rPr lang="de-CH" sz="1400" dirty="0"/>
+                        <a:t>-Layer </a:t>
+                      </a:r>
+                      <a:r>
+                        <a:rPr lang="de-CH" sz="1400" dirty="0" err="1"/>
+                        <a:t>model</a:t>
+                      </a:r>
+                      <a:r>
+                        <a:rPr lang="de-CH" sz="1400" dirty="0"/>
+                        <a:t> </a:t>
+                      </a:r>
+                      <a:r>
+                        <a:rPr lang="de-CH" sz="1400" dirty="0" err="1"/>
+                        <a:t>creation</a:t>
+                      </a:r>
+                      <a:endParaRPr lang="de-CH" sz="1400" dirty="0"/>
+                    </a:p>
+                    <a:p>
+                      <a:pPr marL="285750" indent="-285750">
+                        <a:buFontTx/>
+                        <a:buChar char="-"/>
+                      </a:pPr>
+                      <a:endParaRPr lang="de-CH" sz="1400" dirty="0"/>
+                    </a:p>
+                    <a:p>
+                      <a:pPr marL="285750" indent="-285750">
+                        <a:buFontTx/>
+                        <a:buChar char="-"/>
+                      </a:pPr>
+                      <a:r>
+                        <a:rPr lang="de-CH" sz="1400" dirty="0" err="1"/>
+                        <a:t>Three</a:t>
+                      </a:r>
+                      <a:r>
+                        <a:rPr lang="de-CH" sz="1400" dirty="0"/>
+                        <a:t> </a:t>
+                      </a:r>
+                      <a:r>
+                        <a:rPr lang="de-CH" sz="1400" dirty="0" err="1"/>
+                        <a:t>layers</a:t>
+                      </a:r>
+                      <a:r>
+                        <a:rPr lang="de-CH" sz="1400" dirty="0"/>
+                        <a:t> </a:t>
+                      </a:r>
+                      <a:r>
+                        <a:rPr lang="de-CH" sz="1400" dirty="0" err="1"/>
+                        <a:t>resulted</a:t>
+                      </a:r>
+                      <a:r>
+                        <a:rPr lang="de-CH" sz="1400" dirty="0"/>
+                        <a:t> in </a:t>
+                      </a:r>
+                      <a:r>
+                        <a:rPr lang="de-CH" sz="1400" dirty="0" err="1"/>
+                        <a:t>the</a:t>
+                      </a:r>
+                      <a:r>
+                        <a:rPr lang="de-CH" sz="1400" dirty="0"/>
+                        <a:t> </a:t>
+                      </a:r>
+                      <a:r>
+                        <a:rPr lang="de-CH" sz="1400" dirty="0" err="1"/>
+                        <a:t>best</a:t>
+                      </a:r>
+                      <a:r>
+                        <a:rPr lang="de-CH" sz="1400" dirty="0"/>
+                        <a:t> score</a:t>
+                      </a:r>
                     </a:p>
                   </a:txBody>
                   <a:tcPr/>
@@ -7260,229 +8945,47 @@
       </p:grpSpPr>
       <p:sp>
         <p:nvSpPr>
-          <p:cNvPr id="7170" name="Rectangle 2"/>
+          <p:cNvPr id="2" name="Titel 1">
+            <a:extLst>
+              <a:ext uri="{FF2B5EF4-FFF2-40B4-BE49-F238E27FC236}">
+                <a16:creationId xmlns:a16="http://schemas.microsoft.com/office/drawing/2014/main" id="{AEBB09AE-3BAB-4D1B-B14B-E9265425601A}"/>
+              </a:ext>
+            </a:extLst>
+          </p:cNvPr>
           <p:cNvSpPr>
-            <a:spLocks noGrp="1" noChangeArrowheads="1"/>
+            <a:spLocks noGrp="1"/>
           </p:cNvSpPr>
           <p:nvPr>
             <p:ph type="title"/>
           </p:nvPr>
         </p:nvSpPr>
-        <p:spPr>
-          <a:xfrm>
-            <a:off x="911225" y="1290545"/>
-            <a:ext cx="10369550" cy="792434"/>
-          </a:xfrm>
-        </p:spPr>
+        <p:spPr/>
         <p:txBody>
           <a:bodyPr/>
           <a:lstStyle/>
           <a:p>
             <a:r>
+              <a:rPr lang="de-CH" dirty="0" err="1"/>
+              <a:t>Algorithms</a:t>
+            </a:r>
+            <a:r>
               <a:rPr lang="de-CH" dirty="0"/>
-              <a:t>Algorithmen – Resultate</a:t>
-            </a:r>
-          </a:p>
-        </p:txBody>
-      </p:sp>
-      <p:sp>
-        <p:nvSpPr>
-          <p:cNvPr id="7171" name="Rectangle 3"/>
-          <p:cNvSpPr>
-            <a:spLocks noGrp="1" noChangeArrowheads="1"/>
-          </p:cNvSpPr>
-          <p:nvPr>
-            <p:ph type="body" idx="1"/>
-          </p:nvPr>
-        </p:nvSpPr>
-        <p:spPr/>
-        <p:txBody>
-          <a:bodyPr/>
-          <a:lstStyle/>
-          <a:p>
-            <a:pPr marL="0" indent="0">
-              <a:buNone/>
-            </a:pPr>
+              <a:t> – </a:t>
+            </a:r>
+            <a:r>
+              <a:rPr lang="de-CH" dirty="0" err="1"/>
+              <a:t>Results</a:t>
+            </a:r>
             <a:endParaRPr lang="de-CH" dirty="0"/>
           </a:p>
         </p:txBody>
       </p:sp>
-      <p:sp>
-        <p:nvSpPr>
-          <p:cNvPr id="4" name="Datumsplatzhalter 3"/>
-          <p:cNvSpPr>
-            <a:spLocks noGrp="1"/>
-          </p:cNvSpPr>
-          <p:nvPr>
-            <p:ph type="dt" sz="half" idx="10"/>
-          </p:nvPr>
-        </p:nvSpPr>
-        <p:spPr/>
-        <p:txBody>
-          <a:bodyPr/>
-          <a:lstStyle/>
-          <a:p>
-            <a:r>
-              <a:rPr lang="de-CH" dirty="0"/>
-              <a:t>27.04.2021</a:t>
-            </a:r>
-          </a:p>
-          <a:p>
-            <a:endParaRPr lang="de-CH" dirty="0"/>
-          </a:p>
-        </p:txBody>
-      </p:sp>
-      <p:sp>
-        <p:nvSpPr>
-          <p:cNvPr id="5" name="Fußzeilenplatzhalter 4"/>
-          <p:cNvSpPr>
-            <a:spLocks noGrp="1"/>
-          </p:cNvSpPr>
-          <p:nvPr>
-            <p:ph type="ftr" sz="quarter" idx="11"/>
-          </p:nvPr>
-        </p:nvSpPr>
-        <p:spPr/>
-        <p:txBody>
-          <a:bodyPr/>
-          <a:lstStyle/>
-          <a:p>
-            <a:r>
-              <a:rPr lang="de-CH" dirty="0"/>
-              <a:t>Gruppenarbeit: Vorhersage einer «</a:t>
-            </a:r>
-            <a:r>
-              <a:rPr lang="de-CH" dirty="0" err="1"/>
-              <a:t>buy</a:t>
-            </a:r>
-            <a:r>
-              <a:rPr lang="de-CH" dirty="0"/>
-              <a:t>, hold, </a:t>
-            </a:r>
-            <a:r>
-              <a:rPr lang="de-CH" dirty="0" err="1"/>
-              <a:t>sell</a:t>
-            </a:r>
-            <a:r>
-              <a:rPr lang="de-CH" dirty="0"/>
-              <a:t>» - Strategie – Gruppe 1</a:t>
-            </a:r>
-          </a:p>
-        </p:txBody>
-      </p:sp>
-      <p:sp>
-        <p:nvSpPr>
-          <p:cNvPr id="6" name="Foliennummernplatzhalter 5"/>
-          <p:cNvSpPr>
-            <a:spLocks noGrp="1"/>
-          </p:cNvSpPr>
-          <p:nvPr>
-            <p:ph type="sldNum" sz="quarter" idx="12"/>
-          </p:nvPr>
-        </p:nvSpPr>
-        <p:spPr/>
-        <p:txBody>
-          <a:bodyPr/>
-          <a:lstStyle/>
-          <a:p>
-            <a:r>
-              <a:rPr lang="de-CH"/>
-              <a:t>Seite </a:t>
-            </a:r>
-            <a:fld id="{5FE53467-384A-8A48-BFCB-FC70BCC81C81}" type="slidenum">
-              <a:rPr lang="de-CH" smtClean="0"/>
-              <a:pPr/>
-              <a:t>9</a:t>
-            </a:fld>
-            <a:endParaRPr lang="de-CH" dirty="0"/>
-          </a:p>
-        </p:txBody>
-      </p:sp>
-      <p:sp>
-        <p:nvSpPr>
-          <p:cNvPr id="10" name="Textfeld 9">
+      <p:graphicFrame>
+        <p:nvGraphicFramePr>
+          <p:cNvPr id="7" name="Tabelle 7">
             <a:extLst>
               <a:ext uri="{FF2B5EF4-FFF2-40B4-BE49-F238E27FC236}">
-                <a16:creationId xmlns:a16="http://schemas.microsoft.com/office/drawing/2014/main" id="{7943694B-EE0C-433C-96AB-B2D585F61BAC}"/>
-              </a:ext>
-            </a:extLst>
-          </p:cNvPr>
-          <p:cNvSpPr txBox="1"/>
-          <p:nvPr/>
-        </p:nvSpPr>
-        <p:spPr>
-          <a:xfrm>
-            <a:off x="897562" y="3135950"/>
-            <a:ext cx="2304455" cy="569387"/>
-          </a:xfrm>
-          <a:prstGeom prst="rect">
-            <a:avLst/>
-          </a:prstGeom>
-          <a:noFill/>
-        </p:spPr>
-        <p:txBody>
-          <a:bodyPr wrap="square" rtlCol="0">
-            <a:spAutoFit/>
-          </a:bodyPr>
-          <a:lstStyle/>
-          <a:p>
-            <a:endParaRPr lang="en-US" sz="1400" dirty="0"/>
-          </a:p>
-          <a:p>
-            <a:endParaRPr lang="de-CH" dirty="0"/>
-          </a:p>
-        </p:txBody>
-      </p:sp>
-      <p:sp>
-        <p:nvSpPr>
-          <p:cNvPr id="16" name="Textfeld 15">
-            <a:extLst>
-              <a:ext uri="{FF2B5EF4-FFF2-40B4-BE49-F238E27FC236}">
-                <a16:creationId xmlns:a16="http://schemas.microsoft.com/office/drawing/2014/main" id="{6CBDA41A-1262-4318-8870-0A157F656F29}"/>
-              </a:ext>
-            </a:extLst>
-          </p:cNvPr>
-          <p:cNvSpPr txBox="1"/>
-          <p:nvPr/>
-        </p:nvSpPr>
-        <p:spPr>
-          <a:xfrm>
-            <a:off x="7961896" y="3135950"/>
-            <a:ext cx="2296593" cy="830997"/>
-          </a:xfrm>
-          <a:prstGeom prst="rect">
-            <a:avLst/>
-          </a:prstGeom>
-          <a:noFill/>
-        </p:spPr>
-        <p:txBody>
-          <a:bodyPr wrap="square" rtlCol="0">
-            <a:spAutoFit/>
-          </a:bodyPr>
-          <a:lstStyle/>
-          <a:p>
-            <a:pPr lvl="0">
-              <a:lnSpc>
-                <a:spcPct val="100000"/>
-              </a:lnSpc>
-            </a:pPr>
-            <a:endParaRPr lang="en-US" sz="1400" dirty="0"/>
-          </a:p>
-          <a:p>
-            <a:pPr lvl="0"/>
-            <a:endParaRPr lang="en-US" dirty="0"/>
-          </a:p>
-          <a:p>
-            <a:endParaRPr lang="de-CH" dirty="0"/>
-          </a:p>
-        </p:txBody>
-      </p:sp>
-      <p:graphicFrame>
-        <p:nvGraphicFramePr>
-          <p:cNvPr id="17" name="Tabelle 17">
-            <a:extLst>
-              <a:ext uri="{FF2B5EF4-FFF2-40B4-BE49-F238E27FC236}">
-                <a16:creationId xmlns:a16="http://schemas.microsoft.com/office/drawing/2014/main" id="{0048FFB4-4F88-4F69-AD5B-A82E9D8BED9E}"/>
+                <a16:creationId xmlns:a16="http://schemas.microsoft.com/office/drawing/2014/main" id="{BCBCD1E4-D68D-43EC-AB0F-491D019B7D16}"/>
               </a:ext>
             </a:extLst>
           </p:cNvPr>
@@ -7490,16 +8993,17 @@
             <a:graphicFrameLocks noGrp="1"/>
           </p:cNvGraphicFramePr>
           <p:nvPr>
+            <p:ph idx="1"/>
             <p:extLst>
               <p:ext uri="{D42A27DB-BD31-4B8C-83A1-F6EECF244321}">
-                <p14:modId xmlns:p14="http://schemas.microsoft.com/office/powerpoint/2010/main" val="3171997340"/>
+                <p14:modId xmlns:p14="http://schemas.microsoft.com/office/powerpoint/2010/main" val="4263618065"/>
               </p:ext>
             </p:extLst>
           </p:nvPr>
         </p:nvGraphicFramePr>
         <p:xfrm>
-          <a:off x="875023" y="2205039"/>
-          <a:ext cx="10418790" cy="4078471"/>
+          <a:off x="911225" y="2205038"/>
+          <a:ext cx="10369550" cy="2225040"/>
         </p:xfrm>
         <a:graphic>
           <a:graphicData uri="http://schemas.openxmlformats.org/drawingml/2006/table">
@@ -7508,52 +9012,30 @@
                 <a:tableStyleId>{5C22544A-7EE6-4342-B048-85BDC9FD1C3A}</a:tableStyleId>
               </a:tblPr>
               <a:tblGrid>
-                <a:gridCol w="2083758">
+                <a:gridCol w="5184775">
                   <a:extLst>
                     <a:ext uri="{9D8B030D-6E8A-4147-A177-3AD203B41FA5}">
-                      <a16:colId xmlns:a16="http://schemas.microsoft.com/office/drawing/2014/main" val="2783622106"/>
+                      <a16:colId xmlns:a16="http://schemas.microsoft.com/office/drawing/2014/main" val="4043807980"/>
                     </a:ext>
                   </a:extLst>
                 </a:gridCol>
-                <a:gridCol w="2083758">
+                <a:gridCol w="5184775">
                   <a:extLst>
                     <a:ext uri="{9D8B030D-6E8A-4147-A177-3AD203B41FA5}">
-                      <a16:colId xmlns:a16="http://schemas.microsoft.com/office/drawing/2014/main" val="1524049906"/>
-                    </a:ext>
-                  </a:extLst>
-                </a:gridCol>
-                <a:gridCol w="2083758">
-                  <a:extLst>
-                    <a:ext uri="{9D8B030D-6E8A-4147-A177-3AD203B41FA5}">
-                      <a16:colId xmlns:a16="http://schemas.microsoft.com/office/drawing/2014/main" val="2828319491"/>
-                    </a:ext>
-                  </a:extLst>
-                </a:gridCol>
-                <a:gridCol w="2083758">
-                  <a:extLst>
-                    <a:ext uri="{9D8B030D-6E8A-4147-A177-3AD203B41FA5}">
-                      <a16:colId xmlns:a16="http://schemas.microsoft.com/office/drawing/2014/main" val="29694093"/>
-                    </a:ext>
-                  </a:extLst>
-                </a:gridCol>
-                <a:gridCol w="2083758">
-                  <a:extLst>
-                    <a:ext uri="{9D8B030D-6E8A-4147-A177-3AD203B41FA5}">
-                      <a16:colId xmlns:a16="http://schemas.microsoft.com/office/drawing/2014/main" val="2531302657"/>
+                      <a16:colId xmlns:a16="http://schemas.microsoft.com/office/drawing/2014/main" val="3633531937"/>
                     </a:ext>
                   </a:extLst>
                 </a:gridCol>
               </a:tblGrid>
-              <a:tr h="449866">
+              <a:tr h="370840">
                 <a:tc>
                   <a:txBody>
                     <a:bodyPr/>
                     <a:lstStyle/>
                     <a:p>
-                      <a:pPr algn="ctr"/>
                       <a:r>
                         <a:rPr lang="de-CH" dirty="0"/>
-                        <a:t>Random Forest</a:t>
+                        <a:t>Method</a:t>
                       </a:r>
                     </a:p>
                   </a:txBody>
@@ -7564,14 +9046,70 @@
                     <a:bodyPr/>
                     <a:lstStyle/>
                     <a:p>
-                      <a:pPr algn="ctr"/>
                       <a:r>
                         <a:rPr lang="de-CH" dirty="0"/>
-                        <a:t>MLP </a:t>
-                      </a:r>
+                        <a:t>Best Score</a:t>
+                      </a:r>
+                    </a:p>
+                  </a:txBody>
+                  <a:tcPr/>
+                </a:tc>
+                <a:extLst>
+                  <a:ext uri="{0D108BD9-81ED-4DB2-BD59-A6C34878D82A}">
+                    <a16:rowId xmlns:a16="http://schemas.microsoft.com/office/drawing/2014/main" val="2523652674"/>
+                  </a:ext>
+                </a:extLst>
+              </a:tr>
+              <a:tr h="370840">
+                <a:tc>
+                  <a:txBody>
+                    <a:bodyPr/>
+                    <a:lstStyle/>
+                    <a:p>
+                      <a:r>
+                        <a:rPr lang="de-CH" dirty="0"/>
+                        <a:t>Random Forest</a:t>
+                      </a:r>
+                    </a:p>
+                  </a:txBody>
+                  <a:tcPr/>
+                </a:tc>
+                <a:tc>
+                  <a:txBody>
+                    <a:bodyPr/>
+                    <a:lstStyle/>
+                    <a:p>
+                      <a:r>
+                        <a:rPr lang="de-CH" dirty="0"/>
+                        <a:t>61.44%</a:t>
+                      </a:r>
+                    </a:p>
+                  </a:txBody>
+                  <a:tcPr/>
+                </a:tc>
+                <a:extLst>
+                  <a:ext uri="{0D108BD9-81ED-4DB2-BD59-A6C34878D82A}">
+                    <a16:rowId xmlns:a16="http://schemas.microsoft.com/office/drawing/2014/main" val="3963709558"/>
+                  </a:ext>
+                </a:extLst>
+              </a:tr>
+              <a:tr h="370840">
+                <a:tc>
+                  <a:txBody>
+                    <a:bodyPr/>
+                    <a:lstStyle/>
+                    <a:p>
                       <a:r>
                         <a:rPr lang="de-CH" dirty="0" err="1"/>
-                        <a:t>Classifier</a:t>
+                        <a:t>Decision</a:t>
+                      </a:r>
+                      <a:r>
+                        <a:rPr lang="de-CH" dirty="0"/>
+                        <a:t> </a:t>
+                      </a:r>
+                      <a:r>
+                        <a:rPr lang="de-CH" dirty="0" err="1"/>
+                        <a:t>Tree</a:t>
                       </a:r>
                       <a:endParaRPr lang="de-CH" dirty="0"/>
                     </a:p>
@@ -7583,10 +9121,29 @@
                     <a:bodyPr/>
                     <a:lstStyle/>
                     <a:p>
-                      <a:pPr algn="ctr"/>
                       <a:r>
                         <a:rPr lang="de-CH" dirty="0"/>
-                        <a:t>SVM</a:t>
+                        <a:t>60.39%</a:t>
+                      </a:r>
+                    </a:p>
+                  </a:txBody>
+                  <a:tcPr/>
+                </a:tc>
+                <a:extLst>
+                  <a:ext uri="{0D108BD9-81ED-4DB2-BD59-A6C34878D82A}">
+                    <a16:rowId xmlns:a16="http://schemas.microsoft.com/office/drawing/2014/main" val="1784225717"/>
+                  </a:ext>
+                </a:extLst>
+              </a:tr>
+              <a:tr h="370840">
+                <a:tc>
+                  <a:txBody>
+                    <a:bodyPr/>
+                    <a:lstStyle/>
+                    <a:p>
+                      <a:r>
+                        <a:rPr lang="de-CH" dirty="0"/>
+                        <a:t>LDA and QDA</a:t>
                       </a:r>
                     </a:p>
                   </a:txBody>
@@ -7597,10 +9154,37 @@
                     <a:bodyPr/>
                     <a:lstStyle/>
                     <a:p>
-                      <a:pPr algn="ctr"/>
                       <a:r>
                         <a:rPr lang="de-CH" dirty="0"/>
-                        <a:t>LDA / QDA</a:t>
+                        <a:t>56.60%</a:t>
+                      </a:r>
+                    </a:p>
+                  </a:txBody>
+                  <a:tcPr/>
+                </a:tc>
+                <a:extLst>
+                  <a:ext uri="{0D108BD9-81ED-4DB2-BD59-A6C34878D82A}">
+                    <a16:rowId xmlns:a16="http://schemas.microsoft.com/office/drawing/2014/main" val="816404941"/>
+                  </a:ext>
+                </a:extLst>
+              </a:tr>
+              <a:tr h="370840">
+                <a:tc>
+                  <a:txBody>
+                    <a:bodyPr/>
+                    <a:lstStyle/>
+                    <a:p>
+                      <a:r>
+                        <a:rPr lang="de-CH" dirty="0"/>
+                        <a:t>Keras </a:t>
+                      </a:r>
+                      <a:r>
+                        <a:rPr lang="de-CH" dirty="0" err="1"/>
+                        <a:t>Neural</a:t>
+                      </a:r>
+                      <a:r>
+                        <a:rPr lang="de-CH" dirty="0"/>
+                        <a:t> Network</a:t>
                       </a:r>
                     </a:p>
                   </a:txBody>
@@ -7611,18 +9195,9 @@
                     <a:bodyPr/>
                     <a:lstStyle/>
                     <a:p>
-                      <a:pPr algn="ctr"/>
                       <a:r>
                         <a:rPr lang="de-CH" dirty="0"/>
-                        <a:t>Keras </a:t>
-                      </a:r>
-                      <a:r>
-                        <a:rPr lang="de-CH" dirty="0" err="1"/>
-                        <a:t>Sequential</a:t>
-                      </a:r>
-                      <a:r>
-                        <a:rPr lang="de-CH" dirty="0"/>
-                        <a:t> Model</a:t>
+                        <a:t>54.60%</a:t>
                       </a:r>
                     </a:p>
                   </a:txBody>
@@ -7630,16 +9205,24 @@
                 </a:tc>
                 <a:extLst>
                   <a:ext uri="{0D108BD9-81ED-4DB2-BD59-A6C34878D82A}">
-                    <a16:rowId xmlns:a16="http://schemas.microsoft.com/office/drawing/2014/main" val="311917711"/>
+                    <a16:rowId xmlns:a16="http://schemas.microsoft.com/office/drawing/2014/main" val="3774771944"/>
                   </a:ext>
                 </a:extLst>
               </a:tr>
-              <a:tr h="3438391">
+              <a:tr h="370840">
                 <a:tc>
                   <a:txBody>
                     <a:bodyPr/>
                     <a:lstStyle/>
                     <a:p>
+                      <a:r>
+                        <a:rPr lang="de-CH" dirty="0"/>
+                        <a:t>Support Vector </a:t>
+                      </a:r>
+                      <a:r>
+                        <a:rPr lang="de-CH" dirty="0" err="1"/>
+                        <a:t>Machine</a:t>
+                      </a:r>
                       <a:endParaRPr lang="de-CH" dirty="0"/>
                     </a:p>
                   </a:txBody>
@@ -7650,173 +9233,17 @@
                     <a:bodyPr/>
                     <a:lstStyle/>
                     <a:p>
-                      <a:endParaRPr lang="de-CH" dirty="0"/>
-                    </a:p>
-                  </a:txBody>
-                  <a:tcPr/>
-                </a:tc>
-                <a:tc>
-                  <a:txBody>
-                    <a:bodyPr/>
-                    <a:lstStyle/>
-                    <a:p>
-                      <a:endParaRPr lang="de-CH" dirty="0"/>
-                    </a:p>
-                  </a:txBody>
-                  <a:tcPr/>
-                </a:tc>
-                <a:tc>
-                  <a:txBody>
-                    <a:bodyPr/>
-                    <a:lstStyle/>
-                    <a:p>
-                      <a:pPr marL="285750" indent="-285750">
-                        <a:buFontTx/>
-                        <a:buChar char="-"/>
-                      </a:pPr>
-                      <a:r>
-                        <a:rPr lang="de-CH" sz="1400" dirty="0" err="1"/>
-                        <a:t>Highest</a:t>
-                      </a:r>
-                      <a:r>
-                        <a:rPr lang="de-CH" sz="1400" dirty="0"/>
-                        <a:t> score: 59.55% (LDA)</a:t>
-                      </a:r>
-                      <a:endParaRPr lang="de-CH" sz="1400" dirty="0">
-                        <a:sym typeface="Wingdings" panose="05000000000000000000" pitchFamily="2" charset="2"/>
-                      </a:endParaRPr>
-                    </a:p>
-                    <a:p>
-                      <a:pPr marL="285750" indent="-285750">
-                        <a:buFontTx/>
-                        <a:buChar char="-"/>
-                      </a:pPr>
-                      <a:r>
-                        <a:rPr lang="de-CH" sz="1400" dirty="0">
-                          <a:sym typeface="Wingdings" panose="05000000000000000000" pitchFamily="2" charset="2"/>
-                        </a:rPr>
-                        <a:t>Applied </a:t>
-                      </a:r>
-                      <a:r>
-                        <a:rPr lang="de-CH" sz="1400" dirty="0" err="1">
-                          <a:sym typeface="Wingdings" panose="05000000000000000000" pitchFamily="2" charset="2"/>
-                        </a:rPr>
-                        <a:t>GridSearchCV</a:t>
-                      </a:r>
-                      <a:r>
-                        <a:rPr lang="de-CH" sz="1400" dirty="0">
-                          <a:sym typeface="Wingdings" panose="05000000000000000000" pitchFamily="2" charset="2"/>
-                        </a:rPr>
-                        <a:t> </a:t>
-                      </a:r>
-                      <a:r>
-                        <a:rPr lang="de-CH" sz="1400" dirty="0" err="1">
-                          <a:sym typeface="Wingdings" panose="05000000000000000000" pitchFamily="2" charset="2"/>
-                        </a:rPr>
-                        <a:t>to</a:t>
-                      </a:r>
-                      <a:r>
-                        <a:rPr lang="de-CH" sz="1400" dirty="0">
-                          <a:sym typeface="Wingdings" panose="05000000000000000000" pitchFamily="2" charset="2"/>
-                        </a:rPr>
-                        <a:t> find </a:t>
-                      </a:r>
-                      <a:r>
-                        <a:rPr lang="de-CH" sz="1400" dirty="0" err="1">
-                          <a:sym typeface="Wingdings" panose="05000000000000000000" pitchFamily="2" charset="2"/>
-                        </a:rPr>
-                        <a:t>best</a:t>
-                      </a:r>
-                      <a:r>
-                        <a:rPr lang="de-CH" sz="1400" dirty="0">
-                          <a:sym typeface="Wingdings" panose="05000000000000000000" pitchFamily="2" charset="2"/>
-                        </a:rPr>
-                        <a:t> </a:t>
-                      </a:r>
-                      <a:r>
-                        <a:rPr lang="de-CH" sz="1400" dirty="0" err="1">
-                          <a:sym typeface="Wingdings" panose="05000000000000000000" pitchFamily="2" charset="2"/>
-                        </a:rPr>
-                        <a:t>estimators</a:t>
-                      </a:r>
-                      <a:r>
-                        <a:rPr lang="de-CH" sz="1400" dirty="0">
-                          <a:sym typeface="Wingdings" panose="05000000000000000000" pitchFamily="2" charset="2"/>
-                        </a:rPr>
-                        <a:t>, in </a:t>
-                      </a:r>
-                      <a:r>
-                        <a:rPr lang="de-CH" sz="1400" dirty="0" err="1">
-                          <a:sym typeface="Wingdings" panose="05000000000000000000" pitchFamily="2" charset="2"/>
-                        </a:rPr>
-                        <a:t>addition</a:t>
-                      </a:r>
-                      <a:r>
-                        <a:rPr lang="de-CH" sz="1400" dirty="0">
-                          <a:sym typeface="Wingdings" panose="05000000000000000000" pitchFamily="2" charset="2"/>
-                        </a:rPr>
-                        <a:t> feature </a:t>
-                      </a:r>
-                      <a:r>
-                        <a:rPr lang="de-CH" sz="1400" dirty="0" err="1">
-                          <a:sym typeface="Wingdings" panose="05000000000000000000" pitchFamily="2" charset="2"/>
-                        </a:rPr>
-                        <a:t>selection</a:t>
-                      </a:r>
-                      <a:endParaRPr lang="de-CH" sz="1400" dirty="0"/>
-                    </a:p>
-                    <a:p>
-                      <a:pPr marL="285750" indent="-285750">
-                        <a:buFontTx/>
-                        <a:buChar char="-"/>
-                      </a:pPr>
-                      <a:r>
-                        <a:rPr lang="en-US" sz="1400" kern="1200" dirty="0">
-                          <a:solidFill>
-                            <a:schemeClr val="dk1"/>
-                          </a:solidFill>
-                          <a:effectLst/>
-                          <a:latin typeface="+mn-lt"/>
-                          <a:ea typeface="+mn-ea"/>
-                          <a:cs typeface="+mn-cs"/>
-                        </a:rPr>
-                        <a:t>Dealing with class imbalanced decreased score drastically (-13%)</a:t>
-                      </a:r>
-                    </a:p>
-                    <a:p>
-                      <a:pPr marL="285750" indent="-285750">
-                        <a:buFontTx/>
-                        <a:buChar char="-"/>
-                      </a:pPr>
-                      <a:r>
-                        <a:rPr lang="en-US" sz="1400" kern="1200" dirty="0">
-                          <a:solidFill>
-                            <a:schemeClr val="dk1"/>
-                          </a:solidFill>
-                          <a:effectLst/>
-                          <a:latin typeface="+mn-lt"/>
-                          <a:ea typeface="+mn-ea"/>
-                          <a:cs typeface="+mn-cs"/>
-                        </a:rPr>
-                        <a:t>QDA worse score (assumption of a common covariance matrix holds)</a:t>
-                      </a:r>
-                    </a:p>
-                  </a:txBody>
-                  <a:tcPr/>
-                </a:tc>
-                <a:tc>
-                  <a:txBody>
-                    <a:bodyPr/>
-                    <a:lstStyle/>
-                    <a:p>
-                      <a:endParaRPr lang="de-CH" dirty="0"/>
+                      <a:r>
+                        <a:rPr lang="de-CH" dirty="0"/>
+                        <a:t>41.09%</a:t>
+                      </a:r>
                     </a:p>
                   </a:txBody>
                   <a:tcPr/>
                 </a:tc>
                 <a:extLst>
                   <a:ext uri="{0D108BD9-81ED-4DB2-BD59-A6C34878D82A}">
-                    <a16:rowId xmlns:a16="http://schemas.microsoft.com/office/drawing/2014/main" val="1227147008"/>
+                    <a16:rowId xmlns:a16="http://schemas.microsoft.com/office/drawing/2014/main" val="1981276129"/>
                   </a:ext>
                 </a:extLst>
               </a:tr>
@@ -7824,10 +9251,102 @@
           </a:graphicData>
         </a:graphic>
       </p:graphicFrame>
+      <p:sp>
+        <p:nvSpPr>
+          <p:cNvPr id="4" name="Datumsplatzhalter 3">
+            <a:extLst>
+              <a:ext uri="{FF2B5EF4-FFF2-40B4-BE49-F238E27FC236}">
+                <a16:creationId xmlns:a16="http://schemas.microsoft.com/office/drawing/2014/main" id="{280EAEC5-DE0C-48EC-B810-D1C2E984C409}"/>
+              </a:ext>
+            </a:extLst>
+          </p:cNvPr>
+          <p:cNvSpPr>
+            <a:spLocks noGrp="1"/>
+          </p:cNvSpPr>
+          <p:nvPr>
+            <p:ph type="dt" sz="half" idx="10"/>
+          </p:nvPr>
+        </p:nvSpPr>
+        <p:spPr/>
+        <p:txBody>
+          <a:bodyPr/>
+          <a:lstStyle/>
+          <a:p>
+            <a:r>
+              <a:rPr lang="de-CH"/>
+              <a:t>27.04.2021</a:t>
+            </a:r>
+            <a:endParaRPr lang="de-CH" dirty="0"/>
+          </a:p>
+        </p:txBody>
+      </p:sp>
+      <p:sp>
+        <p:nvSpPr>
+          <p:cNvPr id="5" name="Fußzeilenplatzhalter 4">
+            <a:extLst>
+              <a:ext uri="{FF2B5EF4-FFF2-40B4-BE49-F238E27FC236}">
+                <a16:creationId xmlns:a16="http://schemas.microsoft.com/office/drawing/2014/main" id="{61A44934-F81A-406A-8DAE-2567403BAEBA}"/>
+              </a:ext>
+            </a:extLst>
+          </p:cNvPr>
+          <p:cNvSpPr>
+            <a:spLocks noGrp="1"/>
+          </p:cNvSpPr>
+          <p:nvPr>
+            <p:ph type="ftr" sz="quarter" idx="11"/>
+          </p:nvPr>
+        </p:nvSpPr>
+        <p:spPr/>
+        <p:txBody>
+          <a:bodyPr/>
+          <a:lstStyle/>
+          <a:p>
+            <a:r>
+              <a:rPr lang="de-CH"/>
+              <a:t>Gruppenarbeit: Vorhersage einer «buy, hold, sell» - Strategie – Gruppe 1</a:t>
+            </a:r>
+            <a:endParaRPr lang="de-CH" dirty="0"/>
+          </a:p>
+        </p:txBody>
+      </p:sp>
+      <p:sp>
+        <p:nvSpPr>
+          <p:cNvPr id="6" name="Foliennummernplatzhalter 5">
+            <a:extLst>
+              <a:ext uri="{FF2B5EF4-FFF2-40B4-BE49-F238E27FC236}">
+                <a16:creationId xmlns:a16="http://schemas.microsoft.com/office/drawing/2014/main" id="{9BBB69CC-CB97-4C16-8C5A-AA3FE7CB5A28}"/>
+              </a:ext>
+            </a:extLst>
+          </p:cNvPr>
+          <p:cNvSpPr>
+            <a:spLocks noGrp="1"/>
+          </p:cNvSpPr>
+          <p:nvPr>
+            <p:ph type="sldNum" sz="quarter" idx="12"/>
+          </p:nvPr>
+        </p:nvSpPr>
+        <p:spPr/>
+        <p:txBody>
+          <a:bodyPr/>
+          <a:lstStyle/>
+          <a:p>
+            <a:r>
+              <a:rPr lang="de-CH"/>
+              <a:t>Seite </a:t>
+            </a:r>
+            <a:fld id="{1C5791B1-6579-0B4D-B06F-613121D36EDE}" type="slidenum">
+              <a:rPr lang="de-CH" smtClean="0"/>
+              <a:pPr/>
+              <a:t>9</a:t>
+            </a:fld>
+            <a:endParaRPr lang="de-CH" dirty="0"/>
+          </a:p>
+        </p:txBody>
+      </p:sp>
     </p:spTree>
     <p:extLst>
       <p:ext uri="{BB962C8B-B14F-4D97-AF65-F5344CB8AC3E}">
-        <p14:creationId xmlns:p14="http://schemas.microsoft.com/office/powerpoint/2010/main" val="1547882228"/>
+        <p14:creationId xmlns:p14="http://schemas.microsoft.com/office/powerpoint/2010/main" val="2482185174"/>
       </p:ext>
     </p:extLst>
   </p:cSld>

--- a/Machine_Learning_in_Finance_Gruppenarbeit_Gruppe1_V1.pptx
+++ b/Machine_Learning_in_Finance_Gruppenarbeit_Gruppe1_V1.pptx
@@ -5,19 +5,17 @@
     <p:sldMasterId id="2147483648" r:id="rId1"/>
   </p:sldMasterIdLst>
   <p:notesMasterIdLst>
-    <p:notesMasterId r:id="rId12"/>
+    <p:notesMasterId r:id="rId10"/>
   </p:notesMasterIdLst>
   <p:sldIdLst>
     <p:sldId id="256" r:id="rId2"/>
     <p:sldId id="257" r:id="rId3"/>
-    <p:sldId id="259" r:id="rId4"/>
-    <p:sldId id="258" r:id="rId5"/>
-    <p:sldId id="265" r:id="rId6"/>
-    <p:sldId id="269" r:id="rId7"/>
-    <p:sldId id="268" r:id="rId8"/>
-    <p:sldId id="266" r:id="rId9"/>
-    <p:sldId id="270" r:id="rId10"/>
-    <p:sldId id="264" r:id="rId11"/>
+    <p:sldId id="258" r:id="rId4"/>
+    <p:sldId id="265" r:id="rId5"/>
+    <p:sldId id="269" r:id="rId6"/>
+    <p:sldId id="266" r:id="rId7"/>
+    <p:sldId id="270" r:id="rId8"/>
+    <p:sldId id="264" r:id="rId9"/>
   </p:sldIdLst>
   <p:sldSz cx="12192000" cy="6858000"/>
   <p:notesSz cx="6400800" cy="8686800"/>
@@ -278,14 +276,14 @@
           <a:effectLst/>
           <a:extLst>
             <a:ext uri="{909E8E84-426E-40dd-AFC4-6F175D3DCCD1}">
-              <a14:hiddenFill xmlns="" xmlns:a14="http://schemas.microsoft.com/office/drawing/2010/main">
+              <a14:hiddenFill xmlns:a14="http://schemas.microsoft.com/office/drawing/2010/main" xmlns="">
                 <a:solidFill>
                   <a:schemeClr val="accent1"/>
                 </a:solidFill>
               </a14:hiddenFill>
             </a:ext>
             <a:ext uri="{91240B29-F687-4f45-9708-019B960494DF}">
-              <a14:hiddenLine xmlns="" xmlns:a14="http://schemas.microsoft.com/office/drawing/2010/main" w="9525">
+              <a14:hiddenLine xmlns:a14="http://schemas.microsoft.com/office/drawing/2010/main" xmlns="" w="9525">
                 <a:solidFill>
                   <a:schemeClr val="tx1"/>
                 </a:solidFill>
@@ -295,7 +293,7 @@
               </a14:hiddenLine>
             </a:ext>
             <a:ext uri="{AF507438-7753-43e0-B8FC-AC1667EBCBE1}">
-              <a14:hiddenEffects xmlns="" xmlns:a14="http://schemas.microsoft.com/office/drawing/2010/main">
+              <a14:hiddenEffects xmlns:a14="http://schemas.microsoft.com/office/drawing/2010/main" xmlns="">
                 <a:effectLst>
                   <a:outerShdw blurRad="63500" dist="38099" dir="2700000" algn="ctr" rotWithShape="0">
                     <a:schemeClr val="bg2">
@@ -306,7 +304,7 @@
               </a14:hiddenEffects>
             </a:ext>
             <a:ext uri="{FAA26D3D-D897-4be2-8F04-BA451C77F1D7}">
-              <ma14:placeholderFlag xmlns="" xmlns:ma14="http://schemas.microsoft.com/office/mac/drawingml/2011/main" val="1"/>
+              <ma14:placeholderFlag xmlns:ma14="http://schemas.microsoft.com/office/mac/drawingml/2011/main" xmlns="" val="1"/>
             </a:ext>
           </a:extLst>
         </p:spPr>
@@ -351,14 +349,14 @@
           <a:effectLst/>
           <a:extLst>
             <a:ext uri="{909E8E84-426E-40dd-AFC4-6F175D3DCCD1}">
-              <a14:hiddenFill xmlns="" xmlns:a14="http://schemas.microsoft.com/office/drawing/2010/main">
+              <a14:hiddenFill xmlns:a14="http://schemas.microsoft.com/office/drawing/2010/main" xmlns="">
                 <a:solidFill>
                   <a:schemeClr val="accent1"/>
                 </a:solidFill>
               </a14:hiddenFill>
             </a:ext>
             <a:ext uri="{91240B29-F687-4f45-9708-019B960494DF}">
-              <a14:hiddenLine xmlns="" xmlns:a14="http://schemas.microsoft.com/office/drawing/2010/main" w="9525">
+              <a14:hiddenLine xmlns:a14="http://schemas.microsoft.com/office/drawing/2010/main" xmlns="" w="9525">
                 <a:solidFill>
                   <a:schemeClr val="tx1"/>
                 </a:solidFill>
@@ -368,7 +366,7 @@
               </a14:hiddenLine>
             </a:ext>
             <a:ext uri="{AF507438-7753-43e0-B8FC-AC1667EBCBE1}">
-              <a14:hiddenEffects xmlns="" xmlns:a14="http://schemas.microsoft.com/office/drawing/2010/main">
+              <a14:hiddenEffects xmlns:a14="http://schemas.microsoft.com/office/drawing/2010/main" xmlns="">
                 <a:effectLst>
                   <a:outerShdw blurRad="63500" dist="38099" dir="2700000" algn="ctr" rotWithShape="0">
                     <a:schemeClr val="bg2">
@@ -379,7 +377,7 @@
               </a14:hiddenEffects>
             </a:ext>
             <a:ext uri="{FAA26D3D-D897-4be2-8F04-BA451C77F1D7}">
-              <ma14:placeholderFlag xmlns="" xmlns:ma14="http://schemas.microsoft.com/office/mac/drawingml/2011/main" val="1"/>
+              <ma14:placeholderFlag xmlns:ma14="http://schemas.microsoft.com/office/mac/drawingml/2011/main" xmlns="" val="1"/>
             </a:ext>
           </a:extLst>
         </p:spPr>
@@ -429,7 +427,7 @@
           <a:effectLst/>
           <a:extLst>
             <a:ext uri="{AF507438-7753-43e0-B8FC-AC1667EBCBE1}">
-              <a14:hiddenEffects xmlns="" xmlns:a14="http://schemas.microsoft.com/office/drawing/2010/main">
+              <a14:hiddenEffects xmlns:a14="http://schemas.microsoft.com/office/drawing/2010/main" xmlns="">
                 <a:effectLst>
                   <a:outerShdw blurRad="63500" dist="38099" dir="2700000" algn="ctr" rotWithShape="0">
                     <a:srgbClr val="000000">
@@ -440,7 +438,7 @@
               </a14:hiddenEffects>
             </a:ext>
             <a:ext uri="{53640926-AAD7-44d8-BBD7-CCE9431645EC}">
-              <a14:shadowObscured xmlns="" xmlns:a14="http://schemas.microsoft.com/office/drawing/2010/main" val="1"/>
+              <a14:shadowObscured xmlns:a14="http://schemas.microsoft.com/office/drawing/2010/main" xmlns="" val="1"/>
             </a:ext>
           </a:extLst>
         </p:spPr>
@@ -470,14 +468,14 @@
           <a:effectLst/>
           <a:extLst>
             <a:ext uri="{909E8E84-426E-40dd-AFC4-6F175D3DCCD1}">
-              <a14:hiddenFill xmlns="" xmlns:a14="http://schemas.microsoft.com/office/drawing/2010/main">
+              <a14:hiddenFill xmlns:a14="http://schemas.microsoft.com/office/drawing/2010/main" xmlns="">
                 <a:solidFill>
                   <a:schemeClr val="accent1"/>
                 </a:solidFill>
               </a14:hiddenFill>
             </a:ext>
             <a:ext uri="{91240B29-F687-4f45-9708-019B960494DF}">
-              <a14:hiddenLine xmlns="" xmlns:a14="http://schemas.microsoft.com/office/drawing/2010/main" w="9525">
+              <a14:hiddenLine xmlns:a14="http://schemas.microsoft.com/office/drawing/2010/main" xmlns="" w="9525">
                 <a:solidFill>
                   <a:schemeClr val="tx1"/>
                 </a:solidFill>
@@ -487,7 +485,7 @@
               </a14:hiddenLine>
             </a:ext>
             <a:ext uri="{AF507438-7753-43e0-B8FC-AC1667EBCBE1}">
-              <a14:hiddenEffects xmlns="" xmlns:a14="http://schemas.microsoft.com/office/drawing/2010/main">
+              <a14:hiddenEffects xmlns:a14="http://schemas.microsoft.com/office/drawing/2010/main" xmlns="">
                 <a:effectLst>
                   <a:outerShdw blurRad="63500" dist="38099" dir="2700000" algn="ctr" rotWithShape="0">
                     <a:schemeClr val="bg2">
@@ -498,7 +496,7 @@
               </a14:hiddenEffects>
             </a:ext>
             <a:ext uri="{FAA26D3D-D897-4be2-8F04-BA451C77F1D7}">
-              <ma14:placeholderFlag xmlns="" xmlns:ma14="http://schemas.microsoft.com/office/mac/drawingml/2011/main" val="1"/>
+              <ma14:placeholderFlag xmlns:ma14="http://schemas.microsoft.com/office/mac/drawingml/2011/main" xmlns="" val="1"/>
             </a:ext>
           </a:extLst>
         </p:spPr>
@@ -571,14 +569,14 @@
           <a:effectLst/>
           <a:extLst>
             <a:ext uri="{909E8E84-426E-40dd-AFC4-6F175D3DCCD1}">
-              <a14:hiddenFill xmlns="" xmlns:a14="http://schemas.microsoft.com/office/drawing/2010/main">
+              <a14:hiddenFill xmlns:a14="http://schemas.microsoft.com/office/drawing/2010/main" xmlns="">
                 <a:solidFill>
                   <a:schemeClr val="accent1"/>
                 </a:solidFill>
               </a14:hiddenFill>
             </a:ext>
             <a:ext uri="{91240B29-F687-4f45-9708-019B960494DF}">
-              <a14:hiddenLine xmlns="" xmlns:a14="http://schemas.microsoft.com/office/drawing/2010/main" w="9525">
+              <a14:hiddenLine xmlns:a14="http://schemas.microsoft.com/office/drawing/2010/main" xmlns="" w="9525">
                 <a:solidFill>
                   <a:schemeClr val="tx1"/>
                 </a:solidFill>
@@ -588,7 +586,7 @@
               </a14:hiddenLine>
             </a:ext>
             <a:ext uri="{AF507438-7753-43e0-B8FC-AC1667EBCBE1}">
-              <a14:hiddenEffects xmlns="" xmlns:a14="http://schemas.microsoft.com/office/drawing/2010/main">
+              <a14:hiddenEffects xmlns:a14="http://schemas.microsoft.com/office/drawing/2010/main" xmlns="">
                 <a:effectLst>
                   <a:outerShdw blurRad="63500" dist="38099" dir="2700000" algn="ctr" rotWithShape="0">
                     <a:schemeClr val="bg2">
@@ -599,7 +597,7 @@
               </a14:hiddenEffects>
             </a:ext>
             <a:ext uri="{FAA26D3D-D897-4be2-8F04-BA451C77F1D7}">
-              <ma14:placeholderFlag xmlns="" xmlns:ma14="http://schemas.microsoft.com/office/mac/drawingml/2011/main" val="1"/>
+              <ma14:placeholderFlag xmlns:ma14="http://schemas.microsoft.com/office/mac/drawingml/2011/main" xmlns="" val="1"/>
             </a:ext>
           </a:extLst>
         </p:spPr>
@@ -644,14 +642,14 @@
           <a:effectLst/>
           <a:extLst>
             <a:ext uri="{909E8E84-426E-40dd-AFC4-6F175D3DCCD1}">
-              <a14:hiddenFill xmlns="" xmlns:a14="http://schemas.microsoft.com/office/drawing/2010/main">
+              <a14:hiddenFill xmlns:a14="http://schemas.microsoft.com/office/drawing/2010/main" xmlns="">
                 <a:solidFill>
                   <a:schemeClr val="accent1"/>
                 </a:solidFill>
               </a14:hiddenFill>
             </a:ext>
             <a:ext uri="{91240B29-F687-4f45-9708-019B960494DF}">
-              <a14:hiddenLine xmlns="" xmlns:a14="http://schemas.microsoft.com/office/drawing/2010/main" w="9525">
+              <a14:hiddenLine xmlns:a14="http://schemas.microsoft.com/office/drawing/2010/main" xmlns="" w="9525">
                 <a:solidFill>
                   <a:schemeClr val="tx1"/>
                 </a:solidFill>
@@ -661,7 +659,7 @@
               </a14:hiddenLine>
             </a:ext>
             <a:ext uri="{AF507438-7753-43e0-B8FC-AC1667EBCBE1}">
-              <a14:hiddenEffects xmlns="" xmlns:a14="http://schemas.microsoft.com/office/drawing/2010/main">
+              <a14:hiddenEffects xmlns:a14="http://schemas.microsoft.com/office/drawing/2010/main" xmlns="">
                 <a:effectLst>
                   <a:outerShdw blurRad="63500" dist="38099" dir="2700000" algn="ctr" rotWithShape="0">
                     <a:schemeClr val="bg2">
@@ -672,7 +670,7 @@
               </a14:hiddenEffects>
             </a:ext>
             <a:ext uri="{FAA26D3D-D897-4be2-8F04-BA451C77F1D7}">
-              <ma14:placeholderFlag xmlns="" xmlns:ma14="http://schemas.microsoft.com/office/mac/drawingml/2011/main" val="1"/>
+              <ma14:placeholderFlag xmlns:ma14="http://schemas.microsoft.com/office/mac/drawingml/2011/main" xmlns="" val="1"/>
             </a:ext>
           </a:extLst>
         </p:spPr>
@@ -1073,7 +1071,7 @@
           <a:effectLst/>
           <a:extLst>
             <a:ext uri="{AF507438-7753-43e0-B8FC-AC1667EBCBE1}">
-              <a14:hiddenEffects xmlns="" xmlns:a14="http://schemas.microsoft.com/office/drawing/2010/main">
+              <a14:hiddenEffects xmlns:a14="http://schemas.microsoft.com/office/drawing/2010/main" xmlns="">
                 <a:effectLst>
                   <a:outerShdw blurRad="63500" dist="35921" dir="2700000" algn="ctr" rotWithShape="0">
                     <a:schemeClr val="bg2"/>
@@ -2056,14 +2054,14 @@
           <a:effectLst/>
           <a:extLst>
             <a:ext uri="{909E8E84-426E-40dd-AFC4-6F175D3DCCD1}">
-              <a14:hiddenFill xmlns="" xmlns:a14="http://schemas.microsoft.com/office/drawing/2010/main">
+              <a14:hiddenFill xmlns:a14="http://schemas.microsoft.com/office/drawing/2010/main" xmlns="">
                 <a:solidFill>
                   <a:schemeClr val="accent1"/>
                 </a:solidFill>
               </a14:hiddenFill>
             </a:ext>
             <a:ext uri="{91240B29-F687-4f45-9708-019B960494DF}">
-              <a14:hiddenLine xmlns="" xmlns:a14="http://schemas.microsoft.com/office/drawing/2010/main" w="9525">
+              <a14:hiddenLine xmlns:a14="http://schemas.microsoft.com/office/drawing/2010/main" xmlns="" w="9525">
                 <a:solidFill>
                   <a:schemeClr val="tx1"/>
                 </a:solidFill>
@@ -2073,7 +2071,7 @@
               </a14:hiddenLine>
             </a:ext>
             <a:ext uri="{AF507438-7753-43e0-B8FC-AC1667EBCBE1}">
-              <a14:hiddenEffects xmlns="" xmlns:a14="http://schemas.microsoft.com/office/drawing/2010/main">
+              <a14:hiddenEffects xmlns:a14="http://schemas.microsoft.com/office/drawing/2010/main" xmlns="">
                 <a:effectLst>
                   <a:outerShdw blurRad="63500" dist="38099" dir="2700000" algn="ctr" rotWithShape="0">
                     <a:schemeClr val="bg2">
@@ -2084,7 +2082,7 @@
               </a14:hiddenEffects>
             </a:ext>
             <a:ext uri="{FAA26D3D-D897-4be2-8F04-BA451C77F1D7}">
-              <ma14:placeholderFlag xmlns="" xmlns:ma14="http://schemas.microsoft.com/office/mac/drawingml/2011/main" val="1"/>
+              <ma14:placeholderFlag xmlns:ma14="http://schemas.microsoft.com/office/mac/drawingml/2011/main" xmlns="" val="1"/>
             </a:ext>
           </a:extLst>
         </p:spPr>
@@ -2129,14 +2127,14 @@
           <a:effectLst/>
           <a:extLst>
             <a:ext uri="{909E8E84-426E-40dd-AFC4-6F175D3DCCD1}">
-              <a14:hiddenFill xmlns="" xmlns:a14="http://schemas.microsoft.com/office/drawing/2010/main">
+              <a14:hiddenFill xmlns:a14="http://schemas.microsoft.com/office/drawing/2010/main" xmlns="">
                 <a:solidFill>
                   <a:schemeClr val="accent1"/>
                 </a:solidFill>
               </a14:hiddenFill>
             </a:ext>
             <a:ext uri="{91240B29-F687-4f45-9708-019B960494DF}">
-              <a14:hiddenLine xmlns="" xmlns:a14="http://schemas.microsoft.com/office/drawing/2010/main" w="9525">
+              <a14:hiddenLine xmlns:a14="http://schemas.microsoft.com/office/drawing/2010/main" xmlns="" w="9525">
                 <a:solidFill>
                   <a:schemeClr val="tx1"/>
                 </a:solidFill>
@@ -2146,7 +2144,7 @@
               </a14:hiddenLine>
             </a:ext>
             <a:ext uri="{AF507438-7753-43e0-B8FC-AC1667EBCBE1}">
-              <a14:hiddenEffects xmlns="" xmlns:a14="http://schemas.microsoft.com/office/drawing/2010/main">
+              <a14:hiddenEffects xmlns:a14="http://schemas.microsoft.com/office/drawing/2010/main" xmlns="">
                 <a:effectLst>
                   <a:outerShdw blurRad="63500" dist="38099" dir="2700000" algn="ctr" rotWithShape="0">
                     <a:schemeClr val="bg2">
@@ -2157,7 +2155,7 @@
               </a14:hiddenEffects>
             </a:ext>
             <a:ext uri="{FAA26D3D-D897-4be2-8F04-BA451C77F1D7}">
-              <ma14:placeholderFlag xmlns="" xmlns:ma14="http://schemas.microsoft.com/office/mac/drawingml/2011/main" val="1"/>
+              <ma14:placeholderFlag xmlns:ma14="http://schemas.microsoft.com/office/mac/drawingml/2011/main" xmlns="" val="1"/>
             </a:ext>
           </a:extLst>
         </p:spPr>
@@ -2230,14 +2228,14 @@
           <a:effectLst/>
           <a:extLst>
             <a:ext uri="{909E8E84-426E-40dd-AFC4-6F175D3DCCD1}">
-              <a14:hiddenFill xmlns="" xmlns:a14="http://schemas.microsoft.com/office/drawing/2010/main">
+              <a14:hiddenFill xmlns:a14="http://schemas.microsoft.com/office/drawing/2010/main" xmlns="">
                 <a:solidFill>
                   <a:schemeClr val="accent1"/>
                 </a:solidFill>
               </a14:hiddenFill>
             </a:ext>
             <a:ext uri="{91240B29-F687-4f45-9708-019B960494DF}">
-              <a14:hiddenLine xmlns="" xmlns:a14="http://schemas.microsoft.com/office/drawing/2010/main" w="9525">
+              <a14:hiddenLine xmlns:a14="http://schemas.microsoft.com/office/drawing/2010/main" xmlns="" w="9525">
                 <a:solidFill>
                   <a:schemeClr val="tx1"/>
                 </a:solidFill>
@@ -2247,7 +2245,7 @@
               </a14:hiddenLine>
             </a:ext>
             <a:ext uri="{AF507438-7753-43e0-B8FC-AC1667EBCBE1}">
-              <a14:hiddenEffects xmlns="" xmlns:a14="http://schemas.microsoft.com/office/drawing/2010/main">
+              <a14:hiddenEffects xmlns:a14="http://schemas.microsoft.com/office/drawing/2010/main" xmlns="">
                 <a:effectLst>
                   <a:outerShdw blurRad="63500" dist="38099" dir="2700000" algn="ctr" rotWithShape="0">
                     <a:schemeClr val="bg2">
@@ -2258,7 +2256,7 @@
               </a14:hiddenEffects>
             </a:ext>
             <a:ext uri="{FAA26D3D-D897-4be2-8F04-BA451C77F1D7}">
-              <ma14:placeholderFlag xmlns="" xmlns:ma14="http://schemas.microsoft.com/office/mac/drawingml/2011/main" val="1"/>
+              <ma14:placeholderFlag xmlns:ma14="http://schemas.microsoft.com/office/mac/drawingml/2011/main" xmlns="" val="1"/>
             </a:ext>
           </a:extLst>
         </p:spPr>
@@ -2306,14 +2304,14 @@
           <a:effectLst/>
           <a:extLst>
             <a:ext uri="{909E8E84-426E-40dd-AFC4-6F175D3DCCD1}">
-              <a14:hiddenFill xmlns="" xmlns:a14="http://schemas.microsoft.com/office/drawing/2010/main">
+              <a14:hiddenFill xmlns:a14="http://schemas.microsoft.com/office/drawing/2010/main" xmlns="">
                 <a:solidFill>
                   <a:schemeClr val="accent1"/>
                 </a:solidFill>
               </a14:hiddenFill>
             </a:ext>
             <a:ext uri="{91240B29-F687-4f45-9708-019B960494DF}">
-              <a14:hiddenLine xmlns="" xmlns:a14="http://schemas.microsoft.com/office/drawing/2010/main" w="9525">
+              <a14:hiddenLine xmlns:a14="http://schemas.microsoft.com/office/drawing/2010/main" xmlns="" w="9525">
                 <a:solidFill>
                   <a:schemeClr val="tx1"/>
                 </a:solidFill>
@@ -2323,7 +2321,7 @@
               </a14:hiddenLine>
             </a:ext>
             <a:ext uri="{AF507438-7753-43e0-B8FC-AC1667EBCBE1}">
-              <a14:hiddenEffects xmlns="" xmlns:a14="http://schemas.microsoft.com/office/drawing/2010/main">
+              <a14:hiddenEffects xmlns:a14="http://schemas.microsoft.com/office/drawing/2010/main" xmlns="">
                 <a:effectLst>
                   <a:outerShdw blurRad="63500" dist="38099" dir="2700000" algn="ctr" rotWithShape="0">
                     <a:schemeClr val="bg2">
@@ -2334,7 +2332,7 @@
               </a14:hiddenEffects>
             </a:ext>
             <a:ext uri="{FAA26D3D-D897-4be2-8F04-BA451C77F1D7}">
-              <ma14:placeholderFlag xmlns="" xmlns:ma14="http://schemas.microsoft.com/office/mac/drawingml/2011/main" val="1"/>
+              <ma14:placeholderFlag xmlns:ma14="http://schemas.microsoft.com/office/mac/drawingml/2011/main" xmlns="" val="1"/>
             </a:ext>
           </a:extLst>
         </p:spPr>
@@ -2390,14 +2388,14 @@
           <a:effectLst/>
           <a:extLst>
             <a:ext uri="{909E8E84-426E-40dd-AFC4-6F175D3DCCD1}">
-              <a14:hiddenFill xmlns="" xmlns:a14="http://schemas.microsoft.com/office/drawing/2010/main">
+              <a14:hiddenFill xmlns:a14="http://schemas.microsoft.com/office/drawing/2010/main" xmlns="">
                 <a:solidFill>
                   <a:schemeClr val="accent1"/>
                 </a:solidFill>
               </a14:hiddenFill>
             </a:ext>
             <a:ext uri="{91240B29-F687-4f45-9708-019B960494DF}">
-              <a14:hiddenLine xmlns="" xmlns:a14="http://schemas.microsoft.com/office/drawing/2010/main" w="9525">
+              <a14:hiddenLine xmlns:a14="http://schemas.microsoft.com/office/drawing/2010/main" xmlns="" w="9525">
                 <a:solidFill>
                   <a:schemeClr val="tx1"/>
                 </a:solidFill>
@@ -2407,7 +2405,7 @@
               </a14:hiddenLine>
             </a:ext>
             <a:ext uri="{AF507438-7753-43e0-B8FC-AC1667EBCBE1}">
-              <a14:hiddenEffects xmlns="" xmlns:a14="http://schemas.microsoft.com/office/drawing/2010/main">
+              <a14:hiddenEffects xmlns:a14="http://schemas.microsoft.com/office/drawing/2010/main" xmlns="">
                 <a:effectLst>
                   <a:outerShdw blurRad="63500" dist="38099" dir="2700000" algn="ctr" rotWithShape="0">
                     <a:schemeClr val="bg2">
@@ -2418,7 +2416,7 @@
               </a14:hiddenEffects>
             </a:ext>
             <a:ext uri="{FAA26D3D-D897-4be2-8F04-BA451C77F1D7}">
-              <ma14:placeholderFlag xmlns="" xmlns:ma14="http://schemas.microsoft.com/office/mac/drawingml/2011/main" val="1"/>
+              <ma14:placeholderFlag xmlns:ma14="http://schemas.microsoft.com/office/mac/drawingml/2011/main" xmlns="" val="1"/>
             </a:ext>
           </a:extLst>
         </p:spPr>
@@ -2475,12 +2473,12 @@
           <a:effectLst/>
           <a:extLst>
             <a:ext uri="{909E8E84-426E-40dd-AFC4-6F175D3DCCD1}">
-              <a14:hiddenFill xmlns="" xmlns:a14="http://schemas.microsoft.com/office/drawing/2010/main">
+              <a14:hiddenFill xmlns:a14="http://schemas.microsoft.com/office/drawing/2010/main" xmlns="">
                 <a:noFill/>
               </a14:hiddenFill>
             </a:ext>
             <a:ext uri="{AF507438-7753-43e0-B8FC-AC1667EBCBE1}">
-              <a14:hiddenEffects xmlns="" xmlns:a14="http://schemas.microsoft.com/office/drawing/2010/main">
+              <a14:hiddenEffects xmlns:a14="http://schemas.microsoft.com/office/drawing/2010/main" xmlns="">
                 <a:effectLst>
                   <a:outerShdw blurRad="63500" dist="38099" dir="2700000" algn="ctr" rotWithShape="0">
                     <a:schemeClr val="bg2">
@@ -2532,7 +2530,7 @@
           <a:noFill/>
           <a:extLst>
             <a:ext uri="{909E8E84-426E-40dd-AFC4-6F175D3DCCD1}">
-              <a14:hiddenFill xmlns="" xmlns:a14="http://schemas.microsoft.com/office/drawing/2010/main">
+              <a14:hiddenFill xmlns:a14="http://schemas.microsoft.com/office/drawing/2010/main" xmlns="">
                 <a:solidFill>
                   <a:srgbClr val="FFFFFF"/>
                 </a:solidFill>
@@ -2564,14 +2562,14 @@
           <a:effectLst/>
           <a:extLst>
             <a:ext uri="{909E8E84-426E-40dd-AFC4-6F175D3DCCD1}">
-              <a14:hiddenFill xmlns="" xmlns:a14="http://schemas.microsoft.com/office/drawing/2010/main">
+              <a14:hiddenFill xmlns:a14="http://schemas.microsoft.com/office/drawing/2010/main" xmlns="">
                 <a:solidFill>
                   <a:schemeClr val="accent1"/>
                 </a:solidFill>
               </a14:hiddenFill>
             </a:ext>
             <a:ext uri="{91240B29-F687-4f45-9708-019B960494DF}">
-              <a14:hiddenLine xmlns="" xmlns:a14="http://schemas.microsoft.com/office/drawing/2010/main" w="9525">
+              <a14:hiddenLine xmlns:a14="http://schemas.microsoft.com/office/drawing/2010/main" xmlns="" w="9525">
                 <a:solidFill>
                   <a:schemeClr val="tx1"/>
                 </a:solidFill>
@@ -2581,7 +2579,7 @@
               </a14:hiddenLine>
             </a:ext>
             <a:ext uri="{AF507438-7753-43e0-B8FC-AC1667EBCBE1}">
-              <a14:hiddenEffects xmlns="" xmlns:a14="http://schemas.microsoft.com/office/drawing/2010/main">
+              <a14:hiddenEffects xmlns:a14="http://schemas.microsoft.com/office/drawing/2010/main" xmlns="">
                 <a:effectLst>
                   <a:outerShdw blurRad="63500" dist="38099" dir="2700000" algn="ctr" rotWithShape="0">
                     <a:schemeClr val="bg2">
@@ -3307,1400 +3305,6 @@
 </p:sld>
 </file>
 
-<file path=ppt/slides/slide10.xml><?xml version="1.0" encoding="utf-8"?>
-<p:sld xmlns:a="http://schemas.openxmlformats.org/drawingml/2006/main" xmlns:r="http://schemas.openxmlformats.org/officeDocument/2006/relationships" xmlns:p="http://schemas.openxmlformats.org/presentationml/2006/main">
-  <p:cSld>
-    <p:spTree>
-      <p:nvGrpSpPr>
-        <p:cNvPr id="1" name=""/>
-        <p:cNvGrpSpPr/>
-        <p:nvPr/>
-      </p:nvGrpSpPr>
-      <p:grpSpPr>
-        <a:xfrm>
-          <a:off x="0" y="0"/>
-          <a:ext cx="0" cy="0"/>
-          <a:chOff x="0" y="0"/>
-          <a:chExt cx="0" cy="0"/>
-        </a:xfrm>
-      </p:grpSpPr>
-      <p:sp>
-        <p:nvSpPr>
-          <p:cNvPr id="2" name="Titel 1">
-            <a:extLst>
-              <a:ext uri="{FF2B5EF4-FFF2-40B4-BE49-F238E27FC236}">
-                <a16:creationId xmlns:a16="http://schemas.microsoft.com/office/drawing/2014/main" id="{0E8DCC53-A800-4C7D-BEFE-217FFF210C1A}"/>
-              </a:ext>
-            </a:extLst>
-          </p:cNvPr>
-          <p:cNvSpPr>
-            <a:spLocks noGrp="1"/>
-          </p:cNvSpPr>
-          <p:nvPr>
-            <p:ph type="title"/>
-          </p:nvPr>
-        </p:nvSpPr>
-        <p:spPr/>
-        <p:txBody>
-          <a:bodyPr/>
-          <a:lstStyle/>
-          <a:p>
-            <a:r>
-              <a:rPr lang="de-CH" dirty="0" err="1"/>
-              <a:t>Conclusion</a:t>
-            </a:r>
-            <a:endParaRPr lang="de-CH" dirty="0"/>
-          </a:p>
-        </p:txBody>
-      </p:sp>
-      <p:sp>
-        <p:nvSpPr>
-          <p:cNvPr id="3" name="Datumsplatzhalter 2">
-            <a:extLst>
-              <a:ext uri="{FF2B5EF4-FFF2-40B4-BE49-F238E27FC236}">
-                <a16:creationId xmlns:a16="http://schemas.microsoft.com/office/drawing/2014/main" id="{7D9A2597-73C4-4708-B873-8AAA402E9C0E}"/>
-              </a:ext>
-            </a:extLst>
-          </p:cNvPr>
-          <p:cNvSpPr>
-            <a:spLocks noGrp="1"/>
-          </p:cNvSpPr>
-          <p:nvPr>
-            <p:ph type="dt" sz="half" idx="10"/>
-          </p:nvPr>
-        </p:nvSpPr>
-        <p:spPr/>
-        <p:txBody>
-          <a:bodyPr/>
-          <a:lstStyle/>
-          <a:p>
-            <a:r>
-              <a:rPr lang="de-CH"/>
-              <a:t>27.04.2021</a:t>
-            </a:r>
-            <a:endParaRPr lang="de-CH" dirty="0"/>
-          </a:p>
-        </p:txBody>
-      </p:sp>
-      <p:sp>
-        <p:nvSpPr>
-          <p:cNvPr id="4" name="Fußzeilenplatzhalter 3">
-            <a:extLst>
-              <a:ext uri="{FF2B5EF4-FFF2-40B4-BE49-F238E27FC236}">
-                <a16:creationId xmlns:a16="http://schemas.microsoft.com/office/drawing/2014/main" id="{7358AE0B-604E-49CF-874A-07A915B95D5C}"/>
-              </a:ext>
-            </a:extLst>
-          </p:cNvPr>
-          <p:cNvSpPr>
-            <a:spLocks noGrp="1"/>
-          </p:cNvSpPr>
-          <p:nvPr>
-            <p:ph type="ftr" sz="quarter" idx="11"/>
-          </p:nvPr>
-        </p:nvSpPr>
-        <p:spPr/>
-        <p:txBody>
-          <a:bodyPr/>
-          <a:lstStyle/>
-          <a:p>
-            <a:r>
-              <a:rPr lang="de-CH" dirty="0"/>
-              <a:t>Gruppenarbeit: Vorhersage einer «</a:t>
-            </a:r>
-            <a:r>
-              <a:rPr lang="de-CH" dirty="0" err="1"/>
-              <a:t>buy</a:t>
-            </a:r>
-            <a:r>
-              <a:rPr lang="de-CH" dirty="0"/>
-              <a:t>, hold, </a:t>
-            </a:r>
-            <a:r>
-              <a:rPr lang="de-CH" dirty="0" err="1"/>
-              <a:t>sell</a:t>
-            </a:r>
-            <a:r>
-              <a:rPr lang="de-CH" dirty="0"/>
-              <a:t>» - Strategie – Gruppe 1</a:t>
-            </a:r>
-          </a:p>
-        </p:txBody>
-      </p:sp>
-      <p:sp>
-        <p:nvSpPr>
-          <p:cNvPr id="5" name="Foliennummernplatzhalter 4">
-            <a:extLst>
-              <a:ext uri="{FF2B5EF4-FFF2-40B4-BE49-F238E27FC236}">
-                <a16:creationId xmlns:a16="http://schemas.microsoft.com/office/drawing/2014/main" id="{94F86BF3-A3A7-43A9-883B-D1BECDCD544C}"/>
-              </a:ext>
-            </a:extLst>
-          </p:cNvPr>
-          <p:cNvSpPr>
-            <a:spLocks noGrp="1"/>
-          </p:cNvSpPr>
-          <p:nvPr>
-            <p:ph type="sldNum" sz="quarter" idx="12"/>
-          </p:nvPr>
-        </p:nvSpPr>
-        <p:spPr/>
-        <p:txBody>
-          <a:bodyPr/>
-          <a:lstStyle/>
-          <a:p>
-            <a:r>
-              <a:rPr lang="de-CH"/>
-              <a:t>Seite </a:t>
-            </a:r>
-            <a:fld id="{25BB1AB0-9216-5944-841B-2A7418D2F24D}" type="slidenum">
-              <a:rPr lang="de-CH" smtClean="0"/>
-              <a:pPr/>
-              <a:t>10</a:t>
-            </a:fld>
-            <a:endParaRPr lang="de-CH" dirty="0"/>
-          </a:p>
-        </p:txBody>
-      </p:sp>
-      <p:sp>
-        <p:nvSpPr>
-          <p:cNvPr id="7" name="Rechteck 6">
-            <a:extLst>
-              <a:ext uri="{FF2B5EF4-FFF2-40B4-BE49-F238E27FC236}">
-                <a16:creationId xmlns:a16="http://schemas.microsoft.com/office/drawing/2014/main" id="{EDF865DB-90AA-4537-B3D9-C0421D412ED5}"/>
-              </a:ext>
-            </a:extLst>
-          </p:cNvPr>
-          <p:cNvSpPr/>
-          <p:nvPr/>
-        </p:nvSpPr>
-        <p:spPr>
-          <a:xfrm>
-            <a:off x="911225" y="2276872"/>
-            <a:ext cx="10369550" cy="3754874"/>
-          </a:xfrm>
-          <a:prstGeom prst="rect">
-            <a:avLst/>
-          </a:prstGeom>
-        </p:spPr>
-        <p:txBody>
-          <a:bodyPr wrap="square">
-            <a:spAutoFit/>
-          </a:bodyPr>
-          <a:lstStyle/>
-          <a:p>
-            <a:pPr marL="285750" indent="-285750">
-              <a:buFontTx/>
-              <a:buChar char="-"/>
-            </a:pPr>
-            <a:r>
-              <a:rPr lang="de-CH" sz="1400" dirty="0"/>
-              <a:t>At </a:t>
-            </a:r>
-            <a:r>
-              <a:rPr lang="de-CH" sz="1400" dirty="0" err="1"/>
-              <a:t>first</a:t>
-            </a:r>
-            <a:r>
-              <a:rPr lang="de-CH" sz="1400" dirty="0"/>
-              <a:t>, </a:t>
-            </a:r>
-            <a:r>
-              <a:rPr lang="de-CH" sz="1400" dirty="0" err="1"/>
-              <a:t>we</a:t>
-            </a:r>
-            <a:r>
-              <a:rPr lang="de-CH" sz="1400" dirty="0"/>
-              <a:t> </a:t>
-            </a:r>
-            <a:r>
-              <a:rPr lang="de-CH" sz="1400" dirty="0" err="1"/>
-              <a:t>asked</a:t>
-            </a:r>
-            <a:r>
-              <a:rPr lang="de-CH" sz="1400" dirty="0"/>
-              <a:t> </a:t>
-            </a:r>
-            <a:r>
-              <a:rPr lang="de-CH" sz="1400" dirty="0" err="1"/>
-              <a:t>ourselve</a:t>
-            </a:r>
-            <a:r>
-              <a:rPr lang="de-CH" sz="1400" dirty="0"/>
-              <a:t> </a:t>
-            </a:r>
-            <a:r>
-              <a:rPr lang="de-CH" sz="1400" dirty="0" err="1"/>
-              <a:t>what</a:t>
-            </a:r>
-            <a:r>
-              <a:rPr lang="de-CH" sz="1400" dirty="0"/>
-              <a:t> </a:t>
-            </a:r>
-            <a:r>
-              <a:rPr lang="de-CH" sz="1400" dirty="0" err="1"/>
-              <a:t>accuracy</a:t>
-            </a:r>
-            <a:r>
-              <a:rPr lang="de-CH" sz="1400" dirty="0"/>
-              <a:t> score </a:t>
-            </a:r>
-            <a:r>
-              <a:rPr lang="de-CH" sz="1400" dirty="0" err="1"/>
-              <a:t>we</a:t>
-            </a:r>
-            <a:r>
-              <a:rPr lang="de-CH" sz="1400" dirty="0"/>
-              <a:t> </a:t>
-            </a:r>
-            <a:r>
-              <a:rPr lang="de-CH" sz="1400" dirty="0" err="1"/>
-              <a:t>would</a:t>
-            </a:r>
-            <a:r>
-              <a:rPr lang="de-CH" sz="1400" dirty="0"/>
-              <a:t> </a:t>
-            </a:r>
-            <a:r>
-              <a:rPr lang="de-CH" sz="1400" dirty="0" err="1"/>
-              <a:t>be</a:t>
-            </a:r>
-            <a:r>
-              <a:rPr lang="de-CH" sz="1400" dirty="0"/>
-              <a:t> </a:t>
-            </a:r>
-            <a:r>
-              <a:rPr lang="de-CH" sz="1400" dirty="0" err="1"/>
-              <a:t>aiming</a:t>
-            </a:r>
-            <a:r>
-              <a:rPr lang="de-CH" sz="1400" dirty="0"/>
-              <a:t> </a:t>
-            </a:r>
-            <a:r>
-              <a:rPr lang="de-CH" sz="1400" dirty="0" err="1"/>
-              <a:t>for</a:t>
-            </a:r>
-            <a:r>
-              <a:rPr lang="de-CH" sz="1400" dirty="0"/>
-              <a:t> </a:t>
-            </a:r>
-            <a:r>
-              <a:rPr lang="de-CH" sz="1400" dirty="0">
-                <a:sym typeface="Wingdings" panose="05000000000000000000" pitchFamily="2" charset="2"/>
-              </a:rPr>
-              <a:t> 65-75%</a:t>
-            </a:r>
-          </a:p>
-          <a:p>
-            <a:pPr marL="285750" indent="-285750">
-              <a:buFontTx/>
-              <a:buChar char="-"/>
-            </a:pPr>
-            <a:endParaRPr lang="de-CH" sz="1400" dirty="0">
-              <a:sym typeface="Wingdings" panose="05000000000000000000" pitchFamily="2" charset="2"/>
-            </a:endParaRPr>
-          </a:p>
-          <a:p>
-            <a:pPr marL="285750" indent="-285750">
-              <a:buFontTx/>
-              <a:buChar char="-"/>
-            </a:pPr>
-            <a:r>
-              <a:rPr lang="de-CH" sz="1400" dirty="0">
-                <a:sym typeface="Wingdings" panose="05000000000000000000" pitchFamily="2" charset="2"/>
-              </a:rPr>
-              <a:t>Just </a:t>
-            </a:r>
-            <a:r>
-              <a:rPr lang="de-CH" sz="1400" dirty="0" err="1">
-                <a:sym typeface="Wingdings" panose="05000000000000000000" pitchFamily="2" charset="2"/>
-              </a:rPr>
-              <a:t>predicting</a:t>
-            </a:r>
-            <a:r>
-              <a:rPr lang="de-CH" sz="1400" dirty="0">
-                <a:sym typeface="Wingdings" panose="05000000000000000000" pitchFamily="2" charset="2"/>
-              </a:rPr>
-              <a:t> «</a:t>
-            </a:r>
-            <a:r>
-              <a:rPr lang="de-CH" sz="1400" dirty="0" err="1">
-                <a:sym typeface="Wingdings" panose="05000000000000000000" pitchFamily="2" charset="2"/>
-              </a:rPr>
-              <a:t>sell</a:t>
-            </a:r>
-            <a:r>
-              <a:rPr lang="de-CH" sz="1400" dirty="0">
-                <a:sym typeface="Wingdings" panose="05000000000000000000" pitchFamily="2" charset="2"/>
-              </a:rPr>
-              <a:t>» </a:t>
-            </a:r>
-            <a:r>
-              <a:rPr lang="de-CH" sz="1400" dirty="0" err="1">
-                <a:sym typeface="Wingdings" panose="05000000000000000000" pitchFamily="2" charset="2"/>
-              </a:rPr>
-              <a:t>would</a:t>
-            </a:r>
-            <a:r>
-              <a:rPr lang="de-CH" sz="1400" dirty="0">
-                <a:sym typeface="Wingdings" panose="05000000000000000000" pitchFamily="2" charset="2"/>
-              </a:rPr>
-              <a:t> </a:t>
-            </a:r>
-            <a:r>
-              <a:rPr lang="de-CH" sz="1400" dirty="0" err="1">
-                <a:sym typeface="Wingdings" panose="05000000000000000000" pitchFamily="2" charset="2"/>
-              </a:rPr>
-              <a:t>have</a:t>
-            </a:r>
-            <a:r>
-              <a:rPr lang="de-CH" sz="1400" dirty="0">
-                <a:sym typeface="Wingdings" panose="05000000000000000000" pitchFamily="2" charset="2"/>
-              </a:rPr>
-              <a:t> </a:t>
-            </a:r>
-            <a:r>
-              <a:rPr lang="de-CH" sz="1400" dirty="0" err="1">
-                <a:sym typeface="Wingdings" panose="05000000000000000000" pitchFamily="2" charset="2"/>
-              </a:rPr>
-              <a:t>resulted</a:t>
-            </a:r>
-            <a:r>
-              <a:rPr lang="de-CH" sz="1400" dirty="0">
-                <a:sym typeface="Wingdings" panose="05000000000000000000" pitchFamily="2" charset="2"/>
-              </a:rPr>
-              <a:t> in a score </a:t>
-            </a:r>
-            <a:r>
-              <a:rPr lang="de-CH" sz="1400" dirty="0" err="1">
-                <a:sym typeface="Wingdings" panose="05000000000000000000" pitchFamily="2" charset="2"/>
-              </a:rPr>
-              <a:t>of</a:t>
-            </a:r>
-            <a:r>
-              <a:rPr lang="de-CH" sz="1400" dirty="0">
-                <a:sym typeface="Wingdings" panose="05000000000000000000" pitchFamily="2" charset="2"/>
-              </a:rPr>
-              <a:t> 53%  </a:t>
-            </a:r>
-            <a:r>
-              <a:rPr lang="de-CH" sz="1400" dirty="0" err="1">
-                <a:sym typeface="Wingdings" panose="05000000000000000000" pitchFamily="2" charset="2"/>
-              </a:rPr>
-              <a:t>we</a:t>
-            </a:r>
-            <a:r>
-              <a:rPr lang="de-CH" sz="1400" dirty="0">
-                <a:sym typeface="Wingdings" panose="05000000000000000000" pitchFamily="2" charset="2"/>
-              </a:rPr>
-              <a:t> </a:t>
-            </a:r>
-            <a:r>
-              <a:rPr lang="de-CH" sz="1400" dirty="0" err="1">
-                <a:sym typeface="Wingdings" panose="05000000000000000000" pitchFamily="2" charset="2"/>
-              </a:rPr>
-              <a:t>managed</a:t>
-            </a:r>
-            <a:r>
-              <a:rPr lang="de-CH" sz="1400" dirty="0">
-                <a:sym typeface="Wingdings" panose="05000000000000000000" pitchFamily="2" charset="2"/>
-              </a:rPr>
-              <a:t> </a:t>
-            </a:r>
-            <a:r>
-              <a:rPr lang="de-CH" sz="1400" dirty="0" err="1">
-                <a:sym typeface="Wingdings" panose="05000000000000000000" pitchFamily="2" charset="2"/>
-              </a:rPr>
-              <a:t>to</a:t>
-            </a:r>
-            <a:r>
-              <a:rPr lang="de-CH" sz="1400" dirty="0">
-                <a:sym typeface="Wingdings" panose="05000000000000000000" pitchFamily="2" charset="2"/>
-              </a:rPr>
-              <a:t> push </a:t>
-            </a:r>
-            <a:r>
-              <a:rPr lang="de-CH" sz="1400" dirty="0" err="1">
-                <a:sym typeface="Wingdings" panose="05000000000000000000" pitchFamily="2" charset="2"/>
-              </a:rPr>
-              <a:t>the</a:t>
-            </a:r>
-            <a:r>
-              <a:rPr lang="de-CH" sz="1400" dirty="0">
-                <a:sym typeface="Wingdings" panose="05000000000000000000" pitchFamily="2" charset="2"/>
-              </a:rPr>
-              <a:t> score </a:t>
-            </a:r>
-            <a:r>
-              <a:rPr lang="de-CH" sz="1400" dirty="0" err="1">
-                <a:sym typeface="Wingdings" panose="05000000000000000000" pitchFamily="2" charset="2"/>
-              </a:rPr>
-              <a:t>up</a:t>
-            </a:r>
-            <a:r>
-              <a:rPr lang="de-CH" sz="1400" dirty="0">
-                <a:sym typeface="Wingdings" panose="05000000000000000000" pitchFamily="2" charset="2"/>
-              </a:rPr>
-              <a:t> </a:t>
-            </a:r>
-            <a:r>
-              <a:rPr lang="de-CH" sz="1400" dirty="0" err="1">
-                <a:sym typeface="Wingdings" panose="05000000000000000000" pitchFamily="2" charset="2"/>
-              </a:rPr>
-              <a:t>by</a:t>
-            </a:r>
-            <a:r>
-              <a:rPr lang="de-CH" sz="1400" dirty="0">
-                <a:sym typeface="Wingdings" panose="05000000000000000000" pitchFamily="2" charset="2"/>
-              </a:rPr>
-              <a:t> </a:t>
-            </a:r>
-            <a:r>
-              <a:rPr lang="de-CH" sz="1400" dirty="0" err="1">
-                <a:sym typeface="Wingdings" panose="05000000000000000000" pitchFamily="2" charset="2"/>
-              </a:rPr>
-              <a:t>prediting</a:t>
-            </a:r>
-            <a:r>
-              <a:rPr lang="de-CH" sz="1400" dirty="0">
-                <a:sym typeface="Wingdings" panose="05000000000000000000" pitchFamily="2" charset="2"/>
-              </a:rPr>
-              <a:t> «</a:t>
-            </a:r>
-            <a:r>
-              <a:rPr lang="de-CH" sz="1400" dirty="0" err="1">
-                <a:sym typeface="Wingdings" panose="05000000000000000000" pitchFamily="2" charset="2"/>
-              </a:rPr>
-              <a:t>buy</a:t>
-            </a:r>
-            <a:r>
-              <a:rPr lang="de-CH" sz="1400" dirty="0">
-                <a:sym typeface="Wingdings" panose="05000000000000000000" pitchFamily="2" charset="2"/>
-              </a:rPr>
-              <a:t>» and «hold» in an </a:t>
-            </a:r>
-            <a:r>
-              <a:rPr lang="de-CH" sz="1400" dirty="0" err="1">
-                <a:sym typeface="Wingdings" panose="05000000000000000000" pitchFamily="2" charset="2"/>
-              </a:rPr>
-              <a:t>acceptable</a:t>
-            </a:r>
-            <a:r>
-              <a:rPr lang="de-CH" sz="1400" dirty="0">
-                <a:sym typeface="Wingdings" panose="05000000000000000000" pitchFamily="2" charset="2"/>
-              </a:rPr>
-              <a:t> </a:t>
-            </a:r>
-            <a:r>
-              <a:rPr lang="de-CH" sz="1400" dirty="0" err="1">
-                <a:sym typeface="Wingdings" panose="05000000000000000000" pitchFamily="2" charset="2"/>
-              </a:rPr>
-              <a:t>manner</a:t>
-            </a:r>
-            <a:endParaRPr lang="de-CH" sz="1400" dirty="0">
-              <a:sym typeface="Wingdings" panose="05000000000000000000" pitchFamily="2" charset="2"/>
-            </a:endParaRPr>
-          </a:p>
-          <a:p>
-            <a:pPr marL="285750" indent="-285750">
-              <a:buFontTx/>
-              <a:buChar char="-"/>
-            </a:pPr>
-            <a:endParaRPr lang="de-CH" sz="1400" dirty="0">
-              <a:sym typeface="Wingdings" panose="05000000000000000000" pitchFamily="2" charset="2"/>
-            </a:endParaRPr>
-          </a:p>
-          <a:p>
-            <a:pPr marL="285750" indent="-285750">
-              <a:buFontTx/>
-              <a:buChar char="-"/>
-            </a:pPr>
-            <a:r>
-              <a:rPr lang="de-CH" sz="1400" dirty="0" err="1">
-                <a:sym typeface="Wingdings" panose="05000000000000000000" pitchFamily="2" charset="2"/>
-              </a:rPr>
-              <a:t>We</a:t>
-            </a:r>
-            <a:r>
-              <a:rPr lang="de-CH" sz="1400" dirty="0">
-                <a:sym typeface="Wingdings" panose="05000000000000000000" pitchFamily="2" charset="2"/>
-              </a:rPr>
-              <a:t> </a:t>
-            </a:r>
-            <a:r>
-              <a:rPr lang="de-CH" sz="1400" dirty="0" err="1">
-                <a:sym typeface="Wingdings" panose="05000000000000000000" pitchFamily="2" charset="2"/>
-              </a:rPr>
-              <a:t>are</a:t>
-            </a:r>
-            <a:r>
-              <a:rPr lang="de-CH" sz="1400" dirty="0">
-                <a:sym typeface="Wingdings" panose="05000000000000000000" pitchFamily="2" charset="2"/>
-              </a:rPr>
-              <a:t> </a:t>
-            </a:r>
-            <a:r>
-              <a:rPr lang="de-CH" sz="1400" dirty="0" err="1">
-                <a:sym typeface="Wingdings" panose="05000000000000000000" pitchFamily="2" charset="2"/>
-              </a:rPr>
-              <a:t>convinced</a:t>
-            </a:r>
-            <a:r>
-              <a:rPr lang="de-CH" sz="1400" dirty="0">
-                <a:sym typeface="Wingdings" panose="05000000000000000000" pitchFamily="2" charset="2"/>
-              </a:rPr>
-              <a:t> </a:t>
-            </a:r>
-            <a:r>
-              <a:rPr lang="de-CH" sz="1400" dirty="0" err="1">
-                <a:sym typeface="Wingdings" panose="05000000000000000000" pitchFamily="2" charset="2"/>
-              </a:rPr>
-              <a:t>that</a:t>
-            </a:r>
-            <a:r>
-              <a:rPr lang="de-CH" sz="1400" dirty="0">
-                <a:sym typeface="Wingdings" panose="05000000000000000000" pitchFamily="2" charset="2"/>
-              </a:rPr>
-              <a:t> </a:t>
-            </a:r>
-            <a:r>
-              <a:rPr lang="de-CH" sz="1400" dirty="0" err="1">
-                <a:sym typeface="Wingdings" panose="05000000000000000000" pitchFamily="2" charset="2"/>
-              </a:rPr>
-              <a:t>if</a:t>
-            </a:r>
-            <a:r>
-              <a:rPr lang="de-CH" sz="1400" dirty="0">
-                <a:sym typeface="Wingdings" panose="05000000000000000000" pitchFamily="2" charset="2"/>
-              </a:rPr>
-              <a:t> </a:t>
-            </a:r>
-            <a:r>
-              <a:rPr lang="de-CH" sz="1400" dirty="0" err="1">
-                <a:sym typeface="Wingdings" panose="05000000000000000000" pitchFamily="2" charset="2"/>
-              </a:rPr>
-              <a:t>we</a:t>
-            </a:r>
-            <a:r>
-              <a:rPr lang="de-CH" sz="1400" dirty="0">
-                <a:sym typeface="Wingdings" panose="05000000000000000000" pitchFamily="2" charset="2"/>
-              </a:rPr>
-              <a:t> </a:t>
-            </a:r>
-            <a:r>
-              <a:rPr lang="de-CH" sz="1400" dirty="0" err="1">
-                <a:sym typeface="Wingdings" panose="05000000000000000000" pitchFamily="2" charset="2"/>
-              </a:rPr>
-              <a:t>woud</a:t>
-            </a:r>
-            <a:r>
-              <a:rPr lang="de-CH" sz="1400" dirty="0">
-                <a:sym typeface="Wingdings" panose="05000000000000000000" pitchFamily="2" charset="2"/>
-              </a:rPr>
-              <a:t> </a:t>
-            </a:r>
-            <a:r>
-              <a:rPr lang="de-CH" sz="1400" dirty="0" err="1">
-                <a:sym typeface="Wingdings" panose="05000000000000000000" pitchFamily="2" charset="2"/>
-              </a:rPr>
-              <a:t>get</a:t>
-            </a:r>
-            <a:r>
-              <a:rPr lang="de-CH" sz="1400" dirty="0">
-                <a:sym typeface="Wingdings" panose="05000000000000000000" pitchFamily="2" charset="2"/>
-              </a:rPr>
-              <a:t> real </a:t>
-            </a:r>
-            <a:r>
-              <a:rPr lang="de-CH" sz="1400" dirty="0" err="1">
-                <a:sym typeface="Wingdings" panose="05000000000000000000" pitchFamily="2" charset="2"/>
-              </a:rPr>
-              <a:t>world</a:t>
-            </a:r>
-            <a:r>
-              <a:rPr lang="de-CH" sz="1400" dirty="0">
-                <a:sym typeface="Wingdings" panose="05000000000000000000" pitchFamily="2" charset="2"/>
-              </a:rPr>
-              <a:t> </a:t>
-            </a:r>
-            <a:r>
-              <a:rPr lang="de-CH" sz="1400" dirty="0" err="1">
-                <a:sym typeface="Wingdings" panose="05000000000000000000" pitchFamily="2" charset="2"/>
-              </a:rPr>
-              <a:t>data</a:t>
-            </a:r>
-            <a:r>
-              <a:rPr lang="de-CH" sz="1400" dirty="0">
-                <a:sym typeface="Wingdings" panose="05000000000000000000" pitchFamily="2" charset="2"/>
-              </a:rPr>
-              <a:t> </a:t>
-            </a:r>
-            <a:r>
-              <a:rPr lang="de-CH" sz="1400" dirty="0" err="1">
-                <a:sym typeface="Wingdings" panose="05000000000000000000" pitchFamily="2" charset="2"/>
-              </a:rPr>
-              <a:t>we</a:t>
-            </a:r>
-            <a:r>
-              <a:rPr lang="de-CH" sz="1400" dirty="0">
-                <a:sym typeface="Wingdings" panose="05000000000000000000" pitchFamily="2" charset="2"/>
-              </a:rPr>
-              <a:t> </a:t>
-            </a:r>
-            <a:r>
-              <a:rPr lang="de-CH" sz="1400" dirty="0" err="1">
-                <a:sym typeface="Wingdings" panose="05000000000000000000" pitchFamily="2" charset="2"/>
-              </a:rPr>
-              <a:t>would</a:t>
-            </a:r>
-            <a:r>
-              <a:rPr lang="de-CH" sz="1400" dirty="0">
-                <a:sym typeface="Wingdings" panose="05000000000000000000" pitchFamily="2" charset="2"/>
-              </a:rPr>
-              <a:t> </a:t>
-            </a:r>
-            <a:r>
-              <a:rPr lang="de-CH" sz="1400" dirty="0" err="1">
-                <a:sym typeface="Wingdings" panose="05000000000000000000" pitchFamily="2" charset="2"/>
-              </a:rPr>
-              <a:t>achieve</a:t>
-            </a:r>
-            <a:r>
-              <a:rPr lang="de-CH" sz="1400" dirty="0">
-                <a:sym typeface="Wingdings" panose="05000000000000000000" pitchFamily="2" charset="2"/>
-              </a:rPr>
-              <a:t> </a:t>
-            </a:r>
-            <a:r>
-              <a:rPr lang="de-CH" sz="1400" dirty="0" err="1">
-                <a:sym typeface="Wingdings" panose="05000000000000000000" pitchFamily="2" charset="2"/>
-              </a:rPr>
-              <a:t>similar</a:t>
-            </a:r>
-            <a:r>
-              <a:rPr lang="de-CH" sz="1400" dirty="0">
-                <a:sym typeface="Wingdings" panose="05000000000000000000" pitchFamily="2" charset="2"/>
-              </a:rPr>
-              <a:t> </a:t>
-            </a:r>
-            <a:r>
-              <a:rPr lang="de-CH" sz="1400" dirty="0" err="1">
-                <a:sym typeface="Wingdings" panose="05000000000000000000" pitchFamily="2" charset="2"/>
-              </a:rPr>
-              <a:t>scores</a:t>
-            </a:r>
-            <a:r>
-              <a:rPr lang="de-CH" sz="1400" dirty="0">
-                <a:sym typeface="Wingdings" panose="05000000000000000000" pitchFamily="2" charset="2"/>
-              </a:rPr>
-              <a:t>  </a:t>
-            </a:r>
-            <a:r>
-              <a:rPr lang="de-CH" sz="1400" dirty="0" err="1">
-                <a:sym typeface="Wingdings" panose="05000000000000000000" pitchFamily="2" charset="2"/>
-              </a:rPr>
-              <a:t>we</a:t>
-            </a:r>
-            <a:r>
-              <a:rPr lang="de-CH" sz="1400" dirty="0">
-                <a:sym typeface="Wingdings" panose="05000000000000000000" pitchFamily="2" charset="2"/>
-              </a:rPr>
-              <a:t> </a:t>
-            </a:r>
-            <a:r>
-              <a:rPr lang="de-CH" sz="1400" dirty="0" err="1">
-                <a:sym typeface="Wingdings" panose="05000000000000000000" pitchFamily="2" charset="2"/>
-              </a:rPr>
-              <a:t>didn’t</a:t>
-            </a:r>
-            <a:r>
-              <a:rPr lang="de-CH" sz="1400" dirty="0">
-                <a:sym typeface="Wingdings" panose="05000000000000000000" pitchFamily="2" charset="2"/>
-              </a:rPr>
-              <a:t> </a:t>
-            </a:r>
-            <a:r>
-              <a:rPr lang="de-CH" sz="1400" dirty="0" err="1">
-                <a:sym typeface="Wingdings" panose="05000000000000000000" pitchFamily="2" charset="2"/>
-              </a:rPr>
-              <a:t>artificially</a:t>
-            </a:r>
-            <a:r>
-              <a:rPr lang="de-CH" sz="1400" dirty="0">
-                <a:sym typeface="Wingdings" panose="05000000000000000000" pitchFamily="2" charset="2"/>
-              </a:rPr>
-              <a:t> </a:t>
-            </a:r>
-            <a:r>
-              <a:rPr lang="de-CH" sz="1400" dirty="0" err="1">
-                <a:sym typeface="Wingdings" panose="05000000000000000000" pitchFamily="2" charset="2"/>
-              </a:rPr>
-              <a:t>improve</a:t>
-            </a:r>
-            <a:r>
-              <a:rPr lang="de-CH" sz="1400" dirty="0">
-                <a:sym typeface="Wingdings" panose="05000000000000000000" pitchFamily="2" charset="2"/>
-              </a:rPr>
-              <a:t> </a:t>
-            </a:r>
-            <a:r>
-              <a:rPr lang="de-CH" sz="1400" dirty="0" err="1">
-                <a:sym typeface="Wingdings" panose="05000000000000000000" pitchFamily="2" charset="2"/>
-              </a:rPr>
-              <a:t>our</a:t>
-            </a:r>
-            <a:r>
-              <a:rPr lang="de-CH" sz="1400" dirty="0">
-                <a:sym typeface="Wingdings" panose="05000000000000000000" pitchFamily="2" charset="2"/>
-              </a:rPr>
-              <a:t> </a:t>
-            </a:r>
-            <a:r>
-              <a:rPr lang="de-CH" sz="1400" dirty="0" err="1">
-                <a:sym typeface="Wingdings" panose="05000000000000000000" pitchFamily="2" charset="2"/>
-              </a:rPr>
-              <a:t>test</a:t>
-            </a:r>
-            <a:r>
-              <a:rPr lang="de-CH" sz="1400" dirty="0">
-                <a:sym typeface="Wingdings" panose="05000000000000000000" pitchFamily="2" charset="2"/>
-              </a:rPr>
-              <a:t> score </a:t>
-            </a:r>
-            <a:r>
-              <a:rPr lang="de-CH" sz="1400" dirty="0" err="1">
-                <a:sym typeface="Wingdings" panose="05000000000000000000" pitchFamily="2" charset="2"/>
-              </a:rPr>
-              <a:t>by</a:t>
-            </a:r>
-            <a:r>
-              <a:rPr lang="de-CH" sz="1400" dirty="0">
-                <a:sym typeface="Wingdings" panose="05000000000000000000" pitchFamily="2" charset="2"/>
-              </a:rPr>
-              <a:t> </a:t>
-            </a:r>
-            <a:r>
-              <a:rPr lang="de-CH" sz="1400" dirty="0" err="1">
-                <a:sym typeface="Wingdings" panose="05000000000000000000" pitchFamily="2" charset="2"/>
-              </a:rPr>
-              <a:t>removing</a:t>
-            </a:r>
-            <a:r>
-              <a:rPr lang="de-CH" sz="1400" dirty="0">
-                <a:sym typeface="Wingdings" panose="05000000000000000000" pitchFamily="2" charset="2"/>
-              </a:rPr>
-              <a:t> </a:t>
-            </a:r>
-            <a:r>
-              <a:rPr lang="de-CH" sz="1400" dirty="0" err="1">
-                <a:sym typeface="Wingdings" panose="05000000000000000000" pitchFamily="2" charset="2"/>
-              </a:rPr>
-              <a:t>too</a:t>
-            </a:r>
-            <a:r>
-              <a:rPr lang="de-CH" sz="1400" dirty="0">
-                <a:sym typeface="Wingdings" panose="05000000000000000000" pitchFamily="2" charset="2"/>
-              </a:rPr>
-              <a:t> </a:t>
-            </a:r>
-            <a:r>
-              <a:rPr lang="de-CH" sz="1400" dirty="0" err="1">
-                <a:sym typeface="Wingdings" panose="05000000000000000000" pitchFamily="2" charset="2"/>
-              </a:rPr>
-              <a:t>many</a:t>
-            </a:r>
-            <a:r>
-              <a:rPr lang="de-CH" sz="1400" dirty="0">
-                <a:sym typeface="Wingdings" panose="05000000000000000000" pitchFamily="2" charset="2"/>
-              </a:rPr>
-              <a:t> </a:t>
-            </a:r>
-            <a:r>
-              <a:rPr lang="de-CH" sz="1400" dirty="0" err="1">
-                <a:sym typeface="Wingdings" panose="05000000000000000000" pitchFamily="2" charset="2"/>
-              </a:rPr>
-              <a:t>outliers</a:t>
-            </a:r>
-            <a:endParaRPr lang="de-CH" sz="1400" dirty="0">
-              <a:sym typeface="Wingdings" panose="05000000000000000000" pitchFamily="2" charset="2"/>
-            </a:endParaRPr>
-          </a:p>
-          <a:p>
-            <a:pPr marL="285750" indent="-285750">
-              <a:buFontTx/>
-              <a:buChar char="-"/>
-            </a:pPr>
-            <a:endParaRPr lang="de-CH" sz="1400" dirty="0">
-              <a:sym typeface="Wingdings" panose="05000000000000000000" pitchFamily="2" charset="2"/>
-            </a:endParaRPr>
-          </a:p>
-          <a:p>
-            <a:pPr marL="285750" indent="-285750">
-              <a:buFontTx/>
-              <a:buChar char="-"/>
-            </a:pPr>
-            <a:r>
-              <a:rPr lang="de-CH" sz="1400" dirty="0">
-                <a:sym typeface="Wingdings" panose="05000000000000000000" pitchFamily="2" charset="2"/>
-              </a:rPr>
-              <a:t>More </a:t>
-            </a:r>
-            <a:r>
-              <a:rPr lang="de-CH" sz="1400" dirty="0" err="1">
-                <a:sym typeface="Wingdings" panose="05000000000000000000" pitchFamily="2" charset="2"/>
-              </a:rPr>
-              <a:t>computational</a:t>
-            </a:r>
-            <a:r>
-              <a:rPr lang="de-CH" sz="1400" dirty="0">
-                <a:sym typeface="Wingdings" panose="05000000000000000000" pitchFamily="2" charset="2"/>
-              </a:rPr>
-              <a:t> power </a:t>
-            </a:r>
-            <a:r>
-              <a:rPr lang="de-CH" sz="1400" dirty="0" err="1">
-                <a:sym typeface="Wingdings" panose="05000000000000000000" pitchFamily="2" charset="2"/>
-              </a:rPr>
-              <a:t>would</a:t>
-            </a:r>
-            <a:r>
-              <a:rPr lang="de-CH" sz="1400" dirty="0">
-                <a:sym typeface="Wingdings" panose="05000000000000000000" pitchFamily="2" charset="2"/>
-              </a:rPr>
-              <a:t> </a:t>
-            </a:r>
-            <a:r>
-              <a:rPr lang="de-CH" sz="1400" dirty="0" err="1">
-                <a:sym typeface="Wingdings" panose="05000000000000000000" pitchFamily="2" charset="2"/>
-              </a:rPr>
-              <a:t>be</a:t>
-            </a:r>
-            <a:r>
-              <a:rPr lang="de-CH" sz="1400" dirty="0">
-                <a:sym typeface="Wingdings" panose="05000000000000000000" pitchFamily="2" charset="2"/>
-              </a:rPr>
-              <a:t> </a:t>
-            </a:r>
-            <a:r>
-              <a:rPr lang="de-CH" sz="1400" dirty="0" err="1">
-                <a:sym typeface="Wingdings" panose="05000000000000000000" pitchFamily="2" charset="2"/>
-              </a:rPr>
-              <a:t>useful</a:t>
-            </a:r>
-            <a:r>
-              <a:rPr lang="de-CH" sz="1400" dirty="0">
-                <a:sym typeface="Wingdings" panose="05000000000000000000" pitchFamily="2" charset="2"/>
-              </a:rPr>
-              <a:t> </a:t>
-            </a:r>
-            <a:r>
-              <a:rPr lang="de-CH" sz="1400" dirty="0" err="1">
-                <a:sym typeface="Wingdings" panose="05000000000000000000" pitchFamily="2" charset="2"/>
-              </a:rPr>
-              <a:t>for</a:t>
-            </a:r>
-            <a:r>
-              <a:rPr lang="de-CH" sz="1400" dirty="0">
-                <a:sym typeface="Wingdings" panose="05000000000000000000" pitchFamily="2" charset="2"/>
-              </a:rPr>
-              <a:t> </a:t>
-            </a:r>
-            <a:r>
-              <a:rPr lang="de-CH" sz="1400" dirty="0" err="1">
-                <a:sym typeface="Wingdings" panose="05000000000000000000" pitchFamily="2" charset="2"/>
-              </a:rPr>
-              <a:t>applying</a:t>
-            </a:r>
-            <a:r>
-              <a:rPr lang="de-CH" sz="1400" dirty="0">
-                <a:sym typeface="Wingdings" panose="05000000000000000000" pitchFamily="2" charset="2"/>
-              </a:rPr>
-              <a:t> </a:t>
-            </a:r>
-            <a:r>
-              <a:rPr lang="de-CH" sz="1400" dirty="0" err="1">
-                <a:sym typeface="Wingdings" panose="05000000000000000000" pitchFamily="2" charset="2"/>
-              </a:rPr>
-              <a:t>the</a:t>
-            </a:r>
-            <a:r>
-              <a:rPr lang="de-CH" sz="1400" dirty="0">
-                <a:sym typeface="Wingdings" panose="05000000000000000000" pitchFamily="2" charset="2"/>
-              </a:rPr>
-              <a:t> </a:t>
-            </a:r>
-            <a:r>
-              <a:rPr lang="de-CH" sz="1400" dirty="0" err="1">
-                <a:sym typeface="Wingdings" panose="05000000000000000000" pitchFamily="2" charset="2"/>
-              </a:rPr>
-              <a:t>GridSearch</a:t>
-            </a:r>
-            <a:r>
-              <a:rPr lang="de-CH" sz="1400" dirty="0">
-                <a:sym typeface="Wingdings" panose="05000000000000000000" pitchFamily="2" charset="2"/>
-              </a:rPr>
-              <a:t> </a:t>
-            </a:r>
-            <a:r>
-              <a:rPr lang="de-CH" sz="1400" dirty="0" err="1">
-                <a:sym typeface="Wingdings" panose="05000000000000000000" pitchFamily="2" charset="2"/>
-              </a:rPr>
-              <a:t>algorithm</a:t>
-            </a:r>
-            <a:r>
-              <a:rPr lang="de-CH" sz="1400" dirty="0">
-                <a:sym typeface="Wingdings" panose="05000000000000000000" pitchFamily="2" charset="2"/>
-              </a:rPr>
-              <a:t> and </a:t>
-            </a:r>
-            <a:r>
-              <a:rPr lang="de-CH" sz="1400" dirty="0" err="1">
-                <a:sym typeface="Wingdings" panose="05000000000000000000" pitchFamily="2" charset="2"/>
-              </a:rPr>
-              <a:t>trying</a:t>
-            </a:r>
-            <a:r>
-              <a:rPr lang="de-CH" sz="1400" dirty="0">
-                <a:sym typeface="Wingdings" panose="05000000000000000000" pitchFamily="2" charset="2"/>
-              </a:rPr>
-              <a:t> out different </a:t>
-            </a:r>
-            <a:r>
-              <a:rPr lang="de-CH" sz="1400" dirty="0" err="1">
-                <a:sym typeface="Wingdings" panose="05000000000000000000" pitchFamily="2" charset="2"/>
-              </a:rPr>
-              <a:t>threshold</a:t>
-            </a:r>
-            <a:r>
-              <a:rPr lang="de-CH" sz="1400" dirty="0">
-                <a:sym typeface="Wingdings" panose="05000000000000000000" pitchFamily="2" charset="2"/>
-              </a:rPr>
-              <a:t> </a:t>
-            </a:r>
-            <a:r>
-              <a:rPr lang="de-CH" sz="1400" dirty="0" err="1">
-                <a:sym typeface="Wingdings" panose="05000000000000000000" pitchFamily="2" charset="2"/>
-              </a:rPr>
-              <a:t>levels</a:t>
-            </a:r>
-            <a:r>
-              <a:rPr lang="de-CH" sz="1400" dirty="0">
-                <a:sym typeface="Wingdings" panose="05000000000000000000" pitchFamily="2" charset="2"/>
-              </a:rPr>
-              <a:t> </a:t>
-            </a:r>
-            <a:r>
-              <a:rPr lang="de-CH" sz="1400" dirty="0" err="1">
-                <a:sym typeface="Wingdings" panose="05000000000000000000" pitchFamily="2" charset="2"/>
-              </a:rPr>
-              <a:t>for</a:t>
-            </a:r>
-            <a:r>
-              <a:rPr lang="de-CH" sz="1400" dirty="0">
-                <a:sym typeface="Wingdings" panose="05000000000000000000" pitchFamily="2" charset="2"/>
-              </a:rPr>
-              <a:t> </a:t>
-            </a:r>
-            <a:r>
-              <a:rPr lang="de-CH" sz="1400" dirty="0" err="1">
-                <a:sym typeface="Wingdings" panose="05000000000000000000" pitchFamily="2" charset="2"/>
-              </a:rPr>
-              <a:t>the</a:t>
-            </a:r>
-            <a:r>
-              <a:rPr lang="de-CH" sz="1400" dirty="0">
-                <a:sym typeface="Wingdings" panose="05000000000000000000" pitchFamily="2" charset="2"/>
-              </a:rPr>
-              <a:t> </a:t>
-            </a:r>
-            <a:r>
-              <a:rPr lang="de-CH" sz="1400" dirty="0" err="1">
-                <a:sym typeface="Wingdings" panose="05000000000000000000" pitchFamily="2" charset="2"/>
-              </a:rPr>
-              <a:t>algorithms</a:t>
-            </a:r>
-            <a:r>
-              <a:rPr lang="de-CH" sz="1400" dirty="0">
-                <a:sym typeface="Wingdings" panose="05000000000000000000" pitchFamily="2" charset="2"/>
-              </a:rPr>
-              <a:t>  </a:t>
-            </a:r>
-            <a:r>
-              <a:rPr lang="de-CH" sz="1400" dirty="0" err="1">
-                <a:sym typeface="Wingdings" panose="05000000000000000000" pitchFamily="2" charset="2"/>
-              </a:rPr>
-              <a:t>thershold</a:t>
-            </a:r>
-            <a:r>
-              <a:rPr lang="de-CH" sz="1400" dirty="0">
-                <a:sym typeface="Wingdings" panose="05000000000000000000" pitchFamily="2" charset="2"/>
-              </a:rPr>
-              <a:t> </a:t>
-            </a:r>
-            <a:r>
-              <a:rPr lang="de-CH" sz="1400" dirty="0" err="1">
-                <a:sym typeface="Wingdings" panose="05000000000000000000" pitchFamily="2" charset="2"/>
-              </a:rPr>
-              <a:t>sensitivity</a:t>
-            </a:r>
-            <a:r>
-              <a:rPr lang="de-CH" sz="1400" dirty="0">
-                <a:sym typeface="Wingdings" panose="05000000000000000000" pitchFamily="2" charset="2"/>
-              </a:rPr>
-              <a:t> </a:t>
-            </a:r>
-            <a:r>
-              <a:rPr lang="de-CH" sz="1400" dirty="0" err="1">
-                <a:sym typeface="Wingdings" panose="05000000000000000000" pitchFamily="2" charset="2"/>
-              </a:rPr>
-              <a:t>as</a:t>
-            </a:r>
-            <a:r>
-              <a:rPr lang="de-CH" sz="1400" dirty="0">
-                <a:sym typeface="Wingdings" panose="05000000000000000000" pitchFamily="2" charset="2"/>
-              </a:rPr>
-              <a:t> </a:t>
-            </a:r>
-            <a:r>
-              <a:rPr lang="de-CH" sz="1400" dirty="0" err="1">
-                <a:sym typeface="Wingdings" panose="05000000000000000000" pitchFamily="2" charset="2"/>
-              </a:rPr>
-              <a:t>room</a:t>
-            </a:r>
-            <a:r>
-              <a:rPr lang="de-CH" sz="1400" dirty="0">
-                <a:sym typeface="Wingdings" panose="05000000000000000000" pitchFamily="2" charset="2"/>
-              </a:rPr>
-              <a:t> </a:t>
-            </a:r>
-            <a:r>
-              <a:rPr lang="de-CH" sz="1400" dirty="0" err="1">
-                <a:sym typeface="Wingdings" panose="05000000000000000000" pitchFamily="2" charset="2"/>
-              </a:rPr>
-              <a:t>for</a:t>
-            </a:r>
-            <a:r>
-              <a:rPr lang="de-CH" sz="1400" dirty="0">
-                <a:sym typeface="Wingdings" panose="05000000000000000000" pitchFamily="2" charset="2"/>
-              </a:rPr>
-              <a:t> </a:t>
-            </a:r>
-            <a:r>
-              <a:rPr lang="de-CH" sz="1400" dirty="0" err="1">
-                <a:sym typeface="Wingdings" panose="05000000000000000000" pitchFamily="2" charset="2"/>
-              </a:rPr>
-              <a:t>improvement</a:t>
-            </a:r>
-            <a:endParaRPr lang="de-CH" sz="1400" dirty="0">
-              <a:sym typeface="Wingdings" panose="05000000000000000000" pitchFamily="2" charset="2"/>
-            </a:endParaRPr>
-          </a:p>
-          <a:p>
-            <a:pPr marL="285750" indent="-285750">
-              <a:buFontTx/>
-              <a:buChar char="-"/>
-            </a:pPr>
-            <a:endParaRPr lang="de-CH" sz="1400" dirty="0">
-              <a:sym typeface="Wingdings" panose="05000000000000000000" pitchFamily="2" charset="2"/>
-            </a:endParaRPr>
-          </a:p>
-          <a:p>
-            <a:pPr marL="285750" indent="-285750">
-              <a:buFontTx/>
-              <a:buChar char="-"/>
-            </a:pPr>
-            <a:r>
-              <a:rPr lang="de-CH" sz="1400" dirty="0">
-                <a:sym typeface="Wingdings" panose="05000000000000000000" pitchFamily="2" charset="2"/>
-              </a:rPr>
-              <a:t>Data </a:t>
-            </a:r>
-            <a:r>
-              <a:rPr lang="de-CH" sz="1400" dirty="0" err="1">
-                <a:sym typeface="Wingdings" panose="05000000000000000000" pitchFamily="2" charset="2"/>
-              </a:rPr>
-              <a:t>preprocessing</a:t>
-            </a:r>
-            <a:r>
-              <a:rPr lang="de-CH" sz="1400" dirty="0">
-                <a:sym typeface="Wingdings" panose="05000000000000000000" pitchFamily="2" charset="2"/>
-              </a:rPr>
-              <a:t> </a:t>
-            </a:r>
-            <a:r>
-              <a:rPr lang="de-CH" sz="1400" dirty="0" err="1">
-                <a:sym typeface="Wingdings" panose="05000000000000000000" pitchFamily="2" charset="2"/>
-              </a:rPr>
-              <a:t>is</a:t>
-            </a:r>
-            <a:r>
-              <a:rPr lang="de-CH" sz="1400" dirty="0">
-                <a:sym typeface="Wingdings" panose="05000000000000000000" pitchFamily="2" charset="2"/>
-              </a:rPr>
-              <a:t> a </a:t>
-            </a:r>
-            <a:r>
-              <a:rPr lang="de-CH" sz="1400" dirty="0" err="1">
-                <a:sym typeface="Wingdings" panose="05000000000000000000" pitchFamily="2" charset="2"/>
-              </a:rPr>
-              <a:t>very</a:t>
-            </a:r>
-            <a:r>
-              <a:rPr lang="de-CH" sz="1400" dirty="0">
-                <a:sym typeface="Wingdings" panose="05000000000000000000" pitchFamily="2" charset="2"/>
-              </a:rPr>
-              <a:t> </a:t>
-            </a:r>
-            <a:r>
-              <a:rPr lang="de-CH" sz="1400" dirty="0" err="1">
-                <a:sym typeface="Wingdings" panose="05000000000000000000" pitchFamily="2" charset="2"/>
-              </a:rPr>
-              <a:t>important</a:t>
-            </a:r>
-            <a:r>
-              <a:rPr lang="de-CH" sz="1400" dirty="0">
-                <a:sym typeface="Wingdings" panose="05000000000000000000" pitchFamily="2" charset="2"/>
-              </a:rPr>
-              <a:t> </a:t>
-            </a:r>
-            <a:r>
-              <a:rPr lang="de-CH" sz="1400" dirty="0" err="1">
-                <a:sym typeface="Wingdings" panose="05000000000000000000" pitchFamily="2" charset="2"/>
-              </a:rPr>
-              <a:t>step</a:t>
-            </a:r>
-            <a:r>
-              <a:rPr lang="de-CH" sz="1400" dirty="0">
-                <a:sym typeface="Wingdings" panose="05000000000000000000" pitchFamily="2" charset="2"/>
-              </a:rPr>
-              <a:t> and </a:t>
-            </a:r>
-            <a:r>
-              <a:rPr lang="de-CH" sz="1400" dirty="0" err="1">
-                <a:sym typeface="Wingdings" panose="05000000000000000000" pitchFamily="2" charset="2"/>
-              </a:rPr>
-              <a:t>with</a:t>
-            </a:r>
-            <a:r>
-              <a:rPr lang="de-CH" sz="1400" dirty="0">
-                <a:sym typeface="Wingdings" panose="05000000000000000000" pitchFamily="2" charset="2"/>
-              </a:rPr>
-              <a:t> a </a:t>
-            </a:r>
-            <a:r>
-              <a:rPr lang="de-CH" sz="1400" dirty="0" err="1">
-                <a:sym typeface="Wingdings" panose="05000000000000000000" pitchFamily="2" charset="2"/>
-              </a:rPr>
-              <a:t>looser</a:t>
-            </a:r>
-            <a:r>
-              <a:rPr lang="de-CH" sz="1400" dirty="0">
-                <a:sym typeface="Wingdings" panose="05000000000000000000" pitchFamily="2" charset="2"/>
-              </a:rPr>
-              <a:t> time </a:t>
-            </a:r>
-            <a:r>
-              <a:rPr lang="de-CH" sz="1400" dirty="0" err="1">
-                <a:sym typeface="Wingdings" panose="05000000000000000000" pitchFamily="2" charset="2"/>
-              </a:rPr>
-              <a:t>restriction</a:t>
-            </a:r>
-            <a:r>
-              <a:rPr lang="de-CH" sz="1400" dirty="0">
-                <a:sym typeface="Wingdings" panose="05000000000000000000" pitchFamily="2" charset="2"/>
-              </a:rPr>
-              <a:t> different </a:t>
-            </a:r>
-            <a:r>
-              <a:rPr lang="de-CH" sz="1400" dirty="0" err="1">
-                <a:sym typeface="Wingdings" panose="05000000000000000000" pitchFamily="2" charset="2"/>
-              </a:rPr>
-              <a:t>ways</a:t>
-            </a:r>
-            <a:r>
-              <a:rPr lang="de-CH" sz="1400" dirty="0">
-                <a:sym typeface="Wingdings" panose="05000000000000000000" pitchFamily="2" charset="2"/>
-              </a:rPr>
-              <a:t> </a:t>
-            </a:r>
-            <a:r>
-              <a:rPr lang="de-CH" sz="1400" dirty="0" err="1">
-                <a:sym typeface="Wingdings" panose="05000000000000000000" pitchFamily="2" charset="2"/>
-              </a:rPr>
-              <a:t>of</a:t>
-            </a:r>
-            <a:r>
-              <a:rPr lang="de-CH" sz="1400" dirty="0">
-                <a:sym typeface="Wingdings" panose="05000000000000000000" pitchFamily="2" charset="2"/>
-              </a:rPr>
-              <a:t> </a:t>
-            </a:r>
-            <a:r>
-              <a:rPr lang="de-CH" sz="1400" dirty="0" err="1">
-                <a:sym typeface="Wingdings" panose="05000000000000000000" pitchFamily="2" charset="2"/>
-              </a:rPr>
-              <a:t>handling</a:t>
-            </a:r>
-            <a:r>
-              <a:rPr lang="de-CH" sz="1400" dirty="0">
-                <a:sym typeface="Wingdings" panose="05000000000000000000" pitchFamily="2" charset="2"/>
-              </a:rPr>
-              <a:t> a </a:t>
-            </a:r>
-            <a:r>
-              <a:rPr lang="de-CH" sz="1400" dirty="0" err="1">
-                <a:sym typeface="Wingdings" panose="05000000000000000000" pitchFamily="2" charset="2"/>
-              </a:rPr>
-              <a:t>task</a:t>
-            </a:r>
-            <a:r>
-              <a:rPr lang="de-CH" sz="1400" dirty="0">
-                <a:sym typeface="Wingdings" panose="05000000000000000000" pitchFamily="2" charset="2"/>
-              </a:rPr>
-              <a:t> </a:t>
-            </a:r>
-            <a:r>
-              <a:rPr lang="de-CH" sz="1400" dirty="0" err="1">
-                <a:sym typeface="Wingdings" panose="05000000000000000000" pitchFamily="2" charset="2"/>
-              </a:rPr>
-              <a:t>can</a:t>
-            </a:r>
-            <a:r>
-              <a:rPr lang="de-CH" sz="1400" dirty="0">
-                <a:sym typeface="Wingdings" panose="05000000000000000000" pitchFamily="2" charset="2"/>
-              </a:rPr>
-              <a:t> </a:t>
-            </a:r>
-            <a:r>
-              <a:rPr lang="de-CH" sz="1400" dirty="0" err="1">
-                <a:sym typeface="Wingdings" panose="05000000000000000000" pitchFamily="2" charset="2"/>
-              </a:rPr>
-              <a:t>be</a:t>
-            </a:r>
-            <a:r>
-              <a:rPr lang="de-CH" sz="1400" dirty="0">
-                <a:sym typeface="Wingdings" panose="05000000000000000000" pitchFamily="2" charset="2"/>
-              </a:rPr>
-              <a:t> </a:t>
-            </a:r>
-            <a:r>
-              <a:rPr lang="de-CH" sz="1400" dirty="0" err="1">
-                <a:sym typeface="Wingdings" panose="05000000000000000000" pitchFamily="2" charset="2"/>
-              </a:rPr>
-              <a:t>deeper</a:t>
-            </a:r>
-            <a:r>
-              <a:rPr lang="de-CH" sz="1400" dirty="0">
-                <a:sym typeface="Wingdings" panose="05000000000000000000" pitchFamily="2" charset="2"/>
-              </a:rPr>
-              <a:t> </a:t>
-            </a:r>
-            <a:r>
-              <a:rPr lang="de-CH" sz="1400" dirty="0" err="1">
-                <a:sym typeface="Wingdings" panose="05000000000000000000" pitchFamily="2" charset="2"/>
-              </a:rPr>
-              <a:t>investigated</a:t>
-            </a:r>
-            <a:endParaRPr lang="de-CH" sz="1400" dirty="0">
-              <a:sym typeface="Wingdings" panose="05000000000000000000" pitchFamily="2" charset="2"/>
-            </a:endParaRPr>
-          </a:p>
-          <a:p>
-            <a:pPr marL="285750" indent="-285750">
-              <a:buFontTx/>
-              <a:buChar char="-"/>
-            </a:pPr>
-            <a:endParaRPr lang="de-CH" sz="1400" dirty="0">
-              <a:sym typeface="Wingdings" panose="05000000000000000000" pitchFamily="2" charset="2"/>
-            </a:endParaRPr>
-          </a:p>
-          <a:p>
-            <a:pPr marL="285750" indent="-285750">
-              <a:buFontTx/>
-              <a:buChar char="-"/>
-            </a:pPr>
-            <a:r>
-              <a:rPr lang="de-CH" sz="1400" dirty="0">
-                <a:sym typeface="Wingdings" panose="05000000000000000000" pitchFamily="2" charset="2"/>
-              </a:rPr>
-              <a:t>Feature </a:t>
-            </a:r>
-            <a:r>
-              <a:rPr lang="de-CH" sz="1400" dirty="0" err="1">
-                <a:sym typeface="Wingdings" panose="05000000000000000000" pitchFamily="2" charset="2"/>
-              </a:rPr>
-              <a:t>selection</a:t>
-            </a:r>
-            <a:r>
-              <a:rPr lang="de-CH" sz="1400" dirty="0">
-                <a:sym typeface="Wingdings" panose="05000000000000000000" pitchFamily="2" charset="2"/>
-              </a:rPr>
-              <a:t> </a:t>
-            </a:r>
-            <a:r>
-              <a:rPr lang="de-CH" sz="1400" dirty="0" err="1">
-                <a:sym typeface="Wingdings" panose="05000000000000000000" pitchFamily="2" charset="2"/>
-              </a:rPr>
-              <a:t>as</a:t>
-            </a:r>
-            <a:r>
-              <a:rPr lang="de-CH" sz="1400" dirty="0">
-                <a:sym typeface="Wingdings" panose="05000000000000000000" pitchFamily="2" charset="2"/>
-              </a:rPr>
-              <a:t> an </a:t>
-            </a:r>
-            <a:r>
-              <a:rPr lang="de-CH" sz="1400" dirty="0" err="1">
-                <a:sym typeface="Wingdings" panose="05000000000000000000" pitchFamily="2" charset="2"/>
-              </a:rPr>
-              <a:t>important</a:t>
-            </a:r>
-            <a:r>
-              <a:rPr lang="de-CH" sz="1400" dirty="0">
-                <a:sym typeface="Wingdings" panose="05000000000000000000" pitchFamily="2" charset="2"/>
-              </a:rPr>
-              <a:t> </a:t>
-            </a:r>
-            <a:r>
-              <a:rPr lang="de-CH" sz="1400" dirty="0" err="1">
-                <a:sym typeface="Wingdings" panose="05000000000000000000" pitchFamily="2" charset="2"/>
-              </a:rPr>
-              <a:t>component</a:t>
-            </a:r>
-            <a:endParaRPr lang="de-CH" sz="1400" dirty="0">
-              <a:sym typeface="Wingdings" panose="05000000000000000000" pitchFamily="2" charset="2"/>
-            </a:endParaRPr>
-          </a:p>
-          <a:p>
-            <a:pPr marL="285750" indent="-285750">
-              <a:buFontTx/>
-              <a:buChar char="-"/>
-            </a:pPr>
-            <a:endParaRPr lang="de-CH" sz="1400" dirty="0">
-              <a:sym typeface="Wingdings" panose="05000000000000000000" pitchFamily="2" charset="2"/>
-            </a:endParaRPr>
-          </a:p>
-          <a:p>
-            <a:pPr marL="285750" indent="-285750">
-              <a:buFontTx/>
-              <a:buChar char="-"/>
-            </a:pPr>
-            <a:endParaRPr lang="de-CH" sz="1400" dirty="0"/>
-          </a:p>
-        </p:txBody>
-      </p:sp>
-    </p:spTree>
-    <p:extLst>
-      <p:ext uri="{BB962C8B-B14F-4D97-AF65-F5344CB8AC3E}">
-        <p14:creationId xmlns:p14="http://schemas.microsoft.com/office/powerpoint/2010/main" val="142629478"/>
-      </p:ext>
-    </p:extLst>
-  </p:cSld>
-  <p:clrMapOvr>
-    <a:masterClrMapping/>
-  </p:clrMapOvr>
-</p:sld>
-</file>
-
 <file path=ppt/slides/slide2.xml><?xml version="1.0" encoding="utf-8"?>
 <p:sld xmlns:a="http://schemas.openxmlformats.org/drawingml/2006/main" xmlns:r="http://schemas.openxmlformats.org/officeDocument/2006/relationships" xmlns:p="http://schemas.openxmlformats.org/presentationml/2006/main">
   <p:cSld>
@@ -4906,58 +3510,6 @@
       </p:grpSpPr>
       <p:sp>
         <p:nvSpPr>
-          <p:cNvPr id="10242" name="Rectangle 2"/>
-          <p:cNvSpPr>
-            <a:spLocks noGrp="1" noChangeArrowheads="1"/>
-          </p:cNvSpPr>
-          <p:nvPr>
-            <p:ph type="title"/>
-          </p:nvPr>
-        </p:nvSpPr>
-        <p:spPr/>
-        <p:txBody>
-          <a:bodyPr/>
-          <a:lstStyle/>
-          <a:p>
-            <a:r>
-              <a:rPr lang="de-CH" dirty="0"/>
-              <a:t>Data </a:t>
-            </a:r>
-            <a:r>
-              <a:rPr lang="de-CH" dirty="0" err="1"/>
-              <a:t>Preprocessing</a:t>
-            </a:r>
-            <a:endParaRPr lang="de-CH" dirty="0"/>
-          </a:p>
-        </p:txBody>
-      </p:sp>
-    </p:spTree>
-  </p:cSld>
-  <p:clrMapOvr>
-    <a:masterClrMapping/>
-  </p:clrMapOvr>
-</p:sld>
-</file>
-
-<file path=ppt/slides/slide4.xml><?xml version="1.0" encoding="utf-8"?>
-<p:sld xmlns:a="http://schemas.openxmlformats.org/drawingml/2006/main" xmlns:r="http://schemas.openxmlformats.org/officeDocument/2006/relationships" xmlns:p="http://schemas.openxmlformats.org/presentationml/2006/main">
-  <p:cSld>
-    <p:spTree>
-      <p:nvGrpSpPr>
-        <p:cNvPr id="1" name=""/>
-        <p:cNvGrpSpPr/>
-        <p:nvPr/>
-      </p:nvGrpSpPr>
-      <p:grpSpPr>
-        <a:xfrm>
-          <a:off x="0" y="0"/>
-          <a:ext cx="0" cy="0"/>
-          <a:chOff x="0" y="0"/>
-          <a:chExt cx="0" cy="0"/>
-        </a:xfrm>
-      </p:grpSpPr>
-      <p:sp>
-        <p:nvSpPr>
           <p:cNvPr id="7170" name="Rectangle 2"/>
           <p:cNvSpPr>
             <a:spLocks noGrp="1" noChangeArrowheads="1"/>
@@ -5098,7 +3650,7 @@
             <a:fld id="{5FE53467-384A-8A48-BFCB-FC70BCC81C81}" type="slidenum">
               <a:rPr lang="de-CH" smtClean="0"/>
               <a:pPr/>
-              <a:t>4</a:t>
+              <a:t>3</a:t>
             </a:fld>
             <a:endParaRPr lang="de-CH" dirty="0"/>
           </a:p>
@@ -5137,7 +3689,7 @@
           <a:effectLst/>
           <a:extLst>
             <a:ext uri="{AF507438-7753-43e0-B8FC-AC1667EBCBE1}">
-              <a14:hiddenEffects xmlns:a14="http://schemas.microsoft.com/office/drawing/2010/main" xmlns="">
+              <a14:hiddenEffects xmlns="" xmlns:a14="http://schemas.microsoft.com/office/drawing/2010/main">
                 <a:effectLst>
                   <a:outerShdw blurRad="63500" dist="35921" dir="2700000" algn="ctr" rotWithShape="0">
                     <a:schemeClr val="bg2"/>
@@ -5219,7 +3771,7 @@
           <a:effectLst/>
           <a:extLst>
             <a:ext uri="{AF507438-7753-43e0-B8FC-AC1667EBCBE1}">
-              <a14:hiddenEffects xmlns:a14="http://schemas.microsoft.com/office/drawing/2010/main" xmlns="">
+              <a14:hiddenEffects xmlns="" xmlns:a14="http://schemas.microsoft.com/office/drawing/2010/main">
                 <a:effectLst>
                   <a:outerShdw blurRad="63500" dist="35921" dir="2700000" algn="ctr" rotWithShape="0">
                     <a:schemeClr val="bg2"/>
@@ -5301,7 +3853,7 @@
           <a:effectLst/>
           <a:extLst>
             <a:ext uri="{AF507438-7753-43e0-B8FC-AC1667EBCBE1}">
-              <a14:hiddenEffects xmlns:a14="http://schemas.microsoft.com/office/drawing/2010/main" xmlns="">
+              <a14:hiddenEffects xmlns="" xmlns:a14="http://schemas.microsoft.com/office/drawing/2010/main">
                 <a:effectLst>
                   <a:outerShdw blurRad="63500" dist="35921" dir="2700000" algn="ctr" rotWithShape="0">
                     <a:schemeClr val="bg2"/>
@@ -5383,7 +3935,7 @@
           <a:effectLst/>
           <a:extLst>
             <a:ext uri="{AF507438-7753-43e0-B8FC-AC1667EBCBE1}">
-              <a14:hiddenEffects xmlns:a14="http://schemas.microsoft.com/office/drawing/2010/main" xmlns="">
+              <a14:hiddenEffects xmlns="" xmlns:a14="http://schemas.microsoft.com/office/drawing/2010/main">
                 <a:effectLst>
                   <a:outerShdw blurRad="63500" dist="35921" dir="2700000" algn="ctr" rotWithShape="0">
                     <a:schemeClr val="bg2"/>
@@ -5465,7 +4017,7 @@
           <a:effectLst/>
           <a:extLst>
             <a:ext uri="{AF507438-7753-43e0-B8FC-AC1667EBCBE1}">
-              <a14:hiddenEffects xmlns:a14="http://schemas.microsoft.com/office/drawing/2010/main" xmlns="">
+              <a14:hiddenEffects xmlns="" xmlns:a14="http://schemas.microsoft.com/office/drawing/2010/main">
                 <a:effectLst>
                   <a:outerShdw blurRad="63500" dist="35921" dir="2700000" algn="ctr" rotWithShape="0">
                     <a:schemeClr val="bg2"/>
@@ -5547,7 +4099,7 @@
           <a:effectLst/>
           <a:extLst>
             <a:ext uri="{AF507438-7753-43e0-B8FC-AC1667EBCBE1}">
-              <a14:hiddenEffects xmlns:a14="http://schemas.microsoft.com/office/drawing/2010/main" xmlns="">
+              <a14:hiddenEffects xmlns="" xmlns:a14="http://schemas.microsoft.com/office/drawing/2010/main">
                 <a:effectLst>
                   <a:outerShdw blurRad="63500" dist="35921" dir="2700000" algn="ctr" rotWithShape="0">
                     <a:schemeClr val="bg2"/>
@@ -6261,7 +4813,7 @@
 </p:sld>
 </file>
 
-<file path=ppt/slides/slide5.xml><?xml version="1.0" encoding="utf-8"?>
+<file path=ppt/slides/slide4.xml><?xml version="1.0" encoding="utf-8"?>
 <p:sld xmlns:a="http://schemas.openxmlformats.org/drawingml/2006/main" xmlns:r="http://schemas.openxmlformats.org/officeDocument/2006/relationships" xmlns:p="http://schemas.openxmlformats.org/presentationml/2006/main">
   <p:cSld>
     <p:spTree>
@@ -6420,7 +4972,7 @@
             <a:fld id="{5FE53467-384A-8A48-BFCB-FC70BCC81C81}" type="slidenum">
               <a:rPr lang="de-CH" smtClean="0"/>
               <a:pPr/>
-              <a:t>5</a:t>
+              <a:t>4</a:t>
             </a:fld>
             <a:endParaRPr lang="de-CH" dirty="0"/>
           </a:p>
@@ -6459,7 +5011,7 @@
           <a:effectLst/>
           <a:extLst>
             <a:ext uri="{AF507438-7753-43e0-B8FC-AC1667EBCBE1}">
-              <a14:hiddenEffects xmlns:a14="http://schemas.microsoft.com/office/drawing/2010/main" xmlns="">
+              <a14:hiddenEffects xmlns="" xmlns:a14="http://schemas.microsoft.com/office/drawing/2010/main">
                 <a:effectLst>
                   <a:outerShdw blurRad="63500" dist="35921" dir="2700000" algn="ctr" rotWithShape="0">
                     <a:schemeClr val="bg2"/>
@@ -6541,7 +5093,7 @@
           <a:effectLst/>
           <a:extLst>
             <a:ext uri="{AF507438-7753-43e0-B8FC-AC1667EBCBE1}">
-              <a14:hiddenEffects xmlns:a14="http://schemas.microsoft.com/office/drawing/2010/main" xmlns="">
+              <a14:hiddenEffects xmlns="" xmlns:a14="http://schemas.microsoft.com/office/drawing/2010/main">
                 <a:effectLst>
                   <a:outerShdw blurRad="63500" dist="35921" dir="2700000" algn="ctr" rotWithShape="0">
                     <a:schemeClr val="bg2"/>
@@ -6623,7 +5175,7 @@
           <a:effectLst/>
           <a:extLst>
             <a:ext uri="{AF507438-7753-43e0-B8FC-AC1667EBCBE1}">
-              <a14:hiddenEffects xmlns:a14="http://schemas.microsoft.com/office/drawing/2010/main" xmlns="">
+              <a14:hiddenEffects xmlns="" xmlns:a14="http://schemas.microsoft.com/office/drawing/2010/main">
                 <a:effectLst>
                   <a:outerShdw blurRad="63500" dist="35921" dir="2700000" algn="ctr" rotWithShape="0">
                     <a:schemeClr val="bg2"/>
@@ -6705,7 +5257,7 @@
           <a:effectLst/>
           <a:extLst>
             <a:ext uri="{AF507438-7753-43e0-B8FC-AC1667EBCBE1}">
-              <a14:hiddenEffects xmlns:a14="http://schemas.microsoft.com/office/drawing/2010/main" xmlns="">
+              <a14:hiddenEffects xmlns="" xmlns:a14="http://schemas.microsoft.com/office/drawing/2010/main">
                 <a:effectLst>
                   <a:outerShdw blurRad="63500" dist="35921" dir="2700000" algn="ctr" rotWithShape="0">
                     <a:schemeClr val="bg2"/>
@@ -6787,7 +5339,7 @@
           <a:effectLst/>
           <a:extLst>
             <a:ext uri="{AF507438-7753-43e0-B8FC-AC1667EBCBE1}">
-              <a14:hiddenEffects xmlns:a14="http://schemas.microsoft.com/office/drawing/2010/main" xmlns="">
+              <a14:hiddenEffects xmlns="" xmlns:a14="http://schemas.microsoft.com/office/drawing/2010/main">
                 <a:effectLst>
                   <a:outerShdw blurRad="63500" dist="35921" dir="2700000" algn="ctr" rotWithShape="0">
                     <a:schemeClr val="bg2"/>
@@ -6869,7 +5421,7 @@
           <a:effectLst/>
           <a:extLst>
             <a:ext uri="{AF507438-7753-43e0-B8FC-AC1667EBCBE1}">
-              <a14:hiddenEffects xmlns:a14="http://schemas.microsoft.com/office/drawing/2010/main" xmlns="">
+              <a14:hiddenEffects xmlns="" xmlns:a14="http://schemas.microsoft.com/office/drawing/2010/main">
                 <a:effectLst>
                   <a:outerShdw blurRad="63500" dist="35921" dir="2700000" algn="ctr" rotWithShape="0">
                     <a:schemeClr val="bg2"/>
@@ -7436,7 +5988,7 @@
 </p:sld>
 </file>
 
-<file path=ppt/slides/slide6.xml><?xml version="1.0" encoding="utf-8"?>
+<file path=ppt/slides/slide5.xml><?xml version="1.0" encoding="utf-8"?>
 <p:sld xmlns:a="http://schemas.openxmlformats.org/drawingml/2006/main" xmlns:r="http://schemas.openxmlformats.org/officeDocument/2006/relationships" xmlns:p="http://schemas.openxmlformats.org/presentationml/2006/main">
   <p:cSld>
     <p:spTree>
@@ -7592,7 +6144,7 @@
             <a:fld id="{5FE53467-384A-8A48-BFCB-FC70BCC81C81}" type="slidenum">
               <a:rPr lang="de-CH" smtClean="0"/>
               <a:pPr/>
-              <a:t>6</a:t>
+              <a:t>5</a:t>
             </a:fld>
             <a:endParaRPr lang="de-CH" dirty="0"/>
           </a:p>
@@ -7763,7 +6315,7 @@
 </p:sld>
 </file>
 
-<file path=ppt/slides/slide7.xml><?xml version="1.0" encoding="utf-8"?>
+<file path=ppt/slides/slide6.xml><?xml version="1.0" encoding="utf-8"?>
 <p:sld xmlns:a="http://schemas.openxmlformats.org/drawingml/2006/main" xmlns:r="http://schemas.openxmlformats.org/officeDocument/2006/relationships" xmlns:p="http://schemas.openxmlformats.org/presentationml/2006/main">
   <p:cSld>
     <p:spTree>
@@ -7782,59 +6334,6 @@
       </p:grpSpPr>
       <p:sp>
         <p:nvSpPr>
-          <p:cNvPr id="10242" name="Rectangle 2"/>
-          <p:cNvSpPr>
-            <a:spLocks noGrp="1" noChangeArrowheads="1"/>
-          </p:cNvSpPr>
-          <p:nvPr>
-            <p:ph type="title"/>
-          </p:nvPr>
-        </p:nvSpPr>
-        <p:spPr/>
-        <p:txBody>
-          <a:bodyPr/>
-          <a:lstStyle/>
-          <a:p>
-            <a:r>
-              <a:rPr lang="de-CH" dirty="0" err="1"/>
-              <a:t>Algorithms</a:t>
-            </a:r>
-            <a:endParaRPr lang="de-CH" dirty="0"/>
-          </a:p>
-        </p:txBody>
-      </p:sp>
-    </p:spTree>
-    <p:extLst>
-      <p:ext uri="{BB962C8B-B14F-4D97-AF65-F5344CB8AC3E}">
-        <p14:creationId xmlns:p14="http://schemas.microsoft.com/office/powerpoint/2010/main" val="2146853717"/>
-      </p:ext>
-    </p:extLst>
-  </p:cSld>
-  <p:clrMapOvr>
-    <a:masterClrMapping/>
-  </p:clrMapOvr>
-</p:sld>
-</file>
-
-<file path=ppt/slides/slide8.xml><?xml version="1.0" encoding="utf-8"?>
-<p:sld xmlns:a="http://schemas.openxmlformats.org/drawingml/2006/main" xmlns:r="http://schemas.openxmlformats.org/officeDocument/2006/relationships" xmlns:p="http://schemas.openxmlformats.org/presentationml/2006/main">
-  <p:cSld>
-    <p:spTree>
-      <p:nvGrpSpPr>
-        <p:cNvPr id="1" name=""/>
-        <p:cNvGrpSpPr/>
-        <p:nvPr/>
-      </p:nvGrpSpPr>
-      <p:grpSpPr>
-        <a:xfrm>
-          <a:off x="0" y="0"/>
-          <a:ext cx="0" cy="0"/>
-          <a:chOff x="0" y="0"/>
-          <a:chExt cx="0" cy="0"/>
-        </a:xfrm>
-      </p:grpSpPr>
-      <p:sp>
-        <p:nvSpPr>
           <p:cNvPr id="7170" name="Rectangle 2"/>
           <p:cNvSpPr>
             <a:spLocks noGrp="1" noChangeArrowheads="1"/>
@@ -7845,7 +6344,7 @@
         </p:nvSpPr>
         <p:spPr>
           <a:xfrm>
-            <a:off x="911225" y="1290545"/>
+            <a:off x="911225" y="1292048"/>
             <a:ext cx="10369550" cy="792434"/>
           </a:xfrm>
         </p:spPr>
@@ -7968,7 +6467,7 @@
             <a:fld id="{5FE53467-384A-8A48-BFCB-FC70BCC81C81}" type="slidenum">
               <a:rPr lang="de-CH" smtClean="0"/>
               <a:pPr/>
-              <a:t>8</a:t>
+              <a:t>6</a:t>
             </a:fld>
             <a:endParaRPr lang="de-CH" dirty="0"/>
           </a:p>
@@ -8926,7 +7425,7 @@
 </p:sld>
 </file>
 
-<file path=ppt/slides/slide9.xml><?xml version="1.0" encoding="utf-8"?>
+<file path=ppt/slides/slide7.xml><?xml version="1.0" encoding="utf-8"?>
 <p:sld xmlns:a="http://schemas.openxmlformats.org/drawingml/2006/main" xmlns:r="http://schemas.openxmlformats.org/officeDocument/2006/relationships" xmlns:p="http://schemas.openxmlformats.org/presentationml/2006/main">
   <p:cSld>
     <p:spTree>
@@ -8996,7 +7495,7 @@
             <p:ph idx="1"/>
             <p:extLst>
               <p:ext uri="{D42A27DB-BD31-4B8C-83A1-F6EECF244321}">
-                <p14:modId xmlns:p14="http://schemas.microsoft.com/office/powerpoint/2010/main" val="4263618065"/>
+                <p14:modId xmlns:p14="http://schemas.microsoft.com/office/powerpoint/2010/main" val="3845184172"/>
               </p:ext>
             </p:extLst>
           </p:nvPr>
@@ -9156,7 +7655,7 @@
                     <a:p>
                       <a:r>
                         <a:rPr lang="de-CH" dirty="0"/>
-                        <a:t>56.60%</a:t>
+                        <a:t>57.58%</a:t>
                       </a:r>
                     </a:p>
                   </a:txBody>
@@ -9337,7 +7836,7 @@
             <a:fld id="{1C5791B1-6579-0B4D-B06F-613121D36EDE}" type="slidenum">
               <a:rPr lang="de-CH" smtClean="0"/>
               <a:pPr/>
-              <a:t>9</a:t>
+              <a:t>7</a:t>
             </a:fld>
             <a:endParaRPr lang="de-CH" dirty="0"/>
           </a:p>
@@ -9347,6 +7846,1400 @@
     <p:extLst>
       <p:ext uri="{BB962C8B-B14F-4D97-AF65-F5344CB8AC3E}">
         <p14:creationId xmlns:p14="http://schemas.microsoft.com/office/powerpoint/2010/main" val="2482185174"/>
+      </p:ext>
+    </p:extLst>
+  </p:cSld>
+  <p:clrMapOvr>
+    <a:masterClrMapping/>
+  </p:clrMapOvr>
+</p:sld>
+</file>
+
+<file path=ppt/slides/slide8.xml><?xml version="1.0" encoding="utf-8"?>
+<p:sld xmlns:a="http://schemas.openxmlformats.org/drawingml/2006/main" xmlns:r="http://schemas.openxmlformats.org/officeDocument/2006/relationships" xmlns:p="http://schemas.openxmlformats.org/presentationml/2006/main">
+  <p:cSld>
+    <p:spTree>
+      <p:nvGrpSpPr>
+        <p:cNvPr id="1" name=""/>
+        <p:cNvGrpSpPr/>
+        <p:nvPr/>
+      </p:nvGrpSpPr>
+      <p:grpSpPr>
+        <a:xfrm>
+          <a:off x="0" y="0"/>
+          <a:ext cx="0" cy="0"/>
+          <a:chOff x="0" y="0"/>
+          <a:chExt cx="0" cy="0"/>
+        </a:xfrm>
+      </p:grpSpPr>
+      <p:sp>
+        <p:nvSpPr>
+          <p:cNvPr id="2" name="Titel 1">
+            <a:extLst>
+              <a:ext uri="{FF2B5EF4-FFF2-40B4-BE49-F238E27FC236}">
+                <a16:creationId xmlns:a16="http://schemas.microsoft.com/office/drawing/2014/main" id="{0E8DCC53-A800-4C7D-BEFE-217FFF210C1A}"/>
+              </a:ext>
+            </a:extLst>
+          </p:cNvPr>
+          <p:cNvSpPr>
+            <a:spLocks noGrp="1"/>
+          </p:cNvSpPr>
+          <p:nvPr>
+            <p:ph type="title"/>
+          </p:nvPr>
+        </p:nvSpPr>
+        <p:spPr/>
+        <p:txBody>
+          <a:bodyPr/>
+          <a:lstStyle/>
+          <a:p>
+            <a:r>
+              <a:rPr lang="de-CH" dirty="0" err="1"/>
+              <a:t>Conclusion</a:t>
+            </a:r>
+            <a:endParaRPr lang="de-CH" dirty="0"/>
+          </a:p>
+        </p:txBody>
+      </p:sp>
+      <p:sp>
+        <p:nvSpPr>
+          <p:cNvPr id="3" name="Datumsplatzhalter 2">
+            <a:extLst>
+              <a:ext uri="{FF2B5EF4-FFF2-40B4-BE49-F238E27FC236}">
+                <a16:creationId xmlns:a16="http://schemas.microsoft.com/office/drawing/2014/main" id="{7D9A2597-73C4-4708-B873-8AAA402E9C0E}"/>
+              </a:ext>
+            </a:extLst>
+          </p:cNvPr>
+          <p:cNvSpPr>
+            <a:spLocks noGrp="1"/>
+          </p:cNvSpPr>
+          <p:nvPr>
+            <p:ph type="dt" sz="half" idx="10"/>
+          </p:nvPr>
+        </p:nvSpPr>
+        <p:spPr/>
+        <p:txBody>
+          <a:bodyPr/>
+          <a:lstStyle/>
+          <a:p>
+            <a:r>
+              <a:rPr lang="de-CH"/>
+              <a:t>27.04.2021</a:t>
+            </a:r>
+            <a:endParaRPr lang="de-CH" dirty="0"/>
+          </a:p>
+        </p:txBody>
+      </p:sp>
+      <p:sp>
+        <p:nvSpPr>
+          <p:cNvPr id="4" name="Fußzeilenplatzhalter 3">
+            <a:extLst>
+              <a:ext uri="{FF2B5EF4-FFF2-40B4-BE49-F238E27FC236}">
+                <a16:creationId xmlns:a16="http://schemas.microsoft.com/office/drawing/2014/main" id="{7358AE0B-604E-49CF-874A-07A915B95D5C}"/>
+              </a:ext>
+            </a:extLst>
+          </p:cNvPr>
+          <p:cNvSpPr>
+            <a:spLocks noGrp="1"/>
+          </p:cNvSpPr>
+          <p:nvPr>
+            <p:ph type="ftr" sz="quarter" idx="11"/>
+          </p:nvPr>
+        </p:nvSpPr>
+        <p:spPr/>
+        <p:txBody>
+          <a:bodyPr/>
+          <a:lstStyle/>
+          <a:p>
+            <a:r>
+              <a:rPr lang="de-CH" dirty="0"/>
+              <a:t>Gruppenarbeit: Vorhersage einer «</a:t>
+            </a:r>
+            <a:r>
+              <a:rPr lang="de-CH" dirty="0" err="1"/>
+              <a:t>buy</a:t>
+            </a:r>
+            <a:r>
+              <a:rPr lang="de-CH" dirty="0"/>
+              <a:t>, hold, </a:t>
+            </a:r>
+            <a:r>
+              <a:rPr lang="de-CH" dirty="0" err="1"/>
+              <a:t>sell</a:t>
+            </a:r>
+            <a:r>
+              <a:rPr lang="de-CH" dirty="0"/>
+              <a:t>» - Strategie – Gruppe 1</a:t>
+            </a:r>
+          </a:p>
+        </p:txBody>
+      </p:sp>
+      <p:sp>
+        <p:nvSpPr>
+          <p:cNvPr id="5" name="Foliennummernplatzhalter 4">
+            <a:extLst>
+              <a:ext uri="{FF2B5EF4-FFF2-40B4-BE49-F238E27FC236}">
+                <a16:creationId xmlns:a16="http://schemas.microsoft.com/office/drawing/2014/main" id="{94F86BF3-A3A7-43A9-883B-D1BECDCD544C}"/>
+              </a:ext>
+            </a:extLst>
+          </p:cNvPr>
+          <p:cNvSpPr>
+            <a:spLocks noGrp="1"/>
+          </p:cNvSpPr>
+          <p:nvPr>
+            <p:ph type="sldNum" sz="quarter" idx="12"/>
+          </p:nvPr>
+        </p:nvSpPr>
+        <p:spPr/>
+        <p:txBody>
+          <a:bodyPr/>
+          <a:lstStyle/>
+          <a:p>
+            <a:r>
+              <a:rPr lang="de-CH"/>
+              <a:t>Seite </a:t>
+            </a:r>
+            <a:fld id="{25BB1AB0-9216-5944-841B-2A7418D2F24D}" type="slidenum">
+              <a:rPr lang="de-CH" smtClean="0"/>
+              <a:pPr/>
+              <a:t>8</a:t>
+            </a:fld>
+            <a:endParaRPr lang="de-CH" dirty="0"/>
+          </a:p>
+        </p:txBody>
+      </p:sp>
+      <p:sp>
+        <p:nvSpPr>
+          <p:cNvPr id="7" name="Rechteck 6">
+            <a:extLst>
+              <a:ext uri="{FF2B5EF4-FFF2-40B4-BE49-F238E27FC236}">
+                <a16:creationId xmlns:a16="http://schemas.microsoft.com/office/drawing/2014/main" id="{EDF865DB-90AA-4537-B3D9-C0421D412ED5}"/>
+              </a:ext>
+            </a:extLst>
+          </p:cNvPr>
+          <p:cNvSpPr/>
+          <p:nvPr/>
+        </p:nvSpPr>
+        <p:spPr>
+          <a:xfrm>
+            <a:off x="911225" y="2276872"/>
+            <a:ext cx="10369550" cy="3754874"/>
+          </a:xfrm>
+          <a:prstGeom prst="rect">
+            <a:avLst/>
+          </a:prstGeom>
+        </p:spPr>
+        <p:txBody>
+          <a:bodyPr wrap="square">
+            <a:spAutoFit/>
+          </a:bodyPr>
+          <a:lstStyle/>
+          <a:p>
+            <a:pPr marL="285750" indent="-285750">
+              <a:buFontTx/>
+              <a:buChar char="-"/>
+            </a:pPr>
+            <a:r>
+              <a:rPr lang="de-CH" sz="1400" dirty="0"/>
+              <a:t>At </a:t>
+            </a:r>
+            <a:r>
+              <a:rPr lang="de-CH" sz="1400" dirty="0" err="1"/>
+              <a:t>first</a:t>
+            </a:r>
+            <a:r>
+              <a:rPr lang="de-CH" sz="1400" dirty="0"/>
+              <a:t>, </a:t>
+            </a:r>
+            <a:r>
+              <a:rPr lang="de-CH" sz="1400" dirty="0" err="1"/>
+              <a:t>we</a:t>
+            </a:r>
+            <a:r>
+              <a:rPr lang="de-CH" sz="1400" dirty="0"/>
+              <a:t> </a:t>
+            </a:r>
+            <a:r>
+              <a:rPr lang="de-CH" sz="1400" dirty="0" err="1"/>
+              <a:t>asked</a:t>
+            </a:r>
+            <a:r>
+              <a:rPr lang="de-CH" sz="1400" dirty="0"/>
+              <a:t> </a:t>
+            </a:r>
+            <a:r>
+              <a:rPr lang="de-CH" sz="1400" dirty="0" err="1"/>
+              <a:t>ourselve</a:t>
+            </a:r>
+            <a:r>
+              <a:rPr lang="de-CH" sz="1400" dirty="0"/>
+              <a:t> </a:t>
+            </a:r>
+            <a:r>
+              <a:rPr lang="de-CH" sz="1400" dirty="0" err="1"/>
+              <a:t>what</a:t>
+            </a:r>
+            <a:r>
+              <a:rPr lang="de-CH" sz="1400" dirty="0"/>
+              <a:t> </a:t>
+            </a:r>
+            <a:r>
+              <a:rPr lang="de-CH" sz="1400" dirty="0" err="1"/>
+              <a:t>accuracy</a:t>
+            </a:r>
+            <a:r>
+              <a:rPr lang="de-CH" sz="1400" dirty="0"/>
+              <a:t> score </a:t>
+            </a:r>
+            <a:r>
+              <a:rPr lang="de-CH" sz="1400" dirty="0" err="1"/>
+              <a:t>we</a:t>
+            </a:r>
+            <a:r>
+              <a:rPr lang="de-CH" sz="1400" dirty="0"/>
+              <a:t> </a:t>
+            </a:r>
+            <a:r>
+              <a:rPr lang="de-CH" sz="1400" dirty="0" err="1"/>
+              <a:t>would</a:t>
+            </a:r>
+            <a:r>
+              <a:rPr lang="de-CH" sz="1400" dirty="0"/>
+              <a:t> </a:t>
+            </a:r>
+            <a:r>
+              <a:rPr lang="de-CH" sz="1400" dirty="0" err="1"/>
+              <a:t>be</a:t>
+            </a:r>
+            <a:r>
+              <a:rPr lang="de-CH" sz="1400" dirty="0"/>
+              <a:t> </a:t>
+            </a:r>
+            <a:r>
+              <a:rPr lang="de-CH" sz="1400" dirty="0" err="1"/>
+              <a:t>aiming</a:t>
+            </a:r>
+            <a:r>
+              <a:rPr lang="de-CH" sz="1400" dirty="0"/>
+              <a:t> </a:t>
+            </a:r>
+            <a:r>
+              <a:rPr lang="de-CH" sz="1400" dirty="0" err="1"/>
+              <a:t>for</a:t>
+            </a:r>
+            <a:r>
+              <a:rPr lang="de-CH" sz="1400" dirty="0"/>
+              <a:t> </a:t>
+            </a:r>
+            <a:r>
+              <a:rPr lang="de-CH" sz="1400" dirty="0">
+                <a:sym typeface="Wingdings" panose="05000000000000000000" pitchFamily="2" charset="2"/>
+              </a:rPr>
+              <a:t> 65-75%</a:t>
+            </a:r>
+          </a:p>
+          <a:p>
+            <a:pPr marL="285750" indent="-285750">
+              <a:buFontTx/>
+              <a:buChar char="-"/>
+            </a:pPr>
+            <a:endParaRPr lang="de-CH" sz="1400" dirty="0">
+              <a:sym typeface="Wingdings" panose="05000000000000000000" pitchFamily="2" charset="2"/>
+            </a:endParaRPr>
+          </a:p>
+          <a:p>
+            <a:pPr marL="285750" indent="-285750">
+              <a:buFontTx/>
+              <a:buChar char="-"/>
+            </a:pPr>
+            <a:r>
+              <a:rPr lang="de-CH" sz="1400" dirty="0">
+                <a:sym typeface="Wingdings" panose="05000000000000000000" pitchFamily="2" charset="2"/>
+              </a:rPr>
+              <a:t>Just </a:t>
+            </a:r>
+            <a:r>
+              <a:rPr lang="de-CH" sz="1400" dirty="0" err="1">
+                <a:sym typeface="Wingdings" panose="05000000000000000000" pitchFamily="2" charset="2"/>
+              </a:rPr>
+              <a:t>predicting</a:t>
+            </a:r>
+            <a:r>
+              <a:rPr lang="de-CH" sz="1400" dirty="0">
+                <a:sym typeface="Wingdings" panose="05000000000000000000" pitchFamily="2" charset="2"/>
+              </a:rPr>
+              <a:t> «</a:t>
+            </a:r>
+            <a:r>
+              <a:rPr lang="de-CH" sz="1400" dirty="0" err="1">
+                <a:sym typeface="Wingdings" panose="05000000000000000000" pitchFamily="2" charset="2"/>
+              </a:rPr>
+              <a:t>sell</a:t>
+            </a:r>
+            <a:r>
+              <a:rPr lang="de-CH" sz="1400" dirty="0">
+                <a:sym typeface="Wingdings" panose="05000000000000000000" pitchFamily="2" charset="2"/>
+              </a:rPr>
+              <a:t>» </a:t>
+            </a:r>
+            <a:r>
+              <a:rPr lang="de-CH" sz="1400" dirty="0" err="1">
+                <a:sym typeface="Wingdings" panose="05000000000000000000" pitchFamily="2" charset="2"/>
+              </a:rPr>
+              <a:t>would</a:t>
+            </a:r>
+            <a:r>
+              <a:rPr lang="de-CH" sz="1400" dirty="0">
+                <a:sym typeface="Wingdings" panose="05000000000000000000" pitchFamily="2" charset="2"/>
+              </a:rPr>
+              <a:t> </a:t>
+            </a:r>
+            <a:r>
+              <a:rPr lang="de-CH" sz="1400" dirty="0" err="1">
+                <a:sym typeface="Wingdings" panose="05000000000000000000" pitchFamily="2" charset="2"/>
+              </a:rPr>
+              <a:t>have</a:t>
+            </a:r>
+            <a:r>
+              <a:rPr lang="de-CH" sz="1400" dirty="0">
+                <a:sym typeface="Wingdings" panose="05000000000000000000" pitchFamily="2" charset="2"/>
+              </a:rPr>
+              <a:t> </a:t>
+            </a:r>
+            <a:r>
+              <a:rPr lang="de-CH" sz="1400" dirty="0" err="1">
+                <a:sym typeface="Wingdings" panose="05000000000000000000" pitchFamily="2" charset="2"/>
+              </a:rPr>
+              <a:t>resulted</a:t>
+            </a:r>
+            <a:r>
+              <a:rPr lang="de-CH" sz="1400" dirty="0">
+                <a:sym typeface="Wingdings" panose="05000000000000000000" pitchFamily="2" charset="2"/>
+              </a:rPr>
+              <a:t> in a score </a:t>
+            </a:r>
+            <a:r>
+              <a:rPr lang="de-CH" sz="1400" dirty="0" err="1">
+                <a:sym typeface="Wingdings" panose="05000000000000000000" pitchFamily="2" charset="2"/>
+              </a:rPr>
+              <a:t>of</a:t>
+            </a:r>
+            <a:r>
+              <a:rPr lang="de-CH" sz="1400" dirty="0">
+                <a:sym typeface="Wingdings" panose="05000000000000000000" pitchFamily="2" charset="2"/>
+              </a:rPr>
+              <a:t> 53%  </a:t>
+            </a:r>
+            <a:r>
+              <a:rPr lang="de-CH" sz="1400" dirty="0" err="1">
+                <a:sym typeface="Wingdings" panose="05000000000000000000" pitchFamily="2" charset="2"/>
+              </a:rPr>
+              <a:t>we</a:t>
+            </a:r>
+            <a:r>
+              <a:rPr lang="de-CH" sz="1400" dirty="0">
+                <a:sym typeface="Wingdings" panose="05000000000000000000" pitchFamily="2" charset="2"/>
+              </a:rPr>
+              <a:t> </a:t>
+            </a:r>
+            <a:r>
+              <a:rPr lang="de-CH" sz="1400" dirty="0" err="1">
+                <a:sym typeface="Wingdings" panose="05000000000000000000" pitchFamily="2" charset="2"/>
+              </a:rPr>
+              <a:t>managed</a:t>
+            </a:r>
+            <a:r>
+              <a:rPr lang="de-CH" sz="1400" dirty="0">
+                <a:sym typeface="Wingdings" panose="05000000000000000000" pitchFamily="2" charset="2"/>
+              </a:rPr>
+              <a:t> </a:t>
+            </a:r>
+            <a:r>
+              <a:rPr lang="de-CH" sz="1400" dirty="0" err="1">
+                <a:sym typeface="Wingdings" panose="05000000000000000000" pitchFamily="2" charset="2"/>
+              </a:rPr>
+              <a:t>to</a:t>
+            </a:r>
+            <a:r>
+              <a:rPr lang="de-CH" sz="1400" dirty="0">
+                <a:sym typeface="Wingdings" panose="05000000000000000000" pitchFamily="2" charset="2"/>
+              </a:rPr>
+              <a:t> push </a:t>
+            </a:r>
+            <a:r>
+              <a:rPr lang="de-CH" sz="1400" dirty="0" err="1">
+                <a:sym typeface="Wingdings" panose="05000000000000000000" pitchFamily="2" charset="2"/>
+              </a:rPr>
+              <a:t>the</a:t>
+            </a:r>
+            <a:r>
+              <a:rPr lang="de-CH" sz="1400" dirty="0">
+                <a:sym typeface="Wingdings" panose="05000000000000000000" pitchFamily="2" charset="2"/>
+              </a:rPr>
+              <a:t> score </a:t>
+            </a:r>
+            <a:r>
+              <a:rPr lang="de-CH" sz="1400" dirty="0" err="1">
+                <a:sym typeface="Wingdings" panose="05000000000000000000" pitchFamily="2" charset="2"/>
+              </a:rPr>
+              <a:t>up</a:t>
+            </a:r>
+            <a:r>
+              <a:rPr lang="de-CH" sz="1400" dirty="0">
+                <a:sym typeface="Wingdings" panose="05000000000000000000" pitchFamily="2" charset="2"/>
+              </a:rPr>
+              <a:t> </a:t>
+            </a:r>
+            <a:r>
+              <a:rPr lang="de-CH" sz="1400" dirty="0" err="1">
+                <a:sym typeface="Wingdings" panose="05000000000000000000" pitchFamily="2" charset="2"/>
+              </a:rPr>
+              <a:t>by</a:t>
+            </a:r>
+            <a:r>
+              <a:rPr lang="de-CH" sz="1400" dirty="0">
+                <a:sym typeface="Wingdings" panose="05000000000000000000" pitchFamily="2" charset="2"/>
+              </a:rPr>
+              <a:t> </a:t>
+            </a:r>
+            <a:r>
+              <a:rPr lang="de-CH" sz="1400" dirty="0" err="1">
+                <a:sym typeface="Wingdings" panose="05000000000000000000" pitchFamily="2" charset="2"/>
+              </a:rPr>
+              <a:t>prediting</a:t>
+            </a:r>
+            <a:r>
+              <a:rPr lang="de-CH" sz="1400" dirty="0">
+                <a:sym typeface="Wingdings" panose="05000000000000000000" pitchFamily="2" charset="2"/>
+              </a:rPr>
+              <a:t> «</a:t>
+            </a:r>
+            <a:r>
+              <a:rPr lang="de-CH" sz="1400" dirty="0" err="1">
+                <a:sym typeface="Wingdings" panose="05000000000000000000" pitchFamily="2" charset="2"/>
+              </a:rPr>
+              <a:t>buy</a:t>
+            </a:r>
+            <a:r>
+              <a:rPr lang="de-CH" sz="1400" dirty="0">
+                <a:sym typeface="Wingdings" panose="05000000000000000000" pitchFamily="2" charset="2"/>
+              </a:rPr>
+              <a:t>» and «hold» in an </a:t>
+            </a:r>
+            <a:r>
+              <a:rPr lang="de-CH" sz="1400" dirty="0" err="1">
+                <a:sym typeface="Wingdings" panose="05000000000000000000" pitchFamily="2" charset="2"/>
+              </a:rPr>
+              <a:t>acceptable</a:t>
+            </a:r>
+            <a:r>
+              <a:rPr lang="de-CH" sz="1400" dirty="0">
+                <a:sym typeface="Wingdings" panose="05000000000000000000" pitchFamily="2" charset="2"/>
+              </a:rPr>
+              <a:t> </a:t>
+            </a:r>
+            <a:r>
+              <a:rPr lang="de-CH" sz="1400" dirty="0" err="1">
+                <a:sym typeface="Wingdings" panose="05000000000000000000" pitchFamily="2" charset="2"/>
+              </a:rPr>
+              <a:t>manner</a:t>
+            </a:r>
+            <a:endParaRPr lang="de-CH" sz="1400" dirty="0">
+              <a:sym typeface="Wingdings" panose="05000000000000000000" pitchFamily="2" charset="2"/>
+            </a:endParaRPr>
+          </a:p>
+          <a:p>
+            <a:pPr marL="285750" indent="-285750">
+              <a:buFontTx/>
+              <a:buChar char="-"/>
+            </a:pPr>
+            <a:endParaRPr lang="de-CH" sz="1400" dirty="0">
+              <a:sym typeface="Wingdings" panose="05000000000000000000" pitchFamily="2" charset="2"/>
+            </a:endParaRPr>
+          </a:p>
+          <a:p>
+            <a:pPr marL="285750" indent="-285750">
+              <a:buFontTx/>
+              <a:buChar char="-"/>
+            </a:pPr>
+            <a:r>
+              <a:rPr lang="de-CH" sz="1400" dirty="0" err="1">
+                <a:sym typeface="Wingdings" panose="05000000000000000000" pitchFamily="2" charset="2"/>
+              </a:rPr>
+              <a:t>We</a:t>
+            </a:r>
+            <a:r>
+              <a:rPr lang="de-CH" sz="1400" dirty="0">
+                <a:sym typeface="Wingdings" panose="05000000000000000000" pitchFamily="2" charset="2"/>
+              </a:rPr>
+              <a:t> </a:t>
+            </a:r>
+            <a:r>
+              <a:rPr lang="de-CH" sz="1400" dirty="0" err="1">
+                <a:sym typeface="Wingdings" panose="05000000000000000000" pitchFamily="2" charset="2"/>
+              </a:rPr>
+              <a:t>are</a:t>
+            </a:r>
+            <a:r>
+              <a:rPr lang="de-CH" sz="1400" dirty="0">
+                <a:sym typeface="Wingdings" panose="05000000000000000000" pitchFamily="2" charset="2"/>
+              </a:rPr>
+              <a:t> </a:t>
+            </a:r>
+            <a:r>
+              <a:rPr lang="de-CH" sz="1400" dirty="0" err="1">
+                <a:sym typeface="Wingdings" panose="05000000000000000000" pitchFamily="2" charset="2"/>
+              </a:rPr>
+              <a:t>convinced</a:t>
+            </a:r>
+            <a:r>
+              <a:rPr lang="de-CH" sz="1400" dirty="0">
+                <a:sym typeface="Wingdings" panose="05000000000000000000" pitchFamily="2" charset="2"/>
+              </a:rPr>
+              <a:t> </a:t>
+            </a:r>
+            <a:r>
+              <a:rPr lang="de-CH" sz="1400" dirty="0" err="1">
+                <a:sym typeface="Wingdings" panose="05000000000000000000" pitchFamily="2" charset="2"/>
+              </a:rPr>
+              <a:t>that</a:t>
+            </a:r>
+            <a:r>
+              <a:rPr lang="de-CH" sz="1400" dirty="0">
+                <a:sym typeface="Wingdings" panose="05000000000000000000" pitchFamily="2" charset="2"/>
+              </a:rPr>
+              <a:t> </a:t>
+            </a:r>
+            <a:r>
+              <a:rPr lang="de-CH" sz="1400" dirty="0" err="1">
+                <a:sym typeface="Wingdings" panose="05000000000000000000" pitchFamily="2" charset="2"/>
+              </a:rPr>
+              <a:t>if</a:t>
+            </a:r>
+            <a:r>
+              <a:rPr lang="de-CH" sz="1400" dirty="0">
+                <a:sym typeface="Wingdings" panose="05000000000000000000" pitchFamily="2" charset="2"/>
+              </a:rPr>
+              <a:t> </a:t>
+            </a:r>
+            <a:r>
+              <a:rPr lang="de-CH" sz="1400" dirty="0" err="1">
+                <a:sym typeface="Wingdings" panose="05000000000000000000" pitchFamily="2" charset="2"/>
+              </a:rPr>
+              <a:t>we</a:t>
+            </a:r>
+            <a:r>
+              <a:rPr lang="de-CH" sz="1400" dirty="0">
+                <a:sym typeface="Wingdings" panose="05000000000000000000" pitchFamily="2" charset="2"/>
+              </a:rPr>
+              <a:t> </a:t>
+            </a:r>
+            <a:r>
+              <a:rPr lang="de-CH" sz="1400" dirty="0" err="1">
+                <a:sym typeface="Wingdings" panose="05000000000000000000" pitchFamily="2" charset="2"/>
+              </a:rPr>
+              <a:t>woud</a:t>
+            </a:r>
+            <a:r>
+              <a:rPr lang="de-CH" sz="1400" dirty="0">
+                <a:sym typeface="Wingdings" panose="05000000000000000000" pitchFamily="2" charset="2"/>
+              </a:rPr>
+              <a:t> </a:t>
+            </a:r>
+            <a:r>
+              <a:rPr lang="de-CH" sz="1400" dirty="0" err="1">
+                <a:sym typeface="Wingdings" panose="05000000000000000000" pitchFamily="2" charset="2"/>
+              </a:rPr>
+              <a:t>get</a:t>
+            </a:r>
+            <a:r>
+              <a:rPr lang="de-CH" sz="1400" dirty="0">
+                <a:sym typeface="Wingdings" panose="05000000000000000000" pitchFamily="2" charset="2"/>
+              </a:rPr>
+              <a:t> real </a:t>
+            </a:r>
+            <a:r>
+              <a:rPr lang="de-CH" sz="1400" dirty="0" err="1">
+                <a:sym typeface="Wingdings" panose="05000000000000000000" pitchFamily="2" charset="2"/>
+              </a:rPr>
+              <a:t>world</a:t>
+            </a:r>
+            <a:r>
+              <a:rPr lang="de-CH" sz="1400" dirty="0">
+                <a:sym typeface="Wingdings" panose="05000000000000000000" pitchFamily="2" charset="2"/>
+              </a:rPr>
+              <a:t> </a:t>
+            </a:r>
+            <a:r>
+              <a:rPr lang="de-CH" sz="1400" dirty="0" err="1">
+                <a:sym typeface="Wingdings" panose="05000000000000000000" pitchFamily="2" charset="2"/>
+              </a:rPr>
+              <a:t>data</a:t>
+            </a:r>
+            <a:r>
+              <a:rPr lang="de-CH" sz="1400" dirty="0">
+                <a:sym typeface="Wingdings" panose="05000000000000000000" pitchFamily="2" charset="2"/>
+              </a:rPr>
+              <a:t> </a:t>
+            </a:r>
+            <a:r>
+              <a:rPr lang="de-CH" sz="1400" dirty="0" err="1">
+                <a:sym typeface="Wingdings" panose="05000000000000000000" pitchFamily="2" charset="2"/>
+              </a:rPr>
+              <a:t>we</a:t>
+            </a:r>
+            <a:r>
+              <a:rPr lang="de-CH" sz="1400" dirty="0">
+                <a:sym typeface="Wingdings" panose="05000000000000000000" pitchFamily="2" charset="2"/>
+              </a:rPr>
+              <a:t> </a:t>
+            </a:r>
+            <a:r>
+              <a:rPr lang="de-CH" sz="1400" dirty="0" err="1">
+                <a:sym typeface="Wingdings" panose="05000000000000000000" pitchFamily="2" charset="2"/>
+              </a:rPr>
+              <a:t>would</a:t>
+            </a:r>
+            <a:r>
+              <a:rPr lang="de-CH" sz="1400" dirty="0">
+                <a:sym typeface="Wingdings" panose="05000000000000000000" pitchFamily="2" charset="2"/>
+              </a:rPr>
+              <a:t> </a:t>
+            </a:r>
+            <a:r>
+              <a:rPr lang="de-CH" sz="1400" dirty="0" err="1">
+                <a:sym typeface="Wingdings" panose="05000000000000000000" pitchFamily="2" charset="2"/>
+              </a:rPr>
+              <a:t>achieve</a:t>
+            </a:r>
+            <a:r>
+              <a:rPr lang="de-CH" sz="1400" dirty="0">
+                <a:sym typeface="Wingdings" panose="05000000000000000000" pitchFamily="2" charset="2"/>
+              </a:rPr>
+              <a:t> </a:t>
+            </a:r>
+            <a:r>
+              <a:rPr lang="de-CH" sz="1400" dirty="0" err="1">
+                <a:sym typeface="Wingdings" panose="05000000000000000000" pitchFamily="2" charset="2"/>
+              </a:rPr>
+              <a:t>similar</a:t>
+            </a:r>
+            <a:r>
+              <a:rPr lang="de-CH" sz="1400" dirty="0">
+                <a:sym typeface="Wingdings" panose="05000000000000000000" pitchFamily="2" charset="2"/>
+              </a:rPr>
+              <a:t> </a:t>
+            </a:r>
+            <a:r>
+              <a:rPr lang="de-CH" sz="1400" dirty="0" err="1">
+                <a:sym typeface="Wingdings" panose="05000000000000000000" pitchFamily="2" charset="2"/>
+              </a:rPr>
+              <a:t>scores</a:t>
+            </a:r>
+            <a:r>
+              <a:rPr lang="de-CH" sz="1400" dirty="0">
+                <a:sym typeface="Wingdings" panose="05000000000000000000" pitchFamily="2" charset="2"/>
+              </a:rPr>
+              <a:t>  </a:t>
+            </a:r>
+            <a:r>
+              <a:rPr lang="de-CH" sz="1400" dirty="0" err="1">
+                <a:sym typeface="Wingdings" panose="05000000000000000000" pitchFamily="2" charset="2"/>
+              </a:rPr>
+              <a:t>we</a:t>
+            </a:r>
+            <a:r>
+              <a:rPr lang="de-CH" sz="1400" dirty="0">
+                <a:sym typeface="Wingdings" panose="05000000000000000000" pitchFamily="2" charset="2"/>
+              </a:rPr>
+              <a:t> </a:t>
+            </a:r>
+            <a:r>
+              <a:rPr lang="de-CH" sz="1400" dirty="0" err="1">
+                <a:sym typeface="Wingdings" panose="05000000000000000000" pitchFamily="2" charset="2"/>
+              </a:rPr>
+              <a:t>didn’t</a:t>
+            </a:r>
+            <a:r>
+              <a:rPr lang="de-CH" sz="1400" dirty="0">
+                <a:sym typeface="Wingdings" panose="05000000000000000000" pitchFamily="2" charset="2"/>
+              </a:rPr>
+              <a:t> </a:t>
+            </a:r>
+            <a:r>
+              <a:rPr lang="de-CH" sz="1400" dirty="0" err="1">
+                <a:sym typeface="Wingdings" panose="05000000000000000000" pitchFamily="2" charset="2"/>
+              </a:rPr>
+              <a:t>artificially</a:t>
+            </a:r>
+            <a:r>
+              <a:rPr lang="de-CH" sz="1400" dirty="0">
+                <a:sym typeface="Wingdings" panose="05000000000000000000" pitchFamily="2" charset="2"/>
+              </a:rPr>
+              <a:t> </a:t>
+            </a:r>
+            <a:r>
+              <a:rPr lang="de-CH" sz="1400" dirty="0" err="1">
+                <a:sym typeface="Wingdings" panose="05000000000000000000" pitchFamily="2" charset="2"/>
+              </a:rPr>
+              <a:t>improve</a:t>
+            </a:r>
+            <a:r>
+              <a:rPr lang="de-CH" sz="1400" dirty="0">
+                <a:sym typeface="Wingdings" panose="05000000000000000000" pitchFamily="2" charset="2"/>
+              </a:rPr>
+              <a:t> </a:t>
+            </a:r>
+            <a:r>
+              <a:rPr lang="de-CH" sz="1400" dirty="0" err="1">
+                <a:sym typeface="Wingdings" panose="05000000000000000000" pitchFamily="2" charset="2"/>
+              </a:rPr>
+              <a:t>our</a:t>
+            </a:r>
+            <a:r>
+              <a:rPr lang="de-CH" sz="1400" dirty="0">
+                <a:sym typeface="Wingdings" panose="05000000000000000000" pitchFamily="2" charset="2"/>
+              </a:rPr>
+              <a:t> </a:t>
+            </a:r>
+            <a:r>
+              <a:rPr lang="de-CH" sz="1400" dirty="0" err="1">
+                <a:sym typeface="Wingdings" panose="05000000000000000000" pitchFamily="2" charset="2"/>
+              </a:rPr>
+              <a:t>test</a:t>
+            </a:r>
+            <a:r>
+              <a:rPr lang="de-CH" sz="1400" dirty="0">
+                <a:sym typeface="Wingdings" panose="05000000000000000000" pitchFamily="2" charset="2"/>
+              </a:rPr>
+              <a:t> score </a:t>
+            </a:r>
+            <a:r>
+              <a:rPr lang="de-CH" sz="1400" dirty="0" err="1">
+                <a:sym typeface="Wingdings" panose="05000000000000000000" pitchFamily="2" charset="2"/>
+              </a:rPr>
+              <a:t>by</a:t>
+            </a:r>
+            <a:r>
+              <a:rPr lang="de-CH" sz="1400" dirty="0">
+                <a:sym typeface="Wingdings" panose="05000000000000000000" pitchFamily="2" charset="2"/>
+              </a:rPr>
+              <a:t> </a:t>
+            </a:r>
+            <a:r>
+              <a:rPr lang="de-CH" sz="1400" dirty="0" err="1">
+                <a:sym typeface="Wingdings" panose="05000000000000000000" pitchFamily="2" charset="2"/>
+              </a:rPr>
+              <a:t>removing</a:t>
+            </a:r>
+            <a:r>
+              <a:rPr lang="de-CH" sz="1400" dirty="0">
+                <a:sym typeface="Wingdings" panose="05000000000000000000" pitchFamily="2" charset="2"/>
+              </a:rPr>
+              <a:t> </a:t>
+            </a:r>
+            <a:r>
+              <a:rPr lang="de-CH" sz="1400" dirty="0" err="1">
+                <a:sym typeface="Wingdings" panose="05000000000000000000" pitchFamily="2" charset="2"/>
+              </a:rPr>
+              <a:t>too</a:t>
+            </a:r>
+            <a:r>
+              <a:rPr lang="de-CH" sz="1400" dirty="0">
+                <a:sym typeface="Wingdings" panose="05000000000000000000" pitchFamily="2" charset="2"/>
+              </a:rPr>
+              <a:t> </a:t>
+            </a:r>
+            <a:r>
+              <a:rPr lang="de-CH" sz="1400" dirty="0" err="1">
+                <a:sym typeface="Wingdings" panose="05000000000000000000" pitchFamily="2" charset="2"/>
+              </a:rPr>
+              <a:t>many</a:t>
+            </a:r>
+            <a:r>
+              <a:rPr lang="de-CH" sz="1400" dirty="0">
+                <a:sym typeface="Wingdings" panose="05000000000000000000" pitchFamily="2" charset="2"/>
+              </a:rPr>
+              <a:t> </a:t>
+            </a:r>
+            <a:r>
+              <a:rPr lang="de-CH" sz="1400" dirty="0" err="1">
+                <a:sym typeface="Wingdings" panose="05000000000000000000" pitchFamily="2" charset="2"/>
+              </a:rPr>
+              <a:t>outliers</a:t>
+            </a:r>
+            <a:endParaRPr lang="de-CH" sz="1400" dirty="0">
+              <a:sym typeface="Wingdings" panose="05000000000000000000" pitchFamily="2" charset="2"/>
+            </a:endParaRPr>
+          </a:p>
+          <a:p>
+            <a:pPr marL="285750" indent="-285750">
+              <a:buFontTx/>
+              <a:buChar char="-"/>
+            </a:pPr>
+            <a:endParaRPr lang="de-CH" sz="1400" dirty="0">
+              <a:sym typeface="Wingdings" panose="05000000000000000000" pitchFamily="2" charset="2"/>
+            </a:endParaRPr>
+          </a:p>
+          <a:p>
+            <a:pPr marL="285750" indent="-285750">
+              <a:buFontTx/>
+              <a:buChar char="-"/>
+            </a:pPr>
+            <a:r>
+              <a:rPr lang="de-CH" sz="1400" dirty="0">
+                <a:sym typeface="Wingdings" panose="05000000000000000000" pitchFamily="2" charset="2"/>
+              </a:rPr>
+              <a:t>More </a:t>
+            </a:r>
+            <a:r>
+              <a:rPr lang="de-CH" sz="1400" dirty="0" err="1">
+                <a:sym typeface="Wingdings" panose="05000000000000000000" pitchFamily="2" charset="2"/>
+              </a:rPr>
+              <a:t>computational</a:t>
+            </a:r>
+            <a:r>
+              <a:rPr lang="de-CH" sz="1400" dirty="0">
+                <a:sym typeface="Wingdings" panose="05000000000000000000" pitchFamily="2" charset="2"/>
+              </a:rPr>
+              <a:t> power </a:t>
+            </a:r>
+            <a:r>
+              <a:rPr lang="de-CH" sz="1400" dirty="0" err="1">
+                <a:sym typeface="Wingdings" panose="05000000000000000000" pitchFamily="2" charset="2"/>
+              </a:rPr>
+              <a:t>would</a:t>
+            </a:r>
+            <a:r>
+              <a:rPr lang="de-CH" sz="1400" dirty="0">
+                <a:sym typeface="Wingdings" panose="05000000000000000000" pitchFamily="2" charset="2"/>
+              </a:rPr>
+              <a:t> </a:t>
+            </a:r>
+            <a:r>
+              <a:rPr lang="de-CH" sz="1400" dirty="0" err="1">
+                <a:sym typeface="Wingdings" panose="05000000000000000000" pitchFamily="2" charset="2"/>
+              </a:rPr>
+              <a:t>be</a:t>
+            </a:r>
+            <a:r>
+              <a:rPr lang="de-CH" sz="1400" dirty="0">
+                <a:sym typeface="Wingdings" panose="05000000000000000000" pitchFamily="2" charset="2"/>
+              </a:rPr>
+              <a:t> </a:t>
+            </a:r>
+            <a:r>
+              <a:rPr lang="de-CH" sz="1400" dirty="0" err="1">
+                <a:sym typeface="Wingdings" panose="05000000000000000000" pitchFamily="2" charset="2"/>
+              </a:rPr>
+              <a:t>useful</a:t>
+            </a:r>
+            <a:r>
+              <a:rPr lang="de-CH" sz="1400" dirty="0">
+                <a:sym typeface="Wingdings" panose="05000000000000000000" pitchFamily="2" charset="2"/>
+              </a:rPr>
+              <a:t> </a:t>
+            </a:r>
+            <a:r>
+              <a:rPr lang="de-CH" sz="1400" dirty="0" err="1">
+                <a:sym typeface="Wingdings" panose="05000000000000000000" pitchFamily="2" charset="2"/>
+              </a:rPr>
+              <a:t>for</a:t>
+            </a:r>
+            <a:r>
+              <a:rPr lang="de-CH" sz="1400" dirty="0">
+                <a:sym typeface="Wingdings" panose="05000000000000000000" pitchFamily="2" charset="2"/>
+              </a:rPr>
+              <a:t> </a:t>
+            </a:r>
+            <a:r>
+              <a:rPr lang="de-CH" sz="1400" dirty="0" err="1">
+                <a:sym typeface="Wingdings" panose="05000000000000000000" pitchFamily="2" charset="2"/>
+              </a:rPr>
+              <a:t>applying</a:t>
+            </a:r>
+            <a:r>
+              <a:rPr lang="de-CH" sz="1400" dirty="0">
+                <a:sym typeface="Wingdings" panose="05000000000000000000" pitchFamily="2" charset="2"/>
+              </a:rPr>
+              <a:t> </a:t>
+            </a:r>
+            <a:r>
+              <a:rPr lang="de-CH" sz="1400" dirty="0" err="1">
+                <a:sym typeface="Wingdings" panose="05000000000000000000" pitchFamily="2" charset="2"/>
+              </a:rPr>
+              <a:t>the</a:t>
+            </a:r>
+            <a:r>
+              <a:rPr lang="de-CH" sz="1400" dirty="0">
+                <a:sym typeface="Wingdings" panose="05000000000000000000" pitchFamily="2" charset="2"/>
+              </a:rPr>
+              <a:t> </a:t>
+            </a:r>
+            <a:r>
+              <a:rPr lang="de-CH" sz="1400" dirty="0" err="1">
+                <a:sym typeface="Wingdings" panose="05000000000000000000" pitchFamily="2" charset="2"/>
+              </a:rPr>
+              <a:t>GridSearch</a:t>
+            </a:r>
+            <a:r>
+              <a:rPr lang="de-CH" sz="1400" dirty="0">
+                <a:sym typeface="Wingdings" panose="05000000000000000000" pitchFamily="2" charset="2"/>
+              </a:rPr>
+              <a:t> </a:t>
+            </a:r>
+            <a:r>
+              <a:rPr lang="de-CH" sz="1400" dirty="0" err="1">
+                <a:sym typeface="Wingdings" panose="05000000000000000000" pitchFamily="2" charset="2"/>
+              </a:rPr>
+              <a:t>algorithm</a:t>
+            </a:r>
+            <a:r>
+              <a:rPr lang="de-CH" sz="1400" dirty="0">
+                <a:sym typeface="Wingdings" panose="05000000000000000000" pitchFamily="2" charset="2"/>
+              </a:rPr>
+              <a:t> and </a:t>
+            </a:r>
+            <a:r>
+              <a:rPr lang="de-CH" sz="1400" dirty="0" err="1">
+                <a:sym typeface="Wingdings" panose="05000000000000000000" pitchFamily="2" charset="2"/>
+              </a:rPr>
+              <a:t>trying</a:t>
+            </a:r>
+            <a:r>
+              <a:rPr lang="de-CH" sz="1400" dirty="0">
+                <a:sym typeface="Wingdings" panose="05000000000000000000" pitchFamily="2" charset="2"/>
+              </a:rPr>
+              <a:t> out different </a:t>
+            </a:r>
+            <a:r>
+              <a:rPr lang="de-CH" sz="1400" dirty="0" err="1">
+                <a:sym typeface="Wingdings" panose="05000000000000000000" pitchFamily="2" charset="2"/>
+              </a:rPr>
+              <a:t>threshold</a:t>
+            </a:r>
+            <a:r>
+              <a:rPr lang="de-CH" sz="1400" dirty="0">
+                <a:sym typeface="Wingdings" panose="05000000000000000000" pitchFamily="2" charset="2"/>
+              </a:rPr>
+              <a:t> </a:t>
+            </a:r>
+            <a:r>
+              <a:rPr lang="de-CH" sz="1400" dirty="0" err="1">
+                <a:sym typeface="Wingdings" panose="05000000000000000000" pitchFamily="2" charset="2"/>
+              </a:rPr>
+              <a:t>levels</a:t>
+            </a:r>
+            <a:r>
+              <a:rPr lang="de-CH" sz="1400" dirty="0">
+                <a:sym typeface="Wingdings" panose="05000000000000000000" pitchFamily="2" charset="2"/>
+              </a:rPr>
+              <a:t> </a:t>
+            </a:r>
+            <a:r>
+              <a:rPr lang="de-CH" sz="1400" dirty="0" err="1">
+                <a:sym typeface="Wingdings" panose="05000000000000000000" pitchFamily="2" charset="2"/>
+              </a:rPr>
+              <a:t>for</a:t>
+            </a:r>
+            <a:r>
+              <a:rPr lang="de-CH" sz="1400" dirty="0">
+                <a:sym typeface="Wingdings" panose="05000000000000000000" pitchFamily="2" charset="2"/>
+              </a:rPr>
+              <a:t> </a:t>
+            </a:r>
+            <a:r>
+              <a:rPr lang="de-CH" sz="1400" dirty="0" err="1">
+                <a:sym typeface="Wingdings" panose="05000000000000000000" pitchFamily="2" charset="2"/>
+              </a:rPr>
+              <a:t>the</a:t>
+            </a:r>
+            <a:r>
+              <a:rPr lang="de-CH" sz="1400" dirty="0">
+                <a:sym typeface="Wingdings" panose="05000000000000000000" pitchFamily="2" charset="2"/>
+              </a:rPr>
+              <a:t> </a:t>
+            </a:r>
+            <a:r>
+              <a:rPr lang="de-CH" sz="1400" dirty="0" err="1">
+                <a:sym typeface="Wingdings" panose="05000000000000000000" pitchFamily="2" charset="2"/>
+              </a:rPr>
+              <a:t>algorithms</a:t>
+            </a:r>
+            <a:r>
+              <a:rPr lang="de-CH" sz="1400" dirty="0">
+                <a:sym typeface="Wingdings" panose="05000000000000000000" pitchFamily="2" charset="2"/>
+              </a:rPr>
+              <a:t>  </a:t>
+            </a:r>
+            <a:r>
+              <a:rPr lang="de-CH" sz="1400" dirty="0" err="1">
+                <a:sym typeface="Wingdings" panose="05000000000000000000" pitchFamily="2" charset="2"/>
+              </a:rPr>
+              <a:t>thershold</a:t>
+            </a:r>
+            <a:r>
+              <a:rPr lang="de-CH" sz="1400" dirty="0">
+                <a:sym typeface="Wingdings" panose="05000000000000000000" pitchFamily="2" charset="2"/>
+              </a:rPr>
+              <a:t> </a:t>
+            </a:r>
+            <a:r>
+              <a:rPr lang="de-CH" sz="1400" dirty="0" err="1">
+                <a:sym typeface="Wingdings" panose="05000000000000000000" pitchFamily="2" charset="2"/>
+              </a:rPr>
+              <a:t>sensitivity</a:t>
+            </a:r>
+            <a:r>
+              <a:rPr lang="de-CH" sz="1400" dirty="0">
+                <a:sym typeface="Wingdings" panose="05000000000000000000" pitchFamily="2" charset="2"/>
+              </a:rPr>
+              <a:t> </a:t>
+            </a:r>
+            <a:r>
+              <a:rPr lang="de-CH" sz="1400" dirty="0" err="1">
+                <a:sym typeface="Wingdings" panose="05000000000000000000" pitchFamily="2" charset="2"/>
+              </a:rPr>
+              <a:t>as</a:t>
+            </a:r>
+            <a:r>
+              <a:rPr lang="de-CH" sz="1400" dirty="0">
+                <a:sym typeface="Wingdings" panose="05000000000000000000" pitchFamily="2" charset="2"/>
+              </a:rPr>
+              <a:t> </a:t>
+            </a:r>
+            <a:r>
+              <a:rPr lang="de-CH" sz="1400" dirty="0" err="1">
+                <a:sym typeface="Wingdings" panose="05000000000000000000" pitchFamily="2" charset="2"/>
+              </a:rPr>
+              <a:t>room</a:t>
+            </a:r>
+            <a:r>
+              <a:rPr lang="de-CH" sz="1400" dirty="0">
+                <a:sym typeface="Wingdings" panose="05000000000000000000" pitchFamily="2" charset="2"/>
+              </a:rPr>
+              <a:t> </a:t>
+            </a:r>
+            <a:r>
+              <a:rPr lang="de-CH" sz="1400" dirty="0" err="1">
+                <a:sym typeface="Wingdings" panose="05000000000000000000" pitchFamily="2" charset="2"/>
+              </a:rPr>
+              <a:t>for</a:t>
+            </a:r>
+            <a:r>
+              <a:rPr lang="de-CH" sz="1400" dirty="0">
+                <a:sym typeface="Wingdings" panose="05000000000000000000" pitchFamily="2" charset="2"/>
+              </a:rPr>
+              <a:t> </a:t>
+            </a:r>
+            <a:r>
+              <a:rPr lang="de-CH" sz="1400" dirty="0" err="1">
+                <a:sym typeface="Wingdings" panose="05000000000000000000" pitchFamily="2" charset="2"/>
+              </a:rPr>
+              <a:t>improvement</a:t>
+            </a:r>
+            <a:endParaRPr lang="de-CH" sz="1400" dirty="0">
+              <a:sym typeface="Wingdings" panose="05000000000000000000" pitchFamily="2" charset="2"/>
+            </a:endParaRPr>
+          </a:p>
+          <a:p>
+            <a:pPr marL="285750" indent="-285750">
+              <a:buFontTx/>
+              <a:buChar char="-"/>
+            </a:pPr>
+            <a:endParaRPr lang="de-CH" sz="1400" dirty="0">
+              <a:sym typeface="Wingdings" panose="05000000000000000000" pitchFamily="2" charset="2"/>
+            </a:endParaRPr>
+          </a:p>
+          <a:p>
+            <a:pPr marL="285750" indent="-285750">
+              <a:buFontTx/>
+              <a:buChar char="-"/>
+            </a:pPr>
+            <a:r>
+              <a:rPr lang="de-CH" sz="1400" dirty="0">
+                <a:sym typeface="Wingdings" panose="05000000000000000000" pitchFamily="2" charset="2"/>
+              </a:rPr>
+              <a:t>Data </a:t>
+            </a:r>
+            <a:r>
+              <a:rPr lang="de-CH" sz="1400" dirty="0" err="1">
+                <a:sym typeface="Wingdings" panose="05000000000000000000" pitchFamily="2" charset="2"/>
+              </a:rPr>
+              <a:t>preprocessing</a:t>
+            </a:r>
+            <a:r>
+              <a:rPr lang="de-CH" sz="1400" dirty="0">
+                <a:sym typeface="Wingdings" panose="05000000000000000000" pitchFamily="2" charset="2"/>
+              </a:rPr>
+              <a:t> </a:t>
+            </a:r>
+            <a:r>
+              <a:rPr lang="de-CH" sz="1400" dirty="0" err="1">
+                <a:sym typeface="Wingdings" panose="05000000000000000000" pitchFamily="2" charset="2"/>
+              </a:rPr>
+              <a:t>is</a:t>
+            </a:r>
+            <a:r>
+              <a:rPr lang="de-CH" sz="1400" dirty="0">
+                <a:sym typeface="Wingdings" panose="05000000000000000000" pitchFamily="2" charset="2"/>
+              </a:rPr>
+              <a:t> a </a:t>
+            </a:r>
+            <a:r>
+              <a:rPr lang="de-CH" sz="1400" dirty="0" err="1">
+                <a:sym typeface="Wingdings" panose="05000000000000000000" pitchFamily="2" charset="2"/>
+              </a:rPr>
+              <a:t>very</a:t>
+            </a:r>
+            <a:r>
+              <a:rPr lang="de-CH" sz="1400" dirty="0">
+                <a:sym typeface="Wingdings" panose="05000000000000000000" pitchFamily="2" charset="2"/>
+              </a:rPr>
+              <a:t> </a:t>
+            </a:r>
+            <a:r>
+              <a:rPr lang="de-CH" sz="1400" dirty="0" err="1">
+                <a:sym typeface="Wingdings" panose="05000000000000000000" pitchFamily="2" charset="2"/>
+              </a:rPr>
+              <a:t>important</a:t>
+            </a:r>
+            <a:r>
+              <a:rPr lang="de-CH" sz="1400" dirty="0">
+                <a:sym typeface="Wingdings" panose="05000000000000000000" pitchFamily="2" charset="2"/>
+              </a:rPr>
+              <a:t> </a:t>
+            </a:r>
+            <a:r>
+              <a:rPr lang="de-CH" sz="1400" dirty="0" err="1">
+                <a:sym typeface="Wingdings" panose="05000000000000000000" pitchFamily="2" charset="2"/>
+              </a:rPr>
+              <a:t>step</a:t>
+            </a:r>
+            <a:r>
+              <a:rPr lang="de-CH" sz="1400" dirty="0">
+                <a:sym typeface="Wingdings" panose="05000000000000000000" pitchFamily="2" charset="2"/>
+              </a:rPr>
+              <a:t> and </a:t>
+            </a:r>
+            <a:r>
+              <a:rPr lang="de-CH" sz="1400" dirty="0" err="1">
+                <a:sym typeface="Wingdings" panose="05000000000000000000" pitchFamily="2" charset="2"/>
+              </a:rPr>
+              <a:t>with</a:t>
+            </a:r>
+            <a:r>
+              <a:rPr lang="de-CH" sz="1400" dirty="0">
+                <a:sym typeface="Wingdings" panose="05000000000000000000" pitchFamily="2" charset="2"/>
+              </a:rPr>
+              <a:t> a </a:t>
+            </a:r>
+            <a:r>
+              <a:rPr lang="de-CH" sz="1400" dirty="0" err="1">
+                <a:sym typeface="Wingdings" panose="05000000000000000000" pitchFamily="2" charset="2"/>
+              </a:rPr>
+              <a:t>looser</a:t>
+            </a:r>
+            <a:r>
+              <a:rPr lang="de-CH" sz="1400" dirty="0">
+                <a:sym typeface="Wingdings" panose="05000000000000000000" pitchFamily="2" charset="2"/>
+              </a:rPr>
+              <a:t> time </a:t>
+            </a:r>
+            <a:r>
+              <a:rPr lang="de-CH" sz="1400" dirty="0" err="1">
+                <a:sym typeface="Wingdings" panose="05000000000000000000" pitchFamily="2" charset="2"/>
+              </a:rPr>
+              <a:t>restriction</a:t>
+            </a:r>
+            <a:r>
+              <a:rPr lang="de-CH" sz="1400" dirty="0">
+                <a:sym typeface="Wingdings" panose="05000000000000000000" pitchFamily="2" charset="2"/>
+              </a:rPr>
+              <a:t> different </a:t>
+            </a:r>
+            <a:r>
+              <a:rPr lang="de-CH" sz="1400" dirty="0" err="1">
+                <a:sym typeface="Wingdings" panose="05000000000000000000" pitchFamily="2" charset="2"/>
+              </a:rPr>
+              <a:t>ways</a:t>
+            </a:r>
+            <a:r>
+              <a:rPr lang="de-CH" sz="1400" dirty="0">
+                <a:sym typeface="Wingdings" panose="05000000000000000000" pitchFamily="2" charset="2"/>
+              </a:rPr>
+              <a:t> </a:t>
+            </a:r>
+            <a:r>
+              <a:rPr lang="de-CH" sz="1400" dirty="0" err="1">
+                <a:sym typeface="Wingdings" panose="05000000000000000000" pitchFamily="2" charset="2"/>
+              </a:rPr>
+              <a:t>of</a:t>
+            </a:r>
+            <a:r>
+              <a:rPr lang="de-CH" sz="1400" dirty="0">
+                <a:sym typeface="Wingdings" panose="05000000000000000000" pitchFamily="2" charset="2"/>
+              </a:rPr>
+              <a:t> </a:t>
+            </a:r>
+            <a:r>
+              <a:rPr lang="de-CH" sz="1400" dirty="0" err="1">
+                <a:sym typeface="Wingdings" panose="05000000000000000000" pitchFamily="2" charset="2"/>
+              </a:rPr>
+              <a:t>handling</a:t>
+            </a:r>
+            <a:r>
+              <a:rPr lang="de-CH" sz="1400" dirty="0">
+                <a:sym typeface="Wingdings" panose="05000000000000000000" pitchFamily="2" charset="2"/>
+              </a:rPr>
+              <a:t> a </a:t>
+            </a:r>
+            <a:r>
+              <a:rPr lang="de-CH" sz="1400" dirty="0" err="1">
+                <a:sym typeface="Wingdings" panose="05000000000000000000" pitchFamily="2" charset="2"/>
+              </a:rPr>
+              <a:t>task</a:t>
+            </a:r>
+            <a:r>
+              <a:rPr lang="de-CH" sz="1400" dirty="0">
+                <a:sym typeface="Wingdings" panose="05000000000000000000" pitchFamily="2" charset="2"/>
+              </a:rPr>
+              <a:t> </a:t>
+            </a:r>
+            <a:r>
+              <a:rPr lang="de-CH" sz="1400" dirty="0" err="1">
+                <a:sym typeface="Wingdings" panose="05000000000000000000" pitchFamily="2" charset="2"/>
+              </a:rPr>
+              <a:t>can</a:t>
+            </a:r>
+            <a:r>
+              <a:rPr lang="de-CH" sz="1400" dirty="0">
+                <a:sym typeface="Wingdings" panose="05000000000000000000" pitchFamily="2" charset="2"/>
+              </a:rPr>
+              <a:t> </a:t>
+            </a:r>
+            <a:r>
+              <a:rPr lang="de-CH" sz="1400" dirty="0" err="1">
+                <a:sym typeface="Wingdings" panose="05000000000000000000" pitchFamily="2" charset="2"/>
+              </a:rPr>
+              <a:t>be</a:t>
+            </a:r>
+            <a:r>
+              <a:rPr lang="de-CH" sz="1400" dirty="0">
+                <a:sym typeface="Wingdings" panose="05000000000000000000" pitchFamily="2" charset="2"/>
+              </a:rPr>
+              <a:t> </a:t>
+            </a:r>
+            <a:r>
+              <a:rPr lang="de-CH" sz="1400" dirty="0" err="1">
+                <a:sym typeface="Wingdings" panose="05000000000000000000" pitchFamily="2" charset="2"/>
+              </a:rPr>
+              <a:t>deeper</a:t>
+            </a:r>
+            <a:r>
+              <a:rPr lang="de-CH" sz="1400" dirty="0">
+                <a:sym typeface="Wingdings" panose="05000000000000000000" pitchFamily="2" charset="2"/>
+              </a:rPr>
+              <a:t> </a:t>
+            </a:r>
+            <a:r>
+              <a:rPr lang="de-CH" sz="1400" dirty="0" err="1">
+                <a:sym typeface="Wingdings" panose="05000000000000000000" pitchFamily="2" charset="2"/>
+              </a:rPr>
+              <a:t>investigated</a:t>
+            </a:r>
+            <a:endParaRPr lang="de-CH" sz="1400" dirty="0">
+              <a:sym typeface="Wingdings" panose="05000000000000000000" pitchFamily="2" charset="2"/>
+            </a:endParaRPr>
+          </a:p>
+          <a:p>
+            <a:pPr marL="285750" indent="-285750">
+              <a:buFontTx/>
+              <a:buChar char="-"/>
+            </a:pPr>
+            <a:endParaRPr lang="de-CH" sz="1400" dirty="0">
+              <a:sym typeface="Wingdings" panose="05000000000000000000" pitchFamily="2" charset="2"/>
+            </a:endParaRPr>
+          </a:p>
+          <a:p>
+            <a:pPr marL="285750" indent="-285750">
+              <a:buFontTx/>
+              <a:buChar char="-"/>
+            </a:pPr>
+            <a:r>
+              <a:rPr lang="de-CH" sz="1400" dirty="0">
+                <a:sym typeface="Wingdings" panose="05000000000000000000" pitchFamily="2" charset="2"/>
+              </a:rPr>
+              <a:t>Feature </a:t>
+            </a:r>
+            <a:r>
+              <a:rPr lang="de-CH" sz="1400" dirty="0" err="1">
+                <a:sym typeface="Wingdings" panose="05000000000000000000" pitchFamily="2" charset="2"/>
+              </a:rPr>
+              <a:t>selection</a:t>
+            </a:r>
+            <a:r>
+              <a:rPr lang="de-CH" sz="1400" dirty="0">
+                <a:sym typeface="Wingdings" panose="05000000000000000000" pitchFamily="2" charset="2"/>
+              </a:rPr>
+              <a:t> </a:t>
+            </a:r>
+            <a:r>
+              <a:rPr lang="de-CH" sz="1400" dirty="0" err="1">
+                <a:sym typeface="Wingdings" panose="05000000000000000000" pitchFamily="2" charset="2"/>
+              </a:rPr>
+              <a:t>as</a:t>
+            </a:r>
+            <a:r>
+              <a:rPr lang="de-CH" sz="1400" dirty="0">
+                <a:sym typeface="Wingdings" panose="05000000000000000000" pitchFamily="2" charset="2"/>
+              </a:rPr>
+              <a:t> an </a:t>
+            </a:r>
+            <a:r>
+              <a:rPr lang="de-CH" sz="1400" dirty="0" err="1">
+                <a:sym typeface="Wingdings" panose="05000000000000000000" pitchFamily="2" charset="2"/>
+              </a:rPr>
+              <a:t>important</a:t>
+            </a:r>
+            <a:r>
+              <a:rPr lang="de-CH" sz="1400" dirty="0">
+                <a:sym typeface="Wingdings" panose="05000000000000000000" pitchFamily="2" charset="2"/>
+              </a:rPr>
+              <a:t> </a:t>
+            </a:r>
+            <a:r>
+              <a:rPr lang="de-CH" sz="1400" dirty="0" err="1">
+                <a:sym typeface="Wingdings" panose="05000000000000000000" pitchFamily="2" charset="2"/>
+              </a:rPr>
+              <a:t>component</a:t>
+            </a:r>
+            <a:endParaRPr lang="de-CH" sz="1400" dirty="0">
+              <a:sym typeface="Wingdings" panose="05000000000000000000" pitchFamily="2" charset="2"/>
+            </a:endParaRPr>
+          </a:p>
+          <a:p>
+            <a:pPr marL="285750" indent="-285750">
+              <a:buFontTx/>
+              <a:buChar char="-"/>
+            </a:pPr>
+            <a:endParaRPr lang="de-CH" sz="1400" dirty="0">
+              <a:sym typeface="Wingdings" panose="05000000000000000000" pitchFamily="2" charset="2"/>
+            </a:endParaRPr>
+          </a:p>
+          <a:p>
+            <a:pPr marL="285750" indent="-285750">
+              <a:buFontTx/>
+              <a:buChar char="-"/>
+            </a:pPr>
+            <a:endParaRPr lang="de-CH" sz="1400" dirty="0"/>
+          </a:p>
+        </p:txBody>
+      </p:sp>
+    </p:spTree>
+    <p:extLst>
+      <p:ext uri="{BB962C8B-B14F-4D97-AF65-F5344CB8AC3E}">
+        <p14:creationId xmlns:p14="http://schemas.microsoft.com/office/powerpoint/2010/main" val="142629478"/>
       </p:ext>
     </p:extLst>
   </p:cSld>
@@ -9588,7 +9481,7 @@
         <a:effectLst/>
         <a:extLst>
           <a:ext uri="{AF507438-7753-43e0-B8FC-AC1667EBCBE1}">
-            <a14:hiddenEffects xmlns="" xmlns:a14="http://schemas.microsoft.com/office/drawing/2010/main">
+            <a14:hiddenEffects xmlns:a14="http://schemas.microsoft.com/office/drawing/2010/main" xmlns="">
               <a:effectLst>
                 <a:outerShdw blurRad="63500" dist="35921" dir="2700000" algn="ctr" rotWithShape="0">
                   <a:schemeClr val="bg2"/>
@@ -9663,7 +9556,7 @@
         <a:effectLst/>
         <a:extLst>
           <a:ext uri="{AF507438-7753-43e0-B8FC-AC1667EBCBE1}">
-            <a14:hiddenEffects xmlns="" xmlns:a14="http://schemas.microsoft.com/office/drawing/2010/main">
+            <a14:hiddenEffects xmlns:a14="http://schemas.microsoft.com/office/drawing/2010/main" xmlns="">
               <a:effectLst>
                 <a:outerShdw blurRad="63500" dist="35921" dir="2700000" algn="ctr" rotWithShape="0">
                   <a:schemeClr val="bg2"/>

--- a/Machine_Learning_in_Finance_Gruppenarbeit_Gruppe1_V1.pptx
+++ b/Machine_Learning_in_Finance_Gruppenarbeit_Gruppe1_V1.pptx
@@ -276,14 +276,14 @@
           <a:effectLst/>
           <a:extLst>
             <a:ext uri="{909E8E84-426E-40dd-AFC4-6F175D3DCCD1}">
-              <a14:hiddenFill xmlns:a14="http://schemas.microsoft.com/office/drawing/2010/main" xmlns="">
+              <a14:hiddenFill xmlns="" xmlns:a14="http://schemas.microsoft.com/office/drawing/2010/main">
                 <a:solidFill>
                   <a:schemeClr val="accent1"/>
                 </a:solidFill>
               </a14:hiddenFill>
             </a:ext>
             <a:ext uri="{91240B29-F687-4f45-9708-019B960494DF}">
-              <a14:hiddenLine xmlns:a14="http://schemas.microsoft.com/office/drawing/2010/main" xmlns="" w="9525">
+              <a14:hiddenLine xmlns="" xmlns:a14="http://schemas.microsoft.com/office/drawing/2010/main" w="9525">
                 <a:solidFill>
                   <a:schemeClr val="tx1"/>
                 </a:solidFill>
@@ -293,7 +293,7 @@
               </a14:hiddenLine>
             </a:ext>
             <a:ext uri="{AF507438-7753-43e0-B8FC-AC1667EBCBE1}">
-              <a14:hiddenEffects xmlns:a14="http://schemas.microsoft.com/office/drawing/2010/main" xmlns="">
+              <a14:hiddenEffects xmlns="" xmlns:a14="http://schemas.microsoft.com/office/drawing/2010/main">
                 <a:effectLst>
                   <a:outerShdw blurRad="63500" dist="38099" dir="2700000" algn="ctr" rotWithShape="0">
                     <a:schemeClr val="bg2">
@@ -304,7 +304,7 @@
               </a14:hiddenEffects>
             </a:ext>
             <a:ext uri="{FAA26D3D-D897-4be2-8F04-BA451C77F1D7}">
-              <ma14:placeholderFlag xmlns:ma14="http://schemas.microsoft.com/office/mac/drawingml/2011/main" xmlns="" val="1"/>
+              <ma14:placeholderFlag xmlns="" xmlns:ma14="http://schemas.microsoft.com/office/mac/drawingml/2011/main" val="1"/>
             </a:ext>
           </a:extLst>
         </p:spPr>
@@ -349,14 +349,14 @@
           <a:effectLst/>
           <a:extLst>
             <a:ext uri="{909E8E84-426E-40dd-AFC4-6F175D3DCCD1}">
-              <a14:hiddenFill xmlns:a14="http://schemas.microsoft.com/office/drawing/2010/main" xmlns="">
+              <a14:hiddenFill xmlns="" xmlns:a14="http://schemas.microsoft.com/office/drawing/2010/main">
                 <a:solidFill>
                   <a:schemeClr val="accent1"/>
                 </a:solidFill>
               </a14:hiddenFill>
             </a:ext>
             <a:ext uri="{91240B29-F687-4f45-9708-019B960494DF}">
-              <a14:hiddenLine xmlns:a14="http://schemas.microsoft.com/office/drawing/2010/main" xmlns="" w="9525">
+              <a14:hiddenLine xmlns="" xmlns:a14="http://schemas.microsoft.com/office/drawing/2010/main" w="9525">
                 <a:solidFill>
                   <a:schemeClr val="tx1"/>
                 </a:solidFill>
@@ -366,7 +366,7 @@
               </a14:hiddenLine>
             </a:ext>
             <a:ext uri="{AF507438-7753-43e0-B8FC-AC1667EBCBE1}">
-              <a14:hiddenEffects xmlns:a14="http://schemas.microsoft.com/office/drawing/2010/main" xmlns="">
+              <a14:hiddenEffects xmlns="" xmlns:a14="http://schemas.microsoft.com/office/drawing/2010/main">
                 <a:effectLst>
                   <a:outerShdw blurRad="63500" dist="38099" dir="2700000" algn="ctr" rotWithShape="0">
                     <a:schemeClr val="bg2">
@@ -377,7 +377,7 @@
               </a14:hiddenEffects>
             </a:ext>
             <a:ext uri="{FAA26D3D-D897-4be2-8F04-BA451C77F1D7}">
-              <ma14:placeholderFlag xmlns:ma14="http://schemas.microsoft.com/office/mac/drawingml/2011/main" xmlns="" val="1"/>
+              <ma14:placeholderFlag xmlns="" xmlns:ma14="http://schemas.microsoft.com/office/mac/drawingml/2011/main" val="1"/>
             </a:ext>
           </a:extLst>
         </p:spPr>
@@ -427,7 +427,7 @@
           <a:effectLst/>
           <a:extLst>
             <a:ext uri="{AF507438-7753-43e0-B8FC-AC1667EBCBE1}">
-              <a14:hiddenEffects xmlns:a14="http://schemas.microsoft.com/office/drawing/2010/main" xmlns="">
+              <a14:hiddenEffects xmlns="" xmlns:a14="http://schemas.microsoft.com/office/drawing/2010/main">
                 <a:effectLst>
                   <a:outerShdw blurRad="63500" dist="38099" dir="2700000" algn="ctr" rotWithShape="0">
                     <a:srgbClr val="000000">
@@ -438,7 +438,7 @@
               </a14:hiddenEffects>
             </a:ext>
             <a:ext uri="{53640926-AAD7-44d8-BBD7-CCE9431645EC}">
-              <a14:shadowObscured xmlns:a14="http://schemas.microsoft.com/office/drawing/2010/main" xmlns="" val="1"/>
+              <a14:shadowObscured xmlns="" xmlns:a14="http://schemas.microsoft.com/office/drawing/2010/main" val="1"/>
             </a:ext>
           </a:extLst>
         </p:spPr>
@@ -468,14 +468,14 @@
           <a:effectLst/>
           <a:extLst>
             <a:ext uri="{909E8E84-426E-40dd-AFC4-6F175D3DCCD1}">
-              <a14:hiddenFill xmlns:a14="http://schemas.microsoft.com/office/drawing/2010/main" xmlns="">
+              <a14:hiddenFill xmlns="" xmlns:a14="http://schemas.microsoft.com/office/drawing/2010/main">
                 <a:solidFill>
                   <a:schemeClr val="accent1"/>
                 </a:solidFill>
               </a14:hiddenFill>
             </a:ext>
             <a:ext uri="{91240B29-F687-4f45-9708-019B960494DF}">
-              <a14:hiddenLine xmlns:a14="http://schemas.microsoft.com/office/drawing/2010/main" xmlns="" w="9525">
+              <a14:hiddenLine xmlns="" xmlns:a14="http://schemas.microsoft.com/office/drawing/2010/main" w="9525">
                 <a:solidFill>
                   <a:schemeClr val="tx1"/>
                 </a:solidFill>
@@ -485,7 +485,7 @@
               </a14:hiddenLine>
             </a:ext>
             <a:ext uri="{AF507438-7753-43e0-B8FC-AC1667EBCBE1}">
-              <a14:hiddenEffects xmlns:a14="http://schemas.microsoft.com/office/drawing/2010/main" xmlns="">
+              <a14:hiddenEffects xmlns="" xmlns:a14="http://schemas.microsoft.com/office/drawing/2010/main">
                 <a:effectLst>
                   <a:outerShdw blurRad="63500" dist="38099" dir="2700000" algn="ctr" rotWithShape="0">
                     <a:schemeClr val="bg2">
@@ -496,7 +496,7 @@
               </a14:hiddenEffects>
             </a:ext>
             <a:ext uri="{FAA26D3D-D897-4be2-8F04-BA451C77F1D7}">
-              <ma14:placeholderFlag xmlns:ma14="http://schemas.microsoft.com/office/mac/drawingml/2011/main" xmlns="" val="1"/>
+              <ma14:placeholderFlag xmlns="" xmlns:ma14="http://schemas.microsoft.com/office/mac/drawingml/2011/main" val="1"/>
             </a:ext>
           </a:extLst>
         </p:spPr>
@@ -569,14 +569,14 @@
           <a:effectLst/>
           <a:extLst>
             <a:ext uri="{909E8E84-426E-40dd-AFC4-6F175D3DCCD1}">
-              <a14:hiddenFill xmlns:a14="http://schemas.microsoft.com/office/drawing/2010/main" xmlns="">
+              <a14:hiddenFill xmlns="" xmlns:a14="http://schemas.microsoft.com/office/drawing/2010/main">
                 <a:solidFill>
                   <a:schemeClr val="accent1"/>
                 </a:solidFill>
               </a14:hiddenFill>
             </a:ext>
             <a:ext uri="{91240B29-F687-4f45-9708-019B960494DF}">
-              <a14:hiddenLine xmlns:a14="http://schemas.microsoft.com/office/drawing/2010/main" xmlns="" w="9525">
+              <a14:hiddenLine xmlns="" xmlns:a14="http://schemas.microsoft.com/office/drawing/2010/main" w="9525">
                 <a:solidFill>
                   <a:schemeClr val="tx1"/>
                 </a:solidFill>
@@ -586,7 +586,7 @@
               </a14:hiddenLine>
             </a:ext>
             <a:ext uri="{AF507438-7753-43e0-B8FC-AC1667EBCBE1}">
-              <a14:hiddenEffects xmlns:a14="http://schemas.microsoft.com/office/drawing/2010/main" xmlns="">
+              <a14:hiddenEffects xmlns="" xmlns:a14="http://schemas.microsoft.com/office/drawing/2010/main">
                 <a:effectLst>
                   <a:outerShdw blurRad="63500" dist="38099" dir="2700000" algn="ctr" rotWithShape="0">
                     <a:schemeClr val="bg2">
@@ -597,7 +597,7 @@
               </a14:hiddenEffects>
             </a:ext>
             <a:ext uri="{FAA26D3D-D897-4be2-8F04-BA451C77F1D7}">
-              <ma14:placeholderFlag xmlns:ma14="http://schemas.microsoft.com/office/mac/drawingml/2011/main" xmlns="" val="1"/>
+              <ma14:placeholderFlag xmlns="" xmlns:ma14="http://schemas.microsoft.com/office/mac/drawingml/2011/main" val="1"/>
             </a:ext>
           </a:extLst>
         </p:spPr>
@@ -642,14 +642,14 @@
           <a:effectLst/>
           <a:extLst>
             <a:ext uri="{909E8E84-426E-40dd-AFC4-6F175D3DCCD1}">
-              <a14:hiddenFill xmlns:a14="http://schemas.microsoft.com/office/drawing/2010/main" xmlns="">
+              <a14:hiddenFill xmlns="" xmlns:a14="http://schemas.microsoft.com/office/drawing/2010/main">
                 <a:solidFill>
                   <a:schemeClr val="accent1"/>
                 </a:solidFill>
               </a14:hiddenFill>
             </a:ext>
             <a:ext uri="{91240B29-F687-4f45-9708-019B960494DF}">
-              <a14:hiddenLine xmlns:a14="http://schemas.microsoft.com/office/drawing/2010/main" xmlns="" w="9525">
+              <a14:hiddenLine xmlns="" xmlns:a14="http://schemas.microsoft.com/office/drawing/2010/main" w="9525">
                 <a:solidFill>
                   <a:schemeClr val="tx1"/>
                 </a:solidFill>
@@ -659,7 +659,7 @@
               </a14:hiddenLine>
             </a:ext>
             <a:ext uri="{AF507438-7753-43e0-B8FC-AC1667EBCBE1}">
-              <a14:hiddenEffects xmlns:a14="http://schemas.microsoft.com/office/drawing/2010/main" xmlns="">
+              <a14:hiddenEffects xmlns="" xmlns:a14="http://schemas.microsoft.com/office/drawing/2010/main">
                 <a:effectLst>
                   <a:outerShdw blurRad="63500" dist="38099" dir="2700000" algn="ctr" rotWithShape="0">
                     <a:schemeClr val="bg2">
@@ -670,7 +670,7 @@
               </a14:hiddenEffects>
             </a:ext>
             <a:ext uri="{FAA26D3D-D897-4be2-8F04-BA451C77F1D7}">
-              <ma14:placeholderFlag xmlns:ma14="http://schemas.microsoft.com/office/mac/drawingml/2011/main" xmlns="" val="1"/>
+              <ma14:placeholderFlag xmlns="" xmlns:ma14="http://schemas.microsoft.com/office/mac/drawingml/2011/main" val="1"/>
             </a:ext>
           </a:extLst>
         </p:spPr>
@@ -1071,7 +1071,7 @@
           <a:effectLst/>
           <a:extLst>
             <a:ext uri="{AF507438-7753-43e0-B8FC-AC1667EBCBE1}">
-              <a14:hiddenEffects xmlns:a14="http://schemas.microsoft.com/office/drawing/2010/main" xmlns="">
+              <a14:hiddenEffects xmlns="" xmlns:a14="http://schemas.microsoft.com/office/drawing/2010/main">
                 <a:effectLst>
                   <a:outerShdw blurRad="63500" dist="35921" dir="2700000" algn="ctr" rotWithShape="0">
                     <a:schemeClr val="bg2"/>
@@ -2054,14 +2054,14 @@
           <a:effectLst/>
           <a:extLst>
             <a:ext uri="{909E8E84-426E-40dd-AFC4-6F175D3DCCD1}">
-              <a14:hiddenFill xmlns:a14="http://schemas.microsoft.com/office/drawing/2010/main" xmlns="">
+              <a14:hiddenFill xmlns="" xmlns:a14="http://schemas.microsoft.com/office/drawing/2010/main">
                 <a:solidFill>
                   <a:schemeClr val="accent1"/>
                 </a:solidFill>
               </a14:hiddenFill>
             </a:ext>
             <a:ext uri="{91240B29-F687-4f45-9708-019B960494DF}">
-              <a14:hiddenLine xmlns:a14="http://schemas.microsoft.com/office/drawing/2010/main" xmlns="" w="9525">
+              <a14:hiddenLine xmlns="" xmlns:a14="http://schemas.microsoft.com/office/drawing/2010/main" w="9525">
                 <a:solidFill>
                   <a:schemeClr val="tx1"/>
                 </a:solidFill>
@@ -2071,7 +2071,7 @@
               </a14:hiddenLine>
             </a:ext>
             <a:ext uri="{AF507438-7753-43e0-B8FC-AC1667EBCBE1}">
-              <a14:hiddenEffects xmlns:a14="http://schemas.microsoft.com/office/drawing/2010/main" xmlns="">
+              <a14:hiddenEffects xmlns="" xmlns:a14="http://schemas.microsoft.com/office/drawing/2010/main">
                 <a:effectLst>
                   <a:outerShdw blurRad="63500" dist="38099" dir="2700000" algn="ctr" rotWithShape="0">
                     <a:schemeClr val="bg2">
@@ -2082,7 +2082,7 @@
               </a14:hiddenEffects>
             </a:ext>
             <a:ext uri="{FAA26D3D-D897-4be2-8F04-BA451C77F1D7}">
-              <ma14:placeholderFlag xmlns:ma14="http://schemas.microsoft.com/office/mac/drawingml/2011/main" xmlns="" val="1"/>
+              <ma14:placeholderFlag xmlns="" xmlns:ma14="http://schemas.microsoft.com/office/mac/drawingml/2011/main" val="1"/>
             </a:ext>
           </a:extLst>
         </p:spPr>
@@ -2127,14 +2127,14 @@
           <a:effectLst/>
           <a:extLst>
             <a:ext uri="{909E8E84-426E-40dd-AFC4-6F175D3DCCD1}">
-              <a14:hiddenFill xmlns:a14="http://schemas.microsoft.com/office/drawing/2010/main" xmlns="">
+              <a14:hiddenFill xmlns="" xmlns:a14="http://schemas.microsoft.com/office/drawing/2010/main">
                 <a:solidFill>
                   <a:schemeClr val="accent1"/>
                 </a:solidFill>
               </a14:hiddenFill>
             </a:ext>
             <a:ext uri="{91240B29-F687-4f45-9708-019B960494DF}">
-              <a14:hiddenLine xmlns:a14="http://schemas.microsoft.com/office/drawing/2010/main" xmlns="" w="9525">
+              <a14:hiddenLine xmlns="" xmlns:a14="http://schemas.microsoft.com/office/drawing/2010/main" w="9525">
                 <a:solidFill>
                   <a:schemeClr val="tx1"/>
                 </a:solidFill>
@@ -2144,7 +2144,7 @@
               </a14:hiddenLine>
             </a:ext>
             <a:ext uri="{AF507438-7753-43e0-B8FC-AC1667EBCBE1}">
-              <a14:hiddenEffects xmlns:a14="http://schemas.microsoft.com/office/drawing/2010/main" xmlns="">
+              <a14:hiddenEffects xmlns="" xmlns:a14="http://schemas.microsoft.com/office/drawing/2010/main">
                 <a:effectLst>
                   <a:outerShdw blurRad="63500" dist="38099" dir="2700000" algn="ctr" rotWithShape="0">
                     <a:schemeClr val="bg2">
@@ -2155,7 +2155,7 @@
               </a14:hiddenEffects>
             </a:ext>
             <a:ext uri="{FAA26D3D-D897-4be2-8F04-BA451C77F1D7}">
-              <ma14:placeholderFlag xmlns:ma14="http://schemas.microsoft.com/office/mac/drawingml/2011/main" xmlns="" val="1"/>
+              <ma14:placeholderFlag xmlns="" xmlns:ma14="http://schemas.microsoft.com/office/mac/drawingml/2011/main" val="1"/>
             </a:ext>
           </a:extLst>
         </p:spPr>
@@ -2228,14 +2228,14 @@
           <a:effectLst/>
           <a:extLst>
             <a:ext uri="{909E8E84-426E-40dd-AFC4-6F175D3DCCD1}">
-              <a14:hiddenFill xmlns:a14="http://schemas.microsoft.com/office/drawing/2010/main" xmlns="">
+              <a14:hiddenFill xmlns="" xmlns:a14="http://schemas.microsoft.com/office/drawing/2010/main">
                 <a:solidFill>
                   <a:schemeClr val="accent1"/>
                 </a:solidFill>
               </a14:hiddenFill>
             </a:ext>
             <a:ext uri="{91240B29-F687-4f45-9708-019B960494DF}">
-              <a14:hiddenLine xmlns:a14="http://schemas.microsoft.com/office/drawing/2010/main" xmlns="" w="9525">
+              <a14:hiddenLine xmlns="" xmlns:a14="http://schemas.microsoft.com/office/drawing/2010/main" w="9525">
                 <a:solidFill>
                   <a:schemeClr val="tx1"/>
                 </a:solidFill>
@@ -2245,7 +2245,7 @@
               </a14:hiddenLine>
             </a:ext>
             <a:ext uri="{AF507438-7753-43e0-B8FC-AC1667EBCBE1}">
-              <a14:hiddenEffects xmlns:a14="http://schemas.microsoft.com/office/drawing/2010/main" xmlns="">
+              <a14:hiddenEffects xmlns="" xmlns:a14="http://schemas.microsoft.com/office/drawing/2010/main">
                 <a:effectLst>
                   <a:outerShdw blurRad="63500" dist="38099" dir="2700000" algn="ctr" rotWithShape="0">
                     <a:schemeClr val="bg2">
@@ -2256,7 +2256,7 @@
               </a14:hiddenEffects>
             </a:ext>
             <a:ext uri="{FAA26D3D-D897-4be2-8F04-BA451C77F1D7}">
-              <ma14:placeholderFlag xmlns:ma14="http://schemas.microsoft.com/office/mac/drawingml/2011/main" xmlns="" val="1"/>
+              <ma14:placeholderFlag xmlns="" xmlns:ma14="http://schemas.microsoft.com/office/mac/drawingml/2011/main" val="1"/>
             </a:ext>
           </a:extLst>
         </p:spPr>
@@ -2304,14 +2304,14 @@
           <a:effectLst/>
           <a:extLst>
             <a:ext uri="{909E8E84-426E-40dd-AFC4-6F175D3DCCD1}">
-              <a14:hiddenFill xmlns:a14="http://schemas.microsoft.com/office/drawing/2010/main" xmlns="">
+              <a14:hiddenFill xmlns="" xmlns:a14="http://schemas.microsoft.com/office/drawing/2010/main">
                 <a:solidFill>
                   <a:schemeClr val="accent1"/>
                 </a:solidFill>
               </a14:hiddenFill>
             </a:ext>
             <a:ext uri="{91240B29-F687-4f45-9708-019B960494DF}">
-              <a14:hiddenLine xmlns:a14="http://schemas.microsoft.com/office/drawing/2010/main" xmlns="" w="9525">
+              <a14:hiddenLine xmlns="" xmlns:a14="http://schemas.microsoft.com/office/drawing/2010/main" w="9525">
                 <a:solidFill>
                   <a:schemeClr val="tx1"/>
                 </a:solidFill>
@@ -2321,7 +2321,7 @@
               </a14:hiddenLine>
             </a:ext>
             <a:ext uri="{AF507438-7753-43e0-B8FC-AC1667EBCBE1}">
-              <a14:hiddenEffects xmlns:a14="http://schemas.microsoft.com/office/drawing/2010/main" xmlns="">
+              <a14:hiddenEffects xmlns="" xmlns:a14="http://schemas.microsoft.com/office/drawing/2010/main">
                 <a:effectLst>
                   <a:outerShdw blurRad="63500" dist="38099" dir="2700000" algn="ctr" rotWithShape="0">
                     <a:schemeClr val="bg2">
@@ -2332,7 +2332,7 @@
               </a14:hiddenEffects>
             </a:ext>
             <a:ext uri="{FAA26D3D-D897-4be2-8F04-BA451C77F1D7}">
-              <ma14:placeholderFlag xmlns:ma14="http://schemas.microsoft.com/office/mac/drawingml/2011/main" xmlns="" val="1"/>
+              <ma14:placeholderFlag xmlns="" xmlns:ma14="http://schemas.microsoft.com/office/mac/drawingml/2011/main" val="1"/>
             </a:ext>
           </a:extLst>
         </p:spPr>
@@ -2388,14 +2388,14 @@
           <a:effectLst/>
           <a:extLst>
             <a:ext uri="{909E8E84-426E-40dd-AFC4-6F175D3DCCD1}">
-              <a14:hiddenFill xmlns:a14="http://schemas.microsoft.com/office/drawing/2010/main" xmlns="">
+              <a14:hiddenFill xmlns="" xmlns:a14="http://schemas.microsoft.com/office/drawing/2010/main">
                 <a:solidFill>
                   <a:schemeClr val="accent1"/>
                 </a:solidFill>
               </a14:hiddenFill>
             </a:ext>
             <a:ext uri="{91240B29-F687-4f45-9708-019B960494DF}">
-              <a14:hiddenLine xmlns:a14="http://schemas.microsoft.com/office/drawing/2010/main" xmlns="" w="9525">
+              <a14:hiddenLine xmlns="" xmlns:a14="http://schemas.microsoft.com/office/drawing/2010/main" w="9525">
                 <a:solidFill>
                   <a:schemeClr val="tx1"/>
                 </a:solidFill>
@@ -2405,7 +2405,7 @@
               </a14:hiddenLine>
             </a:ext>
             <a:ext uri="{AF507438-7753-43e0-B8FC-AC1667EBCBE1}">
-              <a14:hiddenEffects xmlns:a14="http://schemas.microsoft.com/office/drawing/2010/main" xmlns="">
+              <a14:hiddenEffects xmlns="" xmlns:a14="http://schemas.microsoft.com/office/drawing/2010/main">
                 <a:effectLst>
                   <a:outerShdw blurRad="63500" dist="38099" dir="2700000" algn="ctr" rotWithShape="0">
                     <a:schemeClr val="bg2">
@@ -2416,7 +2416,7 @@
               </a14:hiddenEffects>
             </a:ext>
             <a:ext uri="{FAA26D3D-D897-4be2-8F04-BA451C77F1D7}">
-              <ma14:placeholderFlag xmlns:ma14="http://schemas.microsoft.com/office/mac/drawingml/2011/main" xmlns="" val="1"/>
+              <ma14:placeholderFlag xmlns="" xmlns:ma14="http://schemas.microsoft.com/office/mac/drawingml/2011/main" val="1"/>
             </a:ext>
           </a:extLst>
         </p:spPr>
@@ -2473,12 +2473,12 @@
           <a:effectLst/>
           <a:extLst>
             <a:ext uri="{909E8E84-426E-40dd-AFC4-6F175D3DCCD1}">
-              <a14:hiddenFill xmlns:a14="http://schemas.microsoft.com/office/drawing/2010/main" xmlns="">
+              <a14:hiddenFill xmlns="" xmlns:a14="http://schemas.microsoft.com/office/drawing/2010/main">
                 <a:noFill/>
               </a14:hiddenFill>
             </a:ext>
             <a:ext uri="{AF507438-7753-43e0-B8FC-AC1667EBCBE1}">
-              <a14:hiddenEffects xmlns:a14="http://schemas.microsoft.com/office/drawing/2010/main" xmlns="">
+              <a14:hiddenEffects xmlns="" xmlns:a14="http://schemas.microsoft.com/office/drawing/2010/main">
                 <a:effectLst>
                   <a:outerShdw blurRad="63500" dist="38099" dir="2700000" algn="ctr" rotWithShape="0">
                     <a:schemeClr val="bg2">
@@ -2530,7 +2530,7 @@
           <a:noFill/>
           <a:extLst>
             <a:ext uri="{909E8E84-426E-40dd-AFC4-6F175D3DCCD1}">
-              <a14:hiddenFill xmlns:a14="http://schemas.microsoft.com/office/drawing/2010/main" xmlns="">
+              <a14:hiddenFill xmlns="" xmlns:a14="http://schemas.microsoft.com/office/drawing/2010/main">
                 <a:solidFill>
                   <a:srgbClr val="FFFFFF"/>
                 </a:solidFill>
@@ -2562,14 +2562,14 @@
           <a:effectLst/>
           <a:extLst>
             <a:ext uri="{909E8E84-426E-40dd-AFC4-6F175D3DCCD1}">
-              <a14:hiddenFill xmlns:a14="http://schemas.microsoft.com/office/drawing/2010/main" xmlns="">
+              <a14:hiddenFill xmlns="" xmlns:a14="http://schemas.microsoft.com/office/drawing/2010/main">
                 <a:solidFill>
                   <a:schemeClr val="accent1"/>
                 </a:solidFill>
               </a14:hiddenFill>
             </a:ext>
             <a:ext uri="{91240B29-F687-4f45-9708-019B960494DF}">
-              <a14:hiddenLine xmlns:a14="http://schemas.microsoft.com/office/drawing/2010/main" xmlns="" w="9525">
+              <a14:hiddenLine xmlns="" xmlns:a14="http://schemas.microsoft.com/office/drawing/2010/main" w="9525">
                 <a:solidFill>
                   <a:schemeClr val="tx1"/>
                 </a:solidFill>
@@ -2579,7 +2579,7 @@
               </a14:hiddenLine>
             </a:ext>
             <a:ext uri="{AF507438-7753-43e0-B8FC-AC1667EBCBE1}">
-              <a14:hiddenEffects xmlns:a14="http://schemas.microsoft.com/office/drawing/2010/main" xmlns="">
+              <a14:hiddenEffects xmlns="" xmlns:a14="http://schemas.microsoft.com/office/drawing/2010/main">
                 <a:effectLst>
                   <a:outerShdw blurRad="63500" dist="38099" dir="2700000" algn="ctr" rotWithShape="0">
                     <a:schemeClr val="bg2">
@@ -3689,7 +3689,7 @@
           <a:effectLst/>
           <a:extLst>
             <a:ext uri="{AF507438-7753-43e0-B8FC-AC1667EBCBE1}">
-              <a14:hiddenEffects xmlns="" xmlns:a14="http://schemas.microsoft.com/office/drawing/2010/main">
+              <a14:hiddenEffects xmlns:a14="http://schemas.microsoft.com/office/drawing/2010/main" xmlns="">
                 <a:effectLst>
                   <a:outerShdw blurRad="63500" dist="35921" dir="2700000" algn="ctr" rotWithShape="0">
                     <a:schemeClr val="bg2"/>
@@ -3771,7 +3771,7 @@
           <a:effectLst/>
           <a:extLst>
             <a:ext uri="{AF507438-7753-43e0-B8FC-AC1667EBCBE1}">
-              <a14:hiddenEffects xmlns="" xmlns:a14="http://schemas.microsoft.com/office/drawing/2010/main">
+              <a14:hiddenEffects xmlns:a14="http://schemas.microsoft.com/office/drawing/2010/main" xmlns="">
                 <a:effectLst>
                   <a:outerShdw blurRad="63500" dist="35921" dir="2700000" algn="ctr" rotWithShape="0">
                     <a:schemeClr val="bg2"/>
@@ -3853,7 +3853,7 @@
           <a:effectLst/>
           <a:extLst>
             <a:ext uri="{AF507438-7753-43e0-B8FC-AC1667EBCBE1}">
-              <a14:hiddenEffects xmlns="" xmlns:a14="http://schemas.microsoft.com/office/drawing/2010/main">
+              <a14:hiddenEffects xmlns:a14="http://schemas.microsoft.com/office/drawing/2010/main" xmlns="">
                 <a:effectLst>
                   <a:outerShdw blurRad="63500" dist="35921" dir="2700000" algn="ctr" rotWithShape="0">
                     <a:schemeClr val="bg2"/>
@@ -3935,7 +3935,7 @@
           <a:effectLst/>
           <a:extLst>
             <a:ext uri="{AF507438-7753-43e0-B8FC-AC1667EBCBE1}">
-              <a14:hiddenEffects xmlns="" xmlns:a14="http://schemas.microsoft.com/office/drawing/2010/main">
+              <a14:hiddenEffects xmlns:a14="http://schemas.microsoft.com/office/drawing/2010/main" xmlns="">
                 <a:effectLst>
                   <a:outerShdw blurRad="63500" dist="35921" dir="2700000" algn="ctr" rotWithShape="0">
                     <a:schemeClr val="bg2"/>
@@ -4017,7 +4017,7 @@
           <a:effectLst/>
           <a:extLst>
             <a:ext uri="{AF507438-7753-43e0-B8FC-AC1667EBCBE1}">
-              <a14:hiddenEffects xmlns="" xmlns:a14="http://schemas.microsoft.com/office/drawing/2010/main">
+              <a14:hiddenEffects xmlns:a14="http://schemas.microsoft.com/office/drawing/2010/main" xmlns="">
                 <a:effectLst>
                   <a:outerShdw blurRad="63500" dist="35921" dir="2700000" algn="ctr" rotWithShape="0">
                     <a:schemeClr val="bg2"/>
@@ -4099,7 +4099,7 @@
           <a:effectLst/>
           <a:extLst>
             <a:ext uri="{AF507438-7753-43e0-B8FC-AC1667EBCBE1}">
-              <a14:hiddenEffects xmlns="" xmlns:a14="http://schemas.microsoft.com/office/drawing/2010/main">
+              <a14:hiddenEffects xmlns:a14="http://schemas.microsoft.com/office/drawing/2010/main" xmlns="">
                 <a:effectLst>
                   <a:outerShdw blurRad="63500" dist="35921" dir="2700000" algn="ctr" rotWithShape="0">
                     <a:schemeClr val="bg2"/>
@@ -5011,7 +5011,7 @@
           <a:effectLst/>
           <a:extLst>
             <a:ext uri="{AF507438-7753-43e0-B8FC-AC1667EBCBE1}">
-              <a14:hiddenEffects xmlns="" xmlns:a14="http://schemas.microsoft.com/office/drawing/2010/main">
+              <a14:hiddenEffects xmlns:a14="http://schemas.microsoft.com/office/drawing/2010/main" xmlns="">
                 <a:effectLst>
                   <a:outerShdw blurRad="63500" dist="35921" dir="2700000" algn="ctr" rotWithShape="0">
                     <a:schemeClr val="bg2"/>
@@ -5093,7 +5093,7 @@
           <a:effectLst/>
           <a:extLst>
             <a:ext uri="{AF507438-7753-43e0-B8FC-AC1667EBCBE1}">
-              <a14:hiddenEffects xmlns="" xmlns:a14="http://schemas.microsoft.com/office/drawing/2010/main">
+              <a14:hiddenEffects xmlns:a14="http://schemas.microsoft.com/office/drawing/2010/main" xmlns="">
                 <a:effectLst>
                   <a:outerShdw blurRad="63500" dist="35921" dir="2700000" algn="ctr" rotWithShape="0">
                     <a:schemeClr val="bg2"/>
@@ -5175,7 +5175,7 @@
           <a:effectLst/>
           <a:extLst>
             <a:ext uri="{AF507438-7753-43e0-B8FC-AC1667EBCBE1}">
-              <a14:hiddenEffects xmlns="" xmlns:a14="http://schemas.microsoft.com/office/drawing/2010/main">
+              <a14:hiddenEffects xmlns:a14="http://schemas.microsoft.com/office/drawing/2010/main" xmlns="">
                 <a:effectLst>
                   <a:outerShdw blurRad="63500" dist="35921" dir="2700000" algn="ctr" rotWithShape="0">
                     <a:schemeClr val="bg2"/>
@@ -5257,7 +5257,7 @@
           <a:effectLst/>
           <a:extLst>
             <a:ext uri="{AF507438-7753-43e0-B8FC-AC1667EBCBE1}">
-              <a14:hiddenEffects xmlns="" xmlns:a14="http://schemas.microsoft.com/office/drawing/2010/main">
+              <a14:hiddenEffects xmlns:a14="http://schemas.microsoft.com/office/drawing/2010/main" xmlns="">
                 <a:effectLst>
                   <a:outerShdw blurRad="63500" dist="35921" dir="2700000" algn="ctr" rotWithShape="0">
                     <a:schemeClr val="bg2"/>
@@ -5339,7 +5339,7 @@
           <a:effectLst/>
           <a:extLst>
             <a:ext uri="{AF507438-7753-43e0-B8FC-AC1667EBCBE1}">
-              <a14:hiddenEffects xmlns="" xmlns:a14="http://schemas.microsoft.com/office/drawing/2010/main">
+              <a14:hiddenEffects xmlns:a14="http://schemas.microsoft.com/office/drawing/2010/main" xmlns="">
                 <a:effectLst>
                   <a:outerShdw blurRad="63500" dist="35921" dir="2700000" algn="ctr" rotWithShape="0">
                     <a:schemeClr val="bg2"/>
@@ -5421,7 +5421,7 @@
           <a:effectLst/>
           <a:extLst>
             <a:ext uri="{AF507438-7753-43e0-B8FC-AC1667EBCBE1}">
-              <a14:hiddenEffects xmlns="" xmlns:a14="http://schemas.microsoft.com/office/drawing/2010/main">
+              <a14:hiddenEffects xmlns:a14="http://schemas.microsoft.com/office/drawing/2010/main" xmlns="">
                 <a:effectLst>
                   <a:outerShdw blurRad="63500" dist="35921" dir="2700000" algn="ctr" rotWithShape="0">
                     <a:schemeClr val="bg2"/>
@@ -7495,7 +7495,7 @@
             <p:ph idx="1"/>
             <p:extLst>
               <p:ext uri="{D42A27DB-BD31-4B8C-83A1-F6EECF244321}">
-                <p14:modId xmlns:p14="http://schemas.microsoft.com/office/powerpoint/2010/main" val="3845184172"/>
+                <p14:modId xmlns:p14="http://schemas.microsoft.com/office/powerpoint/2010/main" val="3804858998"/>
               </p:ext>
             </p:extLst>
           </p:nvPr>
@@ -7695,9 +7695,10 @@
                     <a:lstStyle/>
                     <a:p>
                       <a:r>
-                        <a:rPr lang="de-CH" dirty="0"/>
-                        <a:t>54.60%</a:t>
-                      </a:r>
+                        <a:rPr lang="de-CH"/>
+                        <a:t>56.08%</a:t>
+                      </a:r>
+                      <a:endParaRPr lang="de-CH" dirty="0"/>
                     </a:p>
                   </a:txBody>
                   <a:tcPr/>
@@ -9481,7 +9482,7 @@
         <a:effectLst/>
         <a:extLst>
           <a:ext uri="{AF507438-7753-43e0-B8FC-AC1667EBCBE1}">
-            <a14:hiddenEffects xmlns:a14="http://schemas.microsoft.com/office/drawing/2010/main" xmlns="">
+            <a14:hiddenEffects xmlns="" xmlns:a14="http://schemas.microsoft.com/office/drawing/2010/main">
               <a:effectLst>
                 <a:outerShdw blurRad="63500" dist="35921" dir="2700000" algn="ctr" rotWithShape="0">
                   <a:schemeClr val="bg2"/>
@@ -9556,7 +9557,7 @@
         <a:effectLst/>
         <a:extLst>
           <a:ext uri="{AF507438-7753-43e0-B8FC-AC1667EBCBE1}">
-            <a14:hiddenEffects xmlns:a14="http://schemas.microsoft.com/office/drawing/2010/main" xmlns="">
+            <a14:hiddenEffects xmlns="" xmlns:a14="http://schemas.microsoft.com/office/drawing/2010/main">
               <a:effectLst>
                 <a:outerShdw blurRad="63500" dist="35921" dir="2700000" algn="ctr" rotWithShape="0">
                   <a:schemeClr val="bg2"/>
